--- a/presentation2.pptx
+++ b/presentation2.pptx
@@ -21,6 +21,8 @@
     <p:sldId id="279" r:id="rId15"/>
     <p:sldId id="280" r:id="rId16"/>
     <p:sldId id="281" r:id="rId17"/>
+    <p:sldId id="282" r:id="rId18"/>
+    <p:sldId id="283" r:id="rId19"/>
   </p:sldIdLst>
   <p:sldSz cx="12192000" cy="6858000"/>
   <p:notesSz cx="6858000" cy="9144000"/>
@@ -3787,8 +3789,8 @@
           </a:p>
         </p:txBody>
       </p:sp>
-      <mc:AlternateContent xmlns:mc="http://schemas.openxmlformats.org/markup-compatibility/2006">
-        <mc:Choice xmlns:a14="http://schemas.microsoft.com/office/drawing/2010/main" Requires="a14">
+      <mc:AlternateContent xmlns:mc="http://schemas.openxmlformats.org/markup-compatibility/2006" xmlns:a14="http://schemas.microsoft.com/office/drawing/2010/main">
+        <mc:Choice Requires="a14">
           <p:sp>
             <p:nvSpPr>
               <p:cNvPr id="3" name="TextBox 2">
@@ -3899,7 +3901,7 @@
             </p:txBody>
           </p:sp>
         </mc:Choice>
-        <mc:Fallback>
+        <mc:Fallback xmlns="">
           <p:sp>
             <p:nvSpPr>
               <p:cNvPr id="3" name="TextBox 2">
@@ -3944,8 +3946,8 @@
           </p:sp>
         </mc:Fallback>
       </mc:AlternateContent>
-      <mc:AlternateContent xmlns:mc="http://schemas.openxmlformats.org/markup-compatibility/2006">
-        <mc:Choice xmlns:a14="http://schemas.microsoft.com/office/drawing/2010/main" Requires="a14">
+      <mc:AlternateContent xmlns:mc="http://schemas.openxmlformats.org/markup-compatibility/2006" xmlns:a14="http://schemas.microsoft.com/office/drawing/2010/main">
+        <mc:Choice Requires="a14">
           <p:sp>
             <p:nvSpPr>
               <p:cNvPr id="11" name="TextBox 10">
@@ -4056,7 +4058,7 @@
             </p:txBody>
           </p:sp>
         </mc:Choice>
-        <mc:Fallback>
+        <mc:Fallback xmlns="">
           <p:sp>
             <p:nvSpPr>
               <p:cNvPr id="11" name="TextBox 10">
@@ -4398,8 +4400,8 @@
           </a:p>
         </p:txBody>
       </p:sp>
-      <mc:AlternateContent xmlns:mc="http://schemas.openxmlformats.org/markup-compatibility/2006">
-        <mc:Choice xmlns:a14="http://schemas.microsoft.com/office/drawing/2010/main" Requires="a14">
+      <mc:AlternateContent xmlns:mc="http://schemas.openxmlformats.org/markup-compatibility/2006" xmlns:a14="http://schemas.microsoft.com/office/drawing/2010/main">
+        <mc:Choice Requires="a14">
           <p:sp>
             <p:nvSpPr>
               <p:cNvPr id="9" name="TextBox 8">
@@ -4497,7 +4499,7 @@
             </p:txBody>
           </p:sp>
         </mc:Choice>
-        <mc:Fallback>
+        <mc:Fallback xmlns="">
           <p:sp>
             <p:nvSpPr>
               <p:cNvPr id="9" name="TextBox 8">
@@ -4797,8 +4799,8 @@
           </a:p>
         </p:txBody>
       </p:sp>
-      <mc:AlternateContent xmlns:mc="http://schemas.openxmlformats.org/markup-compatibility/2006">
-        <mc:Choice xmlns:a14="http://schemas.microsoft.com/office/drawing/2010/main" Requires="a14">
+      <mc:AlternateContent xmlns:mc="http://schemas.openxmlformats.org/markup-compatibility/2006" xmlns:a14="http://schemas.microsoft.com/office/drawing/2010/main">
+        <mc:Choice Requires="a14">
           <p:sp>
             <p:nvSpPr>
               <p:cNvPr id="22" name="TextBox 21">
@@ -4909,7 +4911,7 @@
             </p:txBody>
           </p:sp>
         </mc:Choice>
-        <mc:Fallback>
+        <mc:Fallback xmlns="">
           <p:sp>
             <p:nvSpPr>
               <p:cNvPr id="22" name="TextBox 21">
@@ -5184,8 +5186,8 @@
           </a:p>
         </p:txBody>
       </p:sp>
-      <mc:AlternateContent xmlns:mc="http://schemas.openxmlformats.org/markup-compatibility/2006">
-        <mc:Choice xmlns:a14="http://schemas.microsoft.com/office/drawing/2010/main" Requires="a14">
+      <mc:AlternateContent xmlns:mc="http://schemas.openxmlformats.org/markup-compatibility/2006" xmlns:a14="http://schemas.microsoft.com/office/drawing/2010/main">
+        <mc:Choice Requires="a14">
           <p:sp>
             <p:nvSpPr>
               <p:cNvPr id="12" name="TextBox 11">
@@ -5296,7 +5298,7 @@
             </p:txBody>
           </p:sp>
         </mc:Choice>
-        <mc:Fallback>
+        <mc:Fallback xmlns="">
           <p:sp>
             <p:nvSpPr>
               <p:cNvPr id="12" name="TextBox 11">
@@ -7122,6 +7124,608 @@
     <p:extLst>
       <p:ext uri="{BB962C8B-B14F-4D97-AF65-F5344CB8AC3E}">
         <p14:creationId xmlns:p14="http://schemas.microsoft.com/office/powerpoint/2010/main" val="109532457"/>
+      </p:ext>
+    </p:extLst>
+  </p:cSld>
+  <p:clrMapOvr>
+    <a:masterClrMapping/>
+  </p:clrMapOvr>
+</p:sld>
+</file>
+
+<file path=ppt/slides/slide17.xml><?xml version="1.0" encoding="utf-8"?>
+<p:sld xmlns:a="http://schemas.openxmlformats.org/drawingml/2006/main" xmlns:r="http://schemas.openxmlformats.org/officeDocument/2006/relationships" xmlns:p="http://schemas.openxmlformats.org/presentationml/2006/main">
+  <p:cSld>
+    <p:spTree>
+      <p:nvGrpSpPr>
+        <p:cNvPr id="1" name=""/>
+        <p:cNvGrpSpPr/>
+        <p:nvPr/>
+      </p:nvGrpSpPr>
+      <p:grpSpPr>
+        <a:xfrm>
+          <a:off x="0" y="0"/>
+          <a:ext cx="0" cy="0"/>
+          <a:chOff x="0" y="0"/>
+          <a:chExt cx="0" cy="0"/>
+        </a:xfrm>
+      </p:grpSpPr>
+      <p:sp>
+        <p:nvSpPr>
+          <p:cNvPr id="8" name="제목 3">
+            <a:extLst>
+              <a:ext uri="{FF2B5EF4-FFF2-40B4-BE49-F238E27FC236}">
+                <a16:creationId xmlns:a16="http://schemas.microsoft.com/office/drawing/2014/main" id="{0FE840DF-2314-4945-A682-CE97B84C1FEB}"/>
+              </a:ext>
+            </a:extLst>
+          </p:cNvPr>
+          <p:cNvSpPr>
+            <a:spLocks noGrp="1"/>
+          </p:cNvSpPr>
+          <p:nvPr>
+            <p:ph type="title"/>
+          </p:nvPr>
+        </p:nvSpPr>
+        <p:spPr>
+          <a:xfrm>
+            <a:off x="653716" y="216134"/>
+            <a:ext cx="10515600" cy="830012"/>
+          </a:xfrm>
+          <a:prstGeom prst="roundRect">
+            <a:avLst/>
+          </a:prstGeom>
+          <a:solidFill>
+            <a:schemeClr val="tx1"/>
+          </a:solidFill>
+        </p:spPr>
+        <p:style>
+          <a:lnRef idx="2">
+            <a:schemeClr val="accent1">
+              <a:shade val="50000"/>
+            </a:schemeClr>
+          </a:lnRef>
+          <a:fillRef idx="1">
+            <a:schemeClr val="accent1"/>
+          </a:fillRef>
+          <a:effectRef idx="0">
+            <a:schemeClr val="accent1"/>
+          </a:effectRef>
+          <a:fontRef idx="minor">
+            <a:schemeClr val="lt1"/>
+          </a:fontRef>
+        </p:style>
+        <p:txBody>
+          <a:bodyPr rtlCol="0" anchor="ctr">
+            <a:normAutofit/>
+          </a:bodyPr>
+          <a:lstStyle/>
+          <a:p>
+            <a:pPr algn="ctr"/>
+            <a:r>
+              <a:rPr lang="en-US" altLang="ko-KR" sz="3600" dirty="0"/>
+              <a:t>ABEX1 – 1epoch</a:t>
+            </a:r>
+            <a:endParaRPr lang="ko-KR" altLang="en-US" sz="3600" dirty="0"/>
+          </a:p>
+        </p:txBody>
+      </p:sp>
+      <p:sp>
+        <p:nvSpPr>
+          <p:cNvPr id="11" name="직사각형 10">
+            <a:extLst>
+              <a:ext uri="{FF2B5EF4-FFF2-40B4-BE49-F238E27FC236}">
+                <a16:creationId xmlns:a16="http://schemas.microsoft.com/office/drawing/2014/main" id="{1A6F5B14-0914-44DF-8BC5-687C5239ED59}"/>
+              </a:ext>
+            </a:extLst>
+          </p:cNvPr>
+          <p:cNvSpPr/>
+          <p:nvPr/>
+        </p:nvSpPr>
+        <p:spPr>
+          <a:xfrm>
+            <a:off x="1165813" y="1257781"/>
+            <a:ext cx="2101516" cy="368777"/>
+          </a:xfrm>
+          <a:prstGeom prst="rect">
+            <a:avLst/>
+          </a:prstGeom>
+          <a:solidFill>
+            <a:srgbClr val="C00000"/>
+          </a:solidFill>
+        </p:spPr>
+        <p:style>
+          <a:lnRef idx="2">
+            <a:schemeClr val="accent1">
+              <a:shade val="50000"/>
+            </a:schemeClr>
+          </a:lnRef>
+          <a:fillRef idx="1">
+            <a:schemeClr val="accent1"/>
+          </a:fillRef>
+          <a:effectRef idx="0">
+            <a:schemeClr val="accent1"/>
+          </a:effectRef>
+          <a:fontRef idx="minor">
+            <a:schemeClr val="lt1"/>
+          </a:fontRef>
+        </p:style>
+        <p:txBody>
+          <a:bodyPr rtlCol="0" anchor="ctr"/>
+          <a:lstStyle/>
+          <a:p>
+            <a:pPr algn="ctr"/>
+            <a:r>
+              <a:rPr lang="en-US" altLang="ko-KR" sz="2000" dirty="0"/>
+              <a:t>Z Dim=25</a:t>
+            </a:r>
+            <a:endParaRPr lang="ko-KR" altLang="en-US" sz="2000" dirty="0"/>
+          </a:p>
+        </p:txBody>
+      </p:sp>
+      <p:sp>
+        <p:nvSpPr>
+          <p:cNvPr id="12" name="직사각형 11">
+            <a:extLst>
+              <a:ext uri="{FF2B5EF4-FFF2-40B4-BE49-F238E27FC236}">
+                <a16:creationId xmlns:a16="http://schemas.microsoft.com/office/drawing/2014/main" id="{244153D3-1120-4225-9C22-0F2E726768F0}"/>
+              </a:ext>
+            </a:extLst>
+          </p:cNvPr>
+          <p:cNvSpPr/>
+          <p:nvPr/>
+        </p:nvSpPr>
+        <p:spPr>
+          <a:xfrm>
+            <a:off x="1165813" y="1717973"/>
+            <a:ext cx="2101516" cy="368777"/>
+          </a:xfrm>
+          <a:prstGeom prst="rect">
+            <a:avLst/>
+          </a:prstGeom>
+          <a:solidFill>
+            <a:srgbClr val="C00000"/>
+          </a:solidFill>
+        </p:spPr>
+        <p:style>
+          <a:lnRef idx="2">
+            <a:schemeClr val="accent1">
+              <a:shade val="50000"/>
+            </a:schemeClr>
+          </a:lnRef>
+          <a:fillRef idx="1">
+            <a:schemeClr val="accent1"/>
+          </a:fillRef>
+          <a:effectRef idx="0">
+            <a:schemeClr val="accent1"/>
+          </a:effectRef>
+          <a:fontRef idx="minor">
+            <a:schemeClr val="lt1"/>
+          </a:fontRef>
+        </p:style>
+        <p:txBody>
+          <a:bodyPr rtlCol="0" anchor="ctr"/>
+          <a:lstStyle/>
+          <a:p>
+            <a:pPr algn="ctr"/>
+            <a:r>
+              <a:rPr lang="en-US" altLang="ko-KR" sz="2000" dirty="0"/>
+              <a:t>Alpha = 1</a:t>
+            </a:r>
+            <a:endParaRPr lang="ko-KR" altLang="en-US" sz="2000" dirty="0"/>
+          </a:p>
+        </p:txBody>
+      </p:sp>
+      <p:sp>
+        <p:nvSpPr>
+          <p:cNvPr id="13" name="직사각형 12">
+            <a:extLst>
+              <a:ext uri="{FF2B5EF4-FFF2-40B4-BE49-F238E27FC236}">
+                <a16:creationId xmlns:a16="http://schemas.microsoft.com/office/drawing/2014/main" id="{18C778B0-81B1-44AC-BA8D-94FD6464E112}"/>
+              </a:ext>
+            </a:extLst>
+          </p:cNvPr>
+          <p:cNvSpPr/>
+          <p:nvPr/>
+        </p:nvSpPr>
+        <p:spPr>
+          <a:xfrm>
+            <a:off x="8192255" y="1257781"/>
+            <a:ext cx="2101516" cy="368777"/>
+          </a:xfrm>
+          <a:prstGeom prst="rect">
+            <a:avLst/>
+          </a:prstGeom>
+          <a:solidFill>
+            <a:srgbClr val="C00000"/>
+          </a:solidFill>
+        </p:spPr>
+        <p:style>
+          <a:lnRef idx="2">
+            <a:schemeClr val="accent1">
+              <a:shade val="50000"/>
+            </a:schemeClr>
+          </a:lnRef>
+          <a:fillRef idx="1">
+            <a:schemeClr val="accent1"/>
+          </a:fillRef>
+          <a:effectRef idx="0">
+            <a:schemeClr val="accent1"/>
+          </a:effectRef>
+          <a:fontRef idx="minor">
+            <a:schemeClr val="lt1"/>
+          </a:fontRef>
+        </p:style>
+        <p:txBody>
+          <a:bodyPr rtlCol="0" anchor="ctr"/>
+          <a:lstStyle/>
+          <a:p>
+            <a:pPr algn="ctr"/>
+            <a:r>
+              <a:rPr lang="en-US" altLang="ko-KR" sz="2000" dirty="0"/>
+              <a:t>Z Dim=125</a:t>
+            </a:r>
+            <a:endParaRPr lang="ko-KR" altLang="en-US" sz="2000" dirty="0"/>
+          </a:p>
+        </p:txBody>
+      </p:sp>
+      <p:sp>
+        <p:nvSpPr>
+          <p:cNvPr id="14" name="직사각형 13">
+            <a:extLst>
+              <a:ext uri="{FF2B5EF4-FFF2-40B4-BE49-F238E27FC236}">
+                <a16:creationId xmlns:a16="http://schemas.microsoft.com/office/drawing/2014/main" id="{F002BD69-99A4-4D70-B067-0A520AF19AC2}"/>
+              </a:ext>
+            </a:extLst>
+          </p:cNvPr>
+          <p:cNvSpPr/>
+          <p:nvPr/>
+        </p:nvSpPr>
+        <p:spPr>
+          <a:xfrm>
+            <a:off x="8192255" y="1717973"/>
+            <a:ext cx="2101516" cy="368777"/>
+          </a:xfrm>
+          <a:prstGeom prst="rect">
+            <a:avLst/>
+          </a:prstGeom>
+          <a:solidFill>
+            <a:srgbClr val="C00000"/>
+          </a:solidFill>
+        </p:spPr>
+        <p:style>
+          <a:lnRef idx="2">
+            <a:schemeClr val="accent1">
+              <a:shade val="50000"/>
+            </a:schemeClr>
+          </a:lnRef>
+          <a:fillRef idx="1">
+            <a:schemeClr val="accent1"/>
+          </a:fillRef>
+          <a:effectRef idx="0">
+            <a:schemeClr val="accent1"/>
+          </a:effectRef>
+          <a:fontRef idx="minor">
+            <a:schemeClr val="lt1"/>
+          </a:fontRef>
+        </p:style>
+        <p:txBody>
+          <a:bodyPr rtlCol="0" anchor="ctr"/>
+          <a:lstStyle/>
+          <a:p>
+            <a:pPr algn="ctr"/>
+            <a:r>
+              <a:rPr lang="en-US" altLang="ko-KR" sz="2000" dirty="0"/>
+              <a:t>Alpha = 1</a:t>
+            </a:r>
+            <a:endParaRPr lang="ko-KR" altLang="en-US" sz="2000" dirty="0"/>
+          </a:p>
+        </p:txBody>
+      </p:sp>
+    </p:spTree>
+    <p:extLst>
+      <p:ext uri="{BB962C8B-B14F-4D97-AF65-F5344CB8AC3E}">
+        <p14:creationId xmlns:p14="http://schemas.microsoft.com/office/powerpoint/2010/main" val="3096093357"/>
+      </p:ext>
+    </p:extLst>
+  </p:cSld>
+  <p:clrMapOvr>
+    <a:masterClrMapping/>
+  </p:clrMapOvr>
+</p:sld>
+</file>
+
+<file path=ppt/slides/slide18.xml><?xml version="1.0" encoding="utf-8"?>
+<p:sld xmlns:a="http://schemas.openxmlformats.org/drawingml/2006/main" xmlns:r="http://schemas.openxmlformats.org/officeDocument/2006/relationships" xmlns:p="http://schemas.openxmlformats.org/presentationml/2006/main">
+  <p:cSld>
+    <p:spTree>
+      <p:nvGrpSpPr>
+        <p:cNvPr id="1" name=""/>
+        <p:cNvGrpSpPr/>
+        <p:nvPr/>
+      </p:nvGrpSpPr>
+      <p:grpSpPr>
+        <a:xfrm>
+          <a:off x="0" y="0"/>
+          <a:ext cx="0" cy="0"/>
+          <a:chOff x="0" y="0"/>
+          <a:chExt cx="0" cy="0"/>
+        </a:xfrm>
+      </p:grpSpPr>
+      <p:sp>
+        <p:nvSpPr>
+          <p:cNvPr id="8" name="제목 3">
+            <a:extLst>
+              <a:ext uri="{FF2B5EF4-FFF2-40B4-BE49-F238E27FC236}">
+                <a16:creationId xmlns:a16="http://schemas.microsoft.com/office/drawing/2014/main" id="{0FE840DF-2314-4945-A682-CE97B84C1FEB}"/>
+              </a:ext>
+            </a:extLst>
+          </p:cNvPr>
+          <p:cNvSpPr>
+            <a:spLocks noGrp="1"/>
+          </p:cNvSpPr>
+          <p:nvPr>
+            <p:ph type="title"/>
+          </p:nvPr>
+        </p:nvSpPr>
+        <p:spPr>
+          <a:xfrm>
+            <a:off x="653716" y="216134"/>
+            <a:ext cx="10515600" cy="830012"/>
+          </a:xfrm>
+          <a:prstGeom prst="roundRect">
+            <a:avLst/>
+          </a:prstGeom>
+          <a:solidFill>
+            <a:schemeClr val="tx1"/>
+          </a:solidFill>
+        </p:spPr>
+        <p:style>
+          <a:lnRef idx="2">
+            <a:schemeClr val="accent1">
+              <a:shade val="50000"/>
+            </a:schemeClr>
+          </a:lnRef>
+          <a:fillRef idx="1">
+            <a:schemeClr val="accent1"/>
+          </a:fillRef>
+          <a:effectRef idx="0">
+            <a:schemeClr val="accent1"/>
+          </a:effectRef>
+          <a:fontRef idx="minor">
+            <a:schemeClr val="lt1"/>
+          </a:fontRef>
+        </p:style>
+        <p:txBody>
+          <a:bodyPr rtlCol="0" anchor="ctr">
+            <a:normAutofit/>
+          </a:bodyPr>
+          <a:lstStyle/>
+          <a:p>
+            <a:pPr algn="ctr"/>
+            <a:r>
+              <a:rPr lang="en-US" altLang="ko-KR" sz="3600" dirty="0"/>
+              <a:t>ABEX1 – 1epoch</a:t>
+            </a:r>
+            <a:endParaRPr lang="ko-KR" altLang="en-US" sz="3600" dirty="0"/>
+          </a:p>
+        </p:txBody>
+      </p:sp>
+      <p:sp>
+        <p:nvSpPr>
+          <p:cNvPr id="11" name="직사각형 10">
+            <a:extLst>
+              <a:ext uri="{FF2B5EF4-FFF2-40B4-BE49-F238E27FC236}">
+                <a16:creationId xmlns:a16="http://schemas.microsoft.com/office/drawing/2014/main" id="{1A6F5B14-0914-44DF-8BC5-687C5239ED59}"/>
+              </a:ext>
+            </a:extLst>
+          </p:cNvPr>
+          <p:cNvSpPr/>
+          <p:nvPr/>
+        </p:nvSpPr>
+        <p:spPr>
+          <a:xfrm>
+            <a:off x="1165813" y="1257781"/>
+            <a:ext cx="2101516" cy="368777"/>
+          </a:xfrm>
+          <a:prstGeom prst="rect">
+            <a:avLst/>
+          </a:prstGeom>
+          <a:solidFill>
+            <a:srgbClr val="C00000"/>
+          </a:solidFill>
+        </p:spPr>
+        <p:style>
+          <a:lnRef idx="2">
+            <a:schemeClr val="accent1">
+              <a:shade val="50000"/>
+            </a:schemeClr>
+          </a:lnRef>
+          <a:fillRef idx="1">
+            <a:schemeClr val="accent1"/>
+          </a:fillRef>
+          <a:effectRef idx="0">
+            <a:schemeClr val="accent1"/>
+          </a:effectRef>
+          <a:fontRef idx="minor">
+            <a:schemeClr val="lt1"/>
+          </a:fontRef>
+        </p:style>
+        <p:txBody>
+          <a:bodyPr rtlCol="0" anchor="ctr"/>
+          <a:lstStyle/>
+          <a:p>
+            <a:pPr algn="ctr"/>
+            <a:r>
+              <a:rPr lang="en-US" altLang="ko-KR" sz="2000" dirty="0"/>
+              <a:t>Z Dim=16</a:t>
+            </a:r>
+            <a:endParaRPr lang="ko-KR" altLang="en-US" sz="2000" dirty="0"/>
+          </a:p>
+        </p:txBody>
+      </p:sp>
+      <p:sp>
+        <p:nvSpPr>
+          <p:cNvPr id="12" name="직사각형 11">
+            <a:extLst>
+              <a:ext uri="{FF2B5EF4-FFF2-40B4-BE49-F238E27FC236}">
+                <a16:creationId xmlns:a16="http://schemas.microsoft.com/office/drawing/2014/main" id="{244153D3-1120-4225-9C22-0F2E726768F0}"/>
+              </a:ext>
+            </a:extLst>
+          </p:cNvPr>
+          <p:cNvSpPr/>
+          <p:nvPr/>
+        </p:nvSpPr>
+        <p:spPr>
+          <a:xfrm>
+            <a:off x="1165813" y="1717973"/>
+            <a:ext cx="2101516" cy="368777"/>
+          </a:xfrm>
+          <a:prstGeom prst="rect">
+            <a:avLst/>
+          </a:prstGeom>
+          <a:solidFill>
+            <a:srgbClr val="C00000"/>
+          </a:solidFill>
+        </p:spPr>
+        <p:style>
+          <a:lnRef idx="2">
+            <a:schemeClr val="accent1">
+              <a:shade val="50000"/>
+            </a:schemeClr>
+          </a:lnRef>
+          <a:fillRef idx="1">
+            <a:schemeClr val="accent1"/>
+          </a:fillRef>
+          <a:effectRef idx="0">
+            <a:schemeClr val="accent1"/>
+          </a:effectRef>
+          <a:fontRef idx="minor">
+            <a:schemeClr val="lt1"/>
+          </a:fontRef>
+        </p:style>
+        <p:txBody>
+          <a:bodyPr rtlCol="0" anchor="ctr"/>
+          <a:lstStyle/>
+          <a:p>
+            <a:pPr algn="ctr"/>
+            <a:r>
+              <a:rPr lang="en-US" altLang="ko-KR" sz="2000" dirty="0"/>
+              <a:t>Alpha = 1</a:t>
+            </a:r>
+            <a:endParaRPr lang="ko-KR" altLang="en-US" sz="2000" dirty="0"/>
+          </a:p>
+        </p:txBody>
+      </p:sp>
+      <p:sp>
+        <p:nvSpPr>
+          <p:cNvPr id="13" name="직사각형 12">
+            <a:extLst>
+              <a:ext uri="{FF2B5EF4-FFF2-40B4-BE49-F238E27FC236}">
+                <a16:creationId xmlns:a16="http://schemas.microsoft.com/office/drawing/2014/main" id="{18C778B0-81B1-44AC-BA8D-94FD6464E112}"/>
+              </a:ext>
+            </a:extLst>
+          </p:cNvPr>
+          <p:cNvSpPr/>
+          <p:nvPr/>
+        </p:nvSpPr>
+        <p:spPr>
+          <a:xfrm>
+            <a:off x="8192255" y="1257781"/>
+            <a:ext cx="2101516" cy="368777"/>
+          </a:xfrm>
+          <a:prstGeom prst="rect">
+            <a:avLst/>
+          </a:prstGeom>
+          <a:solidFill>
+            <a:srgbClr val="C00000"/>
+          </a:solidFill>
+        </p:spPr>
+        <p:style>
+          <a:lnRef idx="2">
+            <a:schemeClr val="accent1">
+              <a:shade val="50000"/>
+            </a:schemeClr>
+          </a:lnRef>
+          <a:fillRef idx="1">
+            <a:schemeClr val="accent1"/>
+          </a:fillRef>
+          <a:effectRef idx="0">
+            <a:schemeClr val="accent1"/>
+          </a:effectRef>
+          <a:fontRef idx="minor">
+            <a:schemeClr val="lt1"/>
+          </a:fontRef>
+        </p:style>
+        <p:txBody>
+          <a:bodyPr rtlCol="0" anchor="ctr"/>
+          <a:lstStyle/>
+          <a:p>
+            <a:pPr algn="ctr"/>
+            <a:r>
+              <a:rPr lang="en-US" altLang="ko-KR" sz="2000" dirty="0"/>
+              <a:t>Z Dim=25</a:t>
+            </a:r>
+            <a:endParaRPr lang="ko-KR" altLang="en-US" sz="2000" dirty="0"/>
+          </a:p>
+        </p:txBody>
+      </p:sp>
+      <p:sp>
+        <p:nvSpPr>
+          <p:cNvPr id="14" name="직사각형 13">
+            <a:extLst>
+              <a:ext uri="{FF2B5EF4-FFF2-40B4-BE49-F238E27FC236}">
+                <a16:creationId xmlns:a16="http://schemas.microsoft.com/office/drawing/2014/main" id="{F002BD69-99A4-4D70-B067-0A520AF19AC2}"/>
+              </a:ext>
+            </a:extLst>
+          </p:cNvPr>
+          <p:cNvSpPr/>
+          <p:nvPr/>
+        </p:nvSpPr>
+        <p:spPr>
+          <a:xfrm>
+            <a:off x="8192255" y="1717973"/>
+            <a:ext cx="2101516" cy="368777"/>
+          </a:xfrm>
+          <a:prstGeom prst="rect">
+            <a:avLst/>
+          </a:prstGeom>
+          <a:solidFill>
+            <a:srgbClr val="C00000"/>
+          </a:solidFill>
+        </p:spPr>
+        <p:style>
+          <a:lnRef idx="2">
+            <a:schemeClr val="accent1">
+              <a:shade val="50000"/>
+            </a:schemeClr>
+          </a:lnRef>
+          <a:fillRef idx="1">
+            <a:schemeClr val="accent1"/>
+          </a:fillRef>
+          <a:effectRef idx="0">
+            <a:schemeClr val="accent1"/>
+          </a:effectRef>
+          <a:fontRef idx="minor">
+            <a:schemeClr val="lt1"/>
+          </a:fontRef>
+        </p:style>
+        <p:txBody>
+          <a:bodyPr rtlCol="0" anchor="ctr"/>
+          <a:lstStyle/>
+          <a:p>
+            <a:pPr algn="ctr"/>
+            <a:r>
+              <a:rPr lang="en-US" altLang="ko-KR" sz="2000" dirty="0"/>
+              <a:t>Alpha = 0.8</a:t>
+            </a:r>
+            <a:endParaRPr lang="ko-KR" altLang="en-US" sz="2000" dirty="0"/>
+          </a:p>
+        </p:txBody>
+      </p:sp>
+    </p:spTree>
+    <p:extLst>
+      <p:ext uri="{BB962C8B-B14F-4D97-AF65-F5344CB8AC3E}">
+        <p14:creationId xmlns:p14="http://schemas.microsoft.com/office/powerpoint/2010/main" val="3444596125"/>
       </p:ext>
     </p:extLst>
   </p:cSld>

--- a/presentation2.pptx
+++ b/presentation2.pptx
@@ -12,17 +12,23 @@
     <p:sldId id="272" r:id="rId6"/>
     <p:sldId id="275" r:id="rId7"/>
     <p:sldId id="270" r:id="rId8"/>
-    <p:sldId id="271" r:id="rId9"/>
-    <p:sldId id="273" r:id="rId10"/>
-    <p:sldId id="274" r:id="rId11"/>
-    <p:sldId id="276" r:id="rId12"/>
-    <p:sldId id="277" r:id="rId13"/>
-    <p:sldId id="278" r:id="rId14"/>
-    <p:sldId id="279" r:id="rId15"/>
-    <p:sldId id="280" r:id="rId16"/>
-    <p:sldId id="281" r:id="rId17"/>
-    <p:sldId id="282" r:id="rId18"/>
-    <p:sldId id="283" r:id="rId19"/>
+    <p:sldId id="288" r:id="rId9"/>
+    <p:sldId id="271" r:id="rId10"/>
+    <p:sldId id="273" r:id="rId11"/>
+    <p:sldId id="274" r:id="rId12"/>
+    <p:sldId id="276" r:id="rId13"/>
+    <p:sldId id="277" r:id="rId14"/>
+    <p:sldId id="278" r:id="rId15"/>
+    <p:sldId id="279" r:id="rId16"/>
+    <p:sldId id="280" r:id="rId17"/>
+    <p:sldId id="281" r:id="rId18"/>
+    <p:sldId id="282" r:id="rId19"/>
+    <p:sldId id="284" r:id="rId20"/>
+    <p:sldId id="283" r:id="rId21"/>
+    <p:sldId id="285" r:id="rId22"/>
+    <p:sldId id="286" r:id="rId23"/>
+    <p:sldId id="287" r:id="rId24"/>
+    <p:sldId id="289" r:id="rId25"/>
   </p:sldIdLst>
   <p:sldSz cx="12192000" cy="6858000"/>
   <p:notesSz cx="6858000" cy="9144000"/>
@@ -127,6 +133,32 @@
     </p:ext>
   </p:extLst>
 </p:presentation>
+</file>
+
+<file path=ppt/commentAuthors.xml><?xml version="1.0" encoding="utf-8"?>
+<p:cmAuthorLst xmlns:a="http://schemas.openxmlformats.org/drawingml/2006/main" xmlns:r="http://schemas.openxmlformats.org/officeDocument/2006/relationships" xmlns:p="http://schemas.openxmlformats.org/presentationml/2006/main">
+  <p:cmAuthor id="1" name="박범진" initials="박" lastIdx="1" clrIdx="0">
+    <p:extLst>
+      <p:ext uri="{19B8F6BF-5375-455C-9EA6-DF929625EA0E}">
+        <p15:presenceInfo xmlns:p15="http://schemas.microsoft.com/office/powerpoint/2012/main" userId="박범진" providerId="None"/>
+      </p:ext>
+    </p:extLst>
+  </p:cmAuthor>
+</p:cmAuthorLst>
+</file>
+
+<file path=ppt/comments/comment1.xml><?xml version="1.0" encoding="utf-8"?>
+<p:cmLst xmlns:a="http://schemas.openxmlformats.org/drawingml/2006/main" xmlns:r="http://schemas.openxmlformats.org/officeDocument/2006/relationships" xmlns:p="http://schemas.openxmlformats.org/presentationml/2006/main">
+  <p:cm authorId="1" dt="2021-01-15T16:24:13.523" idx="1">
+    <p:pos x="3203" y="1228"/>
+    <p:text/>
+    <p:extLst>
+      <p:ext uri="{C676402C-5697-4E1C-873F-D02D1690AC5C}">
+        <p15:threadingInfo xmlns:p15="http://schemas.microsoft.com/office/powerpoint/2012/main" timeZoneBias="-540"/>
+      </p:ext>
+    </p:extLst>
+  </p:cm>
+</p:cmLst>
 </file>
 
 <file path=ppt/slideLayouts/slideLayout1.xml><?xml version="1.0" encoding="utf-8"?>
@@ -276,7 +308,7 @@
           <a:p>
             <a:fld id="{E884F5B6-23EC-493E-A930-FD5E134DDED2}" type="datetimeFigureOut">
               <a:rPr lang="ko-KR" altLang="en-US" smtClean="0"/>
-              <a:t>2021-01-13</a:t>
+              <a:t>2021-01-15</a:t>
             </a:fld>
             <a:endParaRPr lang="ko-KR" altLang="en-US"/>
           </a:p>
@@ -474,7 +506,7 @@
           <a:p>
             <a:fld id="{E884F5B6-23EC-493E-A930-FD5E134DDED2}" type="datetimeFigureOut">
               <a:rPr lang="ko-KR" altLang="en-US" smtClean="0"/>
-              <a:t>2021-01-13</a:t>
+              <a:t>2021-01-15</a:t>
             </a:fld>
             <a:endParaRPr lang="ko-KR" altLang="en-US"/>
           </a:p>
@@ -682,7 +714,7 @@
           <a:p>
             <a:fld id="{E884F5B6-23EC-493E-A930-FD5E134DDED2}" type="datetimeFigureOut">
               <a:rPr lang="ko-KR" altLang="en-US" smtClean="0"/>
-              <a:t>2021-01-13</a:t>
+              <a:t>2021-01-15</a:t>
             </a:fld>
             <a:endParaRPr lang="ko-KR" altLang="en-US"/>
           </a:p>
@@ -880,7 +912,7 @@
           <a:p>
             <a:fld id="{E884F5B6-23EC-493E-A930-FD5E134DDED2}" type="datetimeFigureOut">
               <a:rPr lang="ko-KR" altLang="en-US" smtClean="0"/>
-              <a:t>2021-01-13</a:t>
+              <a:t>2021-01-15</a:t>
             </a:fld>
             <a:endParaRPr lang="ko-KR" altLang="en-US"/>
           </a:p>
@@ -1155,7 +1187,7 @@
           <a:p>
             <a:fld id="{E884F5B6-23EC-493E-A930-FD5E134DDED2}" type="datetimeFigureOut">
               <a:rPr lang="ko-KR" altLang="en-US" smtClean="0"/>
-              <a:t>2021-01-13</a:t>
+              <a:t>2021-01-15</a:t>
             </a:fld>
             <a:endParaRPr lang="ko-KR" altLang="en-US"/>
           </a:p>
@@ -1420,7 +1452,7 @@
           <a:p>
             <a:fld id="{E884F5B6-23EC-493E-A930-FD5E134DDED2}" type="datetimeFigureOut">
               <a:rPr lang="ko-KR" altLang="en-US" smtClean="0"/>
-              <a:t>2021-01-13</a:t>
+              <a:t>2021-01-15</a:t>
             </a:fld>
             <a:endParaRPr lang="ko-KR" altLang="en-US"/>
           </a:p>
@@ -1832,7 +1864,7 @@
           <a:p>
             <a:fld id="{E884F5B6-23EC-493E-A930-FD5E134DDED2}" type="datetimeFigureOut">
               <a:rPr lang="ko-KR" altLang="en-US" smtClean="0"/>
-              <a:t>2021-01-13</a:t>
+              <a:t>2021-01-15</a:t>
             </a:fld>
             <a:endParaRPr lang="ko-KR" altLang="en-US"/>
           </a:p>
@@ -1973,7 +2005,7 @@
           <a:p>
             <a:fld id="{E884F5B6-23EC-493E-A930-FD5E134DDED2}" type="datetimeFigureOut">
               <a:rPr lang="ko-KR" altLang="en-US" smtClean="0"/>
-              <a:t>2021-01-13</a:t>
+              <a:t>2021-01-15</a:t>
             </a:fld>
             <a:endParaRPr lang="ko-KR" altLang="en-US"/>
           </a:p>
@@ -2086,7 +2118,7 @@
           <a:p>
             <a:fld id="{E884F5B6-23EC-493E-A930-FD5E134DDED2}" type="datetimeFigureOut">
               <a:rPr lang="ko-KR" altLang="en-US" smtClean="0"/>
-              <a:t>2021-01-13</a:t>
+              <a:t>2021-01-15</a:t>
             </a:fld>
             <a:endParaRPr lang="ko-KR" altLang="en-US"/>
           </a:p>
@@ -2397,7 +2429,7 @@
           <a:p>
             <a:fld id="{E884F5B6-23EC-493E-A930-FD5E134DDED2}" type="datetimeFigureOut">
               <a:rPr lang="ko-KR" altLang="en-US" smtClean="0"/>
-              <a:t>2021-01-13</a:t>
+              <a:t>2021-01-15</a:t>
             </a:fld>
             <a:endParaRPr lang="ko-KR" altLang="en-US"/>
           </a:p>
@@ -2685,7 +2717,7 @@
           <a:p>
             <a:fld id="{E884F5B6-23EC-493E-A930-FD5E134DDED2}" type="datetimeFigureOut">
               <a:rPr lang="ko-KR" altLang="en-US" smtClean="0"/>
-              <a:t>2021-01-13</a:t>
+              <a:t>2021-01-15</a:t>
             </a:fld>
             <a:endParaRPr lang="ko-KR" altLang="en-US"/>
           </a:p>
@@ -2926,7 +2958,7 @@
           <a:p>
             <a:fld id="{E884F5B6-23EC-493E-A930-FD5E134DDED2}" type="datetimeFigureOut">
               <a:rPr lang="ko-KR" altLang="en-US" smtClean="0"/>
-              <a:t>2021-01-13</a:t>
+              <a:t>2021-01-15</a:t>
             </a:fld>
             <a:endParaRPr lang="ko-KR" altLang="en-US"/>
           </a:p>
@@ -3431,6 +3463,119 @@
 </file>
 
 <file path=ppt/slides/slide10.xml><?xml version="1.0" encoding="utf-8"?>
+<p:sld xmlns:a="http://schemas.openxmlformats.org/drawingml/2006/main" xmlns:r="http://schemas.openxmlformats.org/officeDocument/2006/relationships" xmlns:p="http://schemas.openxmlformats.org/presentationml/2006/main">
+  <p:cSld>
+    <p:spTree>
+      <p:nvGrpSpPr>
+        <p:cNvPr id="1" name=""/>
+        <p:cNvGrpSpPr/>
+        <p:nvPr/>
+      </p:nvGrpSpPr>
+      <p:grpSpPr>
+        <a:xfrm>
+          <a:off x="0" y="0"/>
+          <a:ext cx="0" cy="0"/>
+          <a:chOff x="0" y="0"/>
+          <a:chExt cx="0" cy="0"/>
+        </a:xfrm>
+      </p:grpSpPr>
+      <p:pic>
+        <p:nvPicPr>
+          <p:cNvPr id="8" name="그림 7">
+            <a:extLst>
+              <a:ext uri="{FF2B5EF4-FFF2-40B4-BE49-F238E27FC236}">
+                <a16:creationId xmlns:a16="http://schemas.microsoft.com/office/drawing/2014/main" id="{64626825-2626-4554-A2E3-C839004AAF43}"/>
+              </a:ext>
+            </a:extLst>
+          </p:cNvPr>
+          <p:cNvPicPr>
+            <a:picLocks noChangeAspect="1"/>
+          </p:cNvPicPr>
+          <p:nvPr/>
+        </p:nvPicPr>
+        <p:blipFill>
+          <a:blip r:embed="rId2"/>
+          <a:stretch>
+            <a:fillRect/>
+          </a:stretch>
+        </p:blipFill>
+        <p:spPr>
+          <a:xfrm>
+            <a:off x="0" y="261050"/>
+            <a:ext cx="12192000" cy="6373432"/>
+          </a:xfrm>
+          <a:prstGeom prst="rect">
+            <a:avLst/>
+          </a:prstGeom>
+        </p:spPr>
+      </p:pic>
+      <p:sp>
+        <p:nvSpPr>
+          <p:cNvPr id="7" name="직사각형 6">
+            <a:extLst>
+              <a:ext uri="{FF2B5EF4-FFF2-40B4-BE49-F238E27FC236}">
+                <a16:creationId xmlns:a16="http://schemas.microsoft.com/office/drawing/2014/main" id="{3701B7DC-006D-47E0-860C-8993C7234D8A}"/>
+              </a:ext>
+            </a:extLst>
+          </p:cNvPr>
+          <p:cNvSpPr/>
+          <p:nvPr/>
+        </p:nvSpPr>
+        <p:spPr>
+          <a:xfrm>
+            <a:off x="657727" y="2306455"/>
+            <a:ext cx="1844841" cy="4328027"/>
+          </a:xfrm>
+          <a:prstGeom prst="rect">
+            <a:avLst/>
+          </a:prstGeom>
+          <a:noFill/>
+          <a:ln>
+            <a:solidFill>
+              <a:srgbClr val="FF0000"/>
+            </a:solidFill>
+            <a:prstDash val="sysDot"/>
+          </a:ln>
+        </p:spPr>
+        <p:style>
+          <a:lnRef idx="2">
+            <a:schemeClr val="accent1">
+              <a:shade val="50000"/>
+            </a:schemeClr>
+          </a:lnRef>
+          <a:fillRef idx="1">
+            <a:schemeClr val="accent1"/>
+          </a:fillRef>
+          <a:effectRef idx="0">
+            <a:schemeClr val="accent1"/>
+          </a:effectRef>
+          <a:fontRef idx="minor">
+            <a:schemeClr val="lt1"/>
+          </a:fontRef>
+        </p:style>
+        <p:txBody>
+          <a:bodyPr rtlCol="0" anchor="ctr"/>
+          <a:lstStyle/>
+          <a:p>
+            <a:pPr algn="ctr"/>
+            <a:endParaRPr lang="ko-KR" altLang="en-US"/>
+          </a:p>
+        </p:txBody>
+      </p:sp>
+    </p:spTree>
+    <p:extLst>
+      <p:ext uri="{BB962C8B-B14F-4D97-AF65-F5344CB8AC3E}">
+        <p14:creationId xmlns:p14="http://schemas.microsoft.com/office/powerpoint/2010/main" val="3146405006"/>
+      </p:ext>
+    </p:extLst>
+  </p:cSld>
+  <p:clrMapOvr>
+    <a:masterClrMapping/>
+  </p:clrMapOvr>
+</p:sld>
+</file>
+
+<file path=ppt/slides/slide11.xml><?xml version="1.0" encoding="utf-8"?>
 <p:sld xmlns:a="http://schemas.openxmlformats.org/drawingml/2006/main" xmlns:r="http://schemas.openxmlformats.org/officeDocument/2006/relationships" xmlns:p="http://schemas.openxmlformats.org/presentationml/2006/main">
   <p:cSld>
     <p:spTree>
@@ -4184,8 +4329,8 @@
         </p:nvSpPr>
         <p:spPr>
           <a:xfrm>
-            <a:off x="733926" y="911828"/>
-            <a:ext cx="1382128" cy="621373"/>
+            <a:off x="733926" y="1286737"/>
+            <a:ext cx="1382128" cy="372802"/>
           </a:xfrm>
           <a:prstGeom prst="rect">
             <a:avLst/>
@@ -4234,8 +4379,8 @@
         </p:nvSpPr>
         <p:spPr>
           <a:xfrm>
-            <a:off x="7896726" y="1056129"/>
-            <a:ext cx="1382128" cy="621373"/>
+            <a:off x="7807379" y="1159866"/>
+            <a:ext cx="1382128" cy="357639"/>
           </a:xfrm>
           <a:prstGeom prst="rect">
             <a:avLst/>
@@ -4283,7 +4428,7 @@
 </p:sld>
 </file>
 
-<file path=ppt/slides/slide11.xml><?xml version="1.0" encoding="utf-8"?>
+<file path=ppt/slides/slide12.xml><?xml version="1.0" encoding="utf-8"?>
 <p:sld xmlns:a="http://schemas.openxmlformats.org/drawingml/2006/main" xmlns:r="http://schemas.openxmlformats.org/officeDocument/2006/relationships" xmlns:p="http://schemas.openxmlformats.org/presentationml/2006/main">
   <p:cSld>
     <p:spTree>
@@ -5069,7 +5214,7 @@
 </p:sld>
 </file>
 
-<file path=ppt/slides/slide12.xml><?xml version="1.0" encoding="utf-8"?>
+<file path=ppt/slides/slide13.xml><?xml version="1.0" encoding="utf-8"?>
 <p:sld xmlns:a="http://schemas.openxmlformats.org/drawingml/2006/main" xmlns:r="http://schemas.openxmlformats.org/officeDocument/2006/relationships" xmlns:p="http://schemas.openxmlformats.org/presentationml/2006/main">
   <p:cSld>
     <p:spTree>
@@ -5712,7 +5857,7 @@
 </p:sld>
 </file>
 
-<file path=ppt/slides/slide13.xml><?xml version="1.0" encoding="utf-8"?>
+<file path=ppt/slides/slide14.xml><?xml version="1.0" encoding="utf-8"?>
 <p:sld xmlns:a="http://schemas.openxmlformats.org/drawingml/2006/main" xmlns:r="http://schemas.openxmlformats.org/officeDocument/2006/relationships" xmlns:p="http://schemas.openxmlformats.org/presentationml/2006/main">
   <p:cSld>
     <p:spTree>
@@ -6102,7 +6247,7 @@
 </p:sld>
 </file>
 
-<file path=ppt/slides/slide14.xml><?xml version="1.0" encoding="utf-8"?>
+<file path=ppt/slides/slide15.xml><?xml version="1.0" encoding="utf-8"?>
 <p:sld xmlns:a="http://schemas.openxmlformats.org/drawingml/2006/main" xmlns:r="http://schemas.openxmlformats.org/officeDocument/2006/relationships" xmlns:p="http://schemas.openxmlformats.org/presentationml/2006/main">
   <p:cSld>
     <p:spTree>
@@ -6492,7 +6637,7 @@
 </p:sld>
 </file>
 
-<file path=ppt/slides/slide15.xml><?xml version="1.0" encoding="utf-8"?>
+<file path=ppt/slides/slide16.xml><?xml version="1.0" encoding="utf-8"?>
 <p:sld xmlns:a="http://schemas.openxmlformats.org/drawingml/2006/main" xmlns:r="http://schemas.openxmlformats.org/officeDocument/2006/relationships" xmlns:p="http://schemas.openxmlformats.org/presentationml/2006/main">
   <p:cSld>
     <p:spTree>
@@ -6885,7 +7030,7 @@
 </p:sld>
 </file>
 
-<file path=ppt/slides/slide16.xml><?xml version="1.0" encoding="utf-8"?>
+<file path=ppt/slides/slide17.xml><?xml version="1.0" encoding="utf-8"?>
 <p:sld xmlns:a="http://schemas.openxmlformats.org/drawingml/2006/main" xmlns:r="http://schemas.openxmlformats.org/officeDocument/2006/relationships" xmlns:p="http://schemas.openxmlformats.org/presentationml/2006/main">
   <p:cSld>
     <p:spTree>
@@ -6926,7 +7071,7 @@
         </p:blipFill>
         <p:spPr>
           <a:xfrm>
-            <a:off x="6404902" y="2160244"/>
+            <a:off x="6581365" y="1783254"/>
             <a:ext cx="5548973" cy="3773069"/>
           </a:xfrm>
         </p:spPr>
@@ -6953,7 +7098,7 @@
         </p:blipFill>
         <p:spPr>
           <a:xfrm>
-            <a:off x="318427" y="2160244"/>
+            <a:off x="469528" y="1877467"/>
             <a:ext cx="5777573" cy="3974025"/>
           </a:xfrm>
           <a:prstGeom prst="rect">
@@ -6961,65 +7106,6 @@
           </a:prstGeom>
         </p:spPr>
       </p:pic>
-      <p:sp>
-        <p:nvSpPr>
-          <p:cNvPr id="8" name="제목 3">
-            <a:extLst>
-              <a:ext uri="{FF2B5EF4-FFF2-40B4-BE49-F238E27FC236}">
-                <a16:creationId xmlns:a16="http://schemas.microsoft.com/office/drawing/2014/main" id="{0FE840DF-2314-4945-A682-CE97B84C1FEB}"/>
-              </a:ext>
-            </a:extLst>
-          </p:cNvPr>
-          <p:cNvSpPr>
-            <a:spLocks noGrp="1"/>
-          </p:cNvSpPr>
-          <p:nvPr>
-            <p:ph type="title"/>
-          </p:nvPr>
-        </p:nvSpPr>
-        <p:spPr>
-          <a:xfrm>
-            <a:off x="653716" y="216134"/>
-            <a:ext cx="10515600" cy="830012"/>
-          </a:xfrm>
-          <a:prstGeom prst="roundRect">
-            <a:avLst/>
-          </a:prstGeom>
-          <a:solidFill>
-            <a:schemeClr val="tx1"/>
-          </a:solidFill>
-        </p:spPr>
-        <p:style>
-          <a:lnRef idx="2">
-            <a:schemeClr val="accent1">
-              <a:shade val="50000"/>
-            </a:schemeClr>
-          </a:lnRef>
-          <a:fillRef idx="1">
-            <a:schemeClr val="accent1"/>
-          </a:fillRef>
-          <a:effectRef idx="0">
-            <a:schemeClr val="accent1"/>
-          </a:effectRef>
-          <a:fontRef idx="minor">
-            <a:schemeClr val="lt1"/>
-          </a:fontRef>
-        </p:style>
-        <p:txBody>
-          <a:bodyPr rtlCol="0" anchor="ctr">
-            <a:normAutofit/>
-          </a:bodyPr>
-          <a:lstStyle/>
-          <a:p>
-            <a:pPr algn="ctr"/>
-            <a:r>
-              <a:rPr lang="en-US" altLang="ko-KR" sz="3600" dirty="0"/>
-              <a:t>ABEX1</a:t>
-            </a:r>
-            <a:endParaRPr lang="ko-KR" altLang="en-US" sz="3600" dirty="0"/>
-          </a:p>
-        </p:txBody>
-      </p:sp>
       <p:sp>
         <p:nvSpPr>
           <p:cNvPr id="9" name="직사각형 8">
@@ -7034,7 +7120,7 @@
         </p:nvSpPr>
         <p:spPr>
           <a:xfrm>
-            <a:off x="7074002" y="1602591"/>
+            <a:off x="8357370" y="1162651"/>
             <a:ext cx="2101516" cy="368777"/>
           </a:xfrm>
           <a:prstGeom prst="rect">
@@ -7084,7 +7170,7 @@
         </p:nvSpPr>
         <p:spPr>
           <a:xfrm>
-            <a:off x="1270086" y="1506434"/>
+            <a:off x="1949681" y="1162651"/>
             <a:ext cx="2101516" cy="368777"/>
           </a:xfrm>
           <a:prstGeom prst="rect">
@@ -7120,101 +7206,12 @@
           </a:p>
         </p:txBody>
       </p:sp>
-    </p:spTree>
-    <p:extLst>
-      <p:ext uri="{BB962C8B-B14F-4D97-AF65-F5344CB8AC3E}">
-        <p14:creationId xmlns:p14="http://schemas.microsoft.com/office/powerpoint/2010/main" val="109532457"/>
-      </p:ext>
-    </p:extLst>
-  </p:cSld>
-  <p:clrMapOvr>
-    <a:masterClrMapping/>
-  </p:clrMapOvr>
-</p:sld>
-</file>
-
-<file path=ppt/slides/slide17.xml><?xml version="1.0" encoding="utf-8"?>
-<p:sld xmlns:a="http://schemas.openxmlformats.org/drawingml/2006/main" xmlns:r="http://schemas.openxmlformats.org/officeDocument/2006/relationships" xmlns:p="http://schemas.openxmlformats.org/presentationml/2006/main">
-  <p:cSld>
-    <p:spTree>
-      <p:nvGrpSpPr>
-        <p:cNvPr id="1" name=""/>
-        <p:cNvGrpSpPr/>
-        <p:nvPr/>
-      </p:nvGrpSpPr>
-      <p:grpSpPr>
-        <a:xfrm>
-          <a:off x="0" y="0"/>
-          <a:ext cx="0" cy="0"/>
-          <a:chOff x="0" y="0"/>
-          <a:chExt cx="0" cy="0"/>
-        </a:xfrm>
-      </p:grpSpPr>
       <p:sp>
         <p:nvSpPr>
-          <p:cNvPr id="8" name="제목 3">
+          <p:cNvPr id="12" name="직사각형 11">
             <a:extLst>
               <a:ext uri="{FF2B5EF4-FFF2-40B4-BE49-F238E27FC236}">
-                <a16:creationId xmlns:a16="http://schemas.microsoft.com/office/drawing/2014/main" id="{0FE840DF-2314-4945-A682-CE97B84C1FEB}"/>
-              </a:ext>
-            </a:extLst>
-          </p:cNvPr>
-          <p:cNvSpPr>
-            <a:spLocks noGrp="1"/>
-          </p:cNvSpPr>
-          <p:nvPr>
-            <p:ph type="title"/>
-          </p:nvPr>
-        </p:nvSpPr>
-        <p:spPr>
-          <a:xfrm>
-            <a:off x="653716" y="216134"/>
-            <a:ext cx="10515600" cy="830012"/>
-          </a:xfrm>
-          <a:prstGeom prst="roundRect">
-            <a:avLst/>
-          </a:prstGeom>
-          <a:solidFill>
-            <a:schemeClr val="tx1"/>
-          </a:solidFill>
-        </p:spPr>
-        <p:style>
-          <a:lnRef idx="2">
-            <a:schemeClr val="accent1">
-              <a:shade val="50000"/>
-            </a:schemeClr>
-          </a:lnRef>
-          <a:fillRef idx="1">
-            <a:schemeClr val="accent1"/>
-          </a:fillRef>
-          <a:effectRef idx="0">
-            <a:schemeClr val="accent1"/>
-          </a:effectRef>
-          <a:fontRef idx="minor">
-            <a:schemeClr val="lt1"/>
-          </a:fontRef>
-        </p:style>
-        <p:txBody>
-          <a:bodyPr rtlCol="0" anchor="ctr">
-            <a:normAutofit/>
-          </a:bodyPr>
-          <a:lstStyle/>
-          <a:p>
-            <a:pPr algn="ctr"/>
-            <a:r>
-              <a:rPr lang="en-US" altLang="ko-KR" sz="3600" dirty="0"/>
-              <a:t>ABEX1 – 1epoch</a:t>
-            </a:r>
-            <a:endParaRPr lang="ko-KR" altLang="en-US" sz="3600" dirty="0"/>
-          </a:p>
-        </p:txBody>
-      </p:sp>
-      <p:sp>
-        <p:nvSpPr>
-          <p:cNvPr id="11" name="직사각형 10">
-            <a:extLst>
-              <a:ext uri="{FF2B5EF4-FFF2-40B4-BE49-F238E27FC236}">
-                <a16:creationId xmlns:a16="http://schemas.microsoft.com/office/drawing/2014/main" id="{1A6F5B14-0914-44DF-8BC5-687C5239ED59}"/>
+                <a16:creationId xmlns:a16="http://schemas.microsoft.com/office/drawing/2014/main" id="{8026B170-3EB5-4E48-95B1-641964BDCB02}"/>
               </a:ext>
             </a:extLst>
           </p:cNvPr>
@@ -7223,15 +7220,12 @@
         </p:nvSpPr>
         <p:spPr>
           <a:xfrm>
-            <a:off x="1165813" y="1257781"/>
-            <a:ext cx="2101516" cy="368777"/>
+            <a:off x="1949681" y="732568"/>
+            <a:ext cx="2101516" cy="372802"/>
           </a:xfrm>
           <a:prstGeom prst="rect">
             <a:avLst/>
           </a:prstGeom>
-          <a:solidFill>
-            <a:srgbClr val="C00000"/>
-          </a:solidFill>
         </p:spPr>
         <p:style>
           <a:lnRef idx="2">
@@ -7256,7 +7250,7 @@
             <a:pPr algn="ctr"/>
             <a:r>
               <a:rPr lang="en-US" altLang="ko-KR" sz="2000" dirty="0"/>
-              <a:t>Z Dim=25</a:t>
+              <a:t>X Dim=1024</a:t>
             </a:r>
             <a:endParaRPr lang="ko-KR" altLang="en-US" sz="2000" dirty="0"/>
           </a:p>
@@ -7264,10 +7258,10 @@
       </p:sp>
       <p:sp>
         <p:nvSpPr>
-          <p:cNvPr id="12" name="직사각형 11">
+          <p:cNvPr id="13" name="직사각형 12">
             <a:extLst>
               <a:ext uri="{FF2B5EF4-FFF2-40B4-BE49-F238E27FC236}">
-                <a16:creationId xmlns:a16="http://schemas.microsoft.com/office/drawing/2014/main" id="{244153D3-1120-4225-9C22-0F2E726768F0}"/>
+                <a16:creationId xmlns:a16="http://schemas.microsoft.com/office/drawing/2014/main" id="{FC47A65D-C0AB-4563-852A-FCDCB8F52D91}"/>
               </a:ext>
             </a:extLst>
           </p:cNvPr>
@@ -7276,15 +7270,12 @@
         </p:nvSpPr>
         <p:spPr>
           <a:xfrm>
-            <a:off x="1165813" y="1717973"/>
-            <a:ext cx="2101516" cy="368777"/>
+            <a:off x="8357370" y="726899"/>
+            <a:ext cx="2101516" cy="372802"/>
           </a:xfrm>
           <a:prstGeom prst="rect">
             <a:avLst/>
           </a:prstGeom>
-          <a:solidFill>
-            <a:srgbClr val="C00000"/>
-          </a:solidFill>
         </p:spPr>
         <p:style>
           <a:lnRef idx="2">
@@ -7309,113 +7300,7 @@
             <a:pPr algn="ctr"/>
             <a:r>
               <a:rPr lang="en-US" altLang="ko-KR" sz="2000" dirty="0"/>
-              <a:t>Alpha = 1</a:t>
-            </a:r>
-            <a:endParaRPr lang="ko-KR" altLang="en-US" sz="2000" dirty="0"/>
-          </a:p>
-        </p:txBody>
-      </p:sp>
-      <p:sp>
-        <p:nvSpPr>
-          <p:cNvPr id="13" name="직사각형 12">
-            <a:extLst>
-              <a:ext uri="{FF2B5EF4-FFF2-40B4-BE49-F238E27FC236}">
-                <a16:creationId xmlns:a16="http://schemas.microsoft.com/office/drawing/2014/main" id="{18C778B0-81B1-44AC-BA8D-94FD6464E112}"/>
-              </a:ext>
-            </a:extLst>
-          </p:cNvPr>
-          <p:cNvSpPr/>
-          <p:nvPr/>
-        </p:nvSpPr>
-        <p:spPr>
-          <a:xfrm>
-            <a:off x="8192255" y="1257781"/>
-            <a:ext cx="2101516" cy="368777"/>
-          </a:xfrm>
-          <a:prstGeom prst="rect">
-            <a:avLst/>
-          </a:prstGeom>
-          <a:solidFill>
-            <a:srgbClr val="C00000"/>
-          </a:solidFill>
-        </p:spPr>
-        <p:style>
-          <a:lnRef idx="2">
-            <a:schemeClr val="accent1">
-              <a:shade val="50000"/>
-            </a:schemeClr>
-          </a:lnRef>
-          <a:fillRef idx="1">
-            <a:schemeClr val="accent1"/>
-          </a:fillRef>
-          <a:effectRef idx="0">
-            <a:schemeClr val="accent1"/>
-          </a:effectRef>
-          <a:fontRef idx="minor">
-            <a:schemeClr val="lt1"/>
-          </a:fontRef>
-        </p:style>
-        <p:txBody>
-          <a:bodyPr rtlCol="0" anchor="ctr"/>
-          <a:lstStyle/>
-          <a:p>
-            <a:pPr algn="ctr"/>
-            <a:r>
-              <a:rPr lang="en-US" altLang="ko-KR" sz="2000" dirty="0"/>
-              <a:t>Z Dim=125</a:t>
-            </a:r>
-            <a:endParaRPr lang="ko-KR" altLang="en-US" sz="2000" dirty="0"/>
-          </a:p>
-        </p:txBody>
-      </p:sp>
-      <p:sp>
-        <p:nvSpPr>
-          <p:cNvPr id="14" name="직사각형 13">
-            <a:extLst>
-              <a:ext uri="{FF2B5EF4-FFF2-40B4-BE49-F238E27FC236}">
-                <a16:creationId xmlns:a16="http://schemas.microsoft.com/office/drawing/2014/main" id="{F002BD69-99A4-4D70-B067-0A520AF19AC2}"/>
-              </a:ext>
-            </a:extLst>
-          </p:cNvPr>
-          <p:cNvSpPr/>
-          <p:nvPr/>
-        </p:nvSpPr>
-        <p:spPr>
-          <a:xfrm>
-            <a:off x="8192255" y="1717973"/>
-            <a:ext cx="2101516" cy="368777"/>
-          </a:xfrm>
-          <a:prstGeom prst="rect">
-            <a:avLst/>
-          </a:prstGeom>
-          <a:solidFill>
-            <a:srgbClr val="C00000"/>
-          </a:solidFill>
-        </p:spPr>
-        <p:style>
-          <a:lnRef idx="2">
-            <a:schemeClr val="accent1">
-              <a:shade val="50000"/>
-            </a:schemeClr>
-          </a:lnRef>
-          <a:fillRef idx="1">
-            <a:schemeClr val="accent1"/>
-          </a:fillRef>
-          <a:effectRef idx="0">
-            <a:schemeClr val="accent1"/>
-          </a:effectRef>
-          <a:fontRef idx="minor">
-            <a:schemeClr val="lt1"/>
-          </a:fontRef>
-        </p:style>
-        <p:txBody>
-          <a:bodyPr rtlCol="0" anchor="ctr"/>
-          <a:lstStyle/>
-          <a:p>
-            <a:pPr algn="ctr"/>
-            <a:r>
-              <a:rPr lang="en-US" altLang="ko-KR" sz="2000" dirty="0"/>
-              <a:t>Alpha = 1</a:t>
+              <a:t>X Dim=1024</a:t>
             </a:r>
             <a:endParaRPr lang="ko-KR" altLang="en-US" sz="2000" dirty="0"/>
           </a:p>
@@ -7424,7 +7309,7 @@
     </p:spTree>
     <p:extLst>
       <p:ext uri="{BB962C8B-B14F-4D97-AF65-F5344CB8AC3E}">
-        <p14:creationId xmlns:p14="http://schemas.microsoft.com/office/powerpoint/2010/main" val="3096093357"/>
+        <p14:creationId xmlns:p14="http://schemas.microsoft.com/office/powerpoint/2010/main" val="109532457"/>
       </p:ext>
     </p:extLst>
   </p:cSld>
@@ -7451,281 +7336,1519 @@
           <a:chExt cx="0" cy="0"/>
         </a:xfrm>
       </p:grpSpPr>
-      <p:sp>
-        <p:nvSpPr>
-          <p:cNvPr id="8" name="제목 3">
+      <p:pic>
+        <p:nvPicPr>
+          <p:cNvPr id="3" name="그림 2">
             <a:extLst>
               <a:ext uri="{FF2B5EF4-FFF2-40B4-BE49-F238E27FC236}">
-                <a16:creationId xmlns:a16="http://schemas.microsoft.com/office/drawing/2014/main" id="{0FE840DF-2314-4945-A682-CE97B84C1FEB}"/>
+                <a16:creationId xmlns:a16="http://schemas.microsoft.com/office/drawing/2014/main" id="{2DDB79F2-3850-41BA-BE37-DFD45EC1F1B1}"/>
               </a:ext>
             </a:extLst>
           </p:cNvPr>
-          <p:cNvSpPr>
-            <a:spLocks noGrp="1"/>
-          </p:cNvSpPr>
-          <p:nvPr>
-            <p:ph type="title"/>
-          </p:nvPr>
-        </p:nvSpPr>
+          <p:cNvPicPr>
+            <a:picLocks/>
+          </p:cNvPicPr>
+          <p:nvPr/>
+        </p:nvPicPr>
+        <p:blipFill>
+          <a:blip r:embed="rId2"/>
+          <a:stretch>
+            <a:fillRect/>
+          </a:stretch>
+        </p:blipFill>
         <p:spPr>
           <a:xfrm>
-            <a:off x="653716" y="216134"/>
-            <a:ext cx="10515600" cy="830012"/>
-          </a:xfrm>
-          <a:prstGeom prst="roundRect">
-            <a:avLst/>
-          </a:prstGeom>
-          <a:solidFill>
-            <a:schemeClr val="tx1"/>
-          </a:solidFill>
-        </p:spPr>
-        <p:style>
-          <a:lnRef idx="2">
-            <a:schemeClr val="accent1">
-              <a:shade val="50000"/>
-            </a:schemeClr>
-          </a:lnRef>
-          <a:fillRef idx="1">
-            <a:schemeClr val="accent1"/>
-          </a:fillRef>
-          <a:effectRef idx="0">
-            <a:schemeClr val="accent1"/>
-          </a:effectRef>
-          <a:fontRef idx="minor">
-            <a:schemeClr val="lt1"/>
-          </a:fontRef>
-        </p:style>
-        <p:txBody>
-          <a:bodyPr rtlCol="0" anchor="ctr">
-            <a:normAutofit/>
-          </a:bodyPr>
-          <a:lstStyle/>
-          <a:p>
-            <a:pPr algn="ctr"/>
-            <a:r>
-              <a:rPr lang="en-US" altLang="ko-KR" sz="3600" dirty="0"/>
-              <a:t>ABEX1 – 1epoch</a:t>
-            </a:r>
-            <a:endParaRPr lang="ko-KR" altLang="en-US" sz="3600" dirty="0"/>
-          </a:p>
-        </p:txBody>
-      </p:sp>
-      <p:sp>
-        <p:nvSpPr>
-          <p:cNvPr id="11" name="직사각형 10">
-            <a:extLst>
-              <a:ext uri="{FF2B5EF4-FFF2-40B4-BE49-F238E27FC236}">
-                <a16:creationId xmlns:a16="http://schemas.microsoft.com/office/drawing/2014/main" id="{1A6F5B14-0914-44DF-8BC5-687C5239ED59}"/>
-              </a:ext>
-            </a:extLst>
-          </p:cNvPr>
-          <p:cNvSpPr/>
-          <p:nvPr/>
-        </p:nvSpPr>
-        <p:spPr>
-          <a:xfrm>
-            <a:off x="1165813" y="1257781"/>
-            <a:ext cx="2101516" cy="368777"/>
+            <a:off x="166561" y="2533745"/>
+            <a:ext cx="5760000" cy="3600000"/>
           </a:xfrm>
           <a:prstGeom prst="rect">
             <a:avLst/>
           </a:prstGeom>
           <a:solidFill>
-            <a:srgbClr val="C00000"/>
+            <a:srgbClr val="FFFFFF">
+              <a:shade val="85000"/>
+            </a:srgbClr>
           </a:solidFill>
+          <a:ln w="88900" cap="sq">
+            <a:solidFill>
+              <a:srgbClr val="FFFFFF"/>
+            </a:solidFill>
+            <a:miter lim="800000"/>
+          </a:ln>
+          <a:effectLst>
+            <a:outerShdw blurRad="55000" dist="18000" dir="5400000" algn="tl" rotWithShape="0">
+              <a:srgbClr val="000000">
+                <a:alpha val="40000"/>
+              </a:srgbClr>
+            </a:outerShdw>
+          </a:effectLst>
+          <a:scene3d>
+            <a:camera prst="orthographicFront"/>
+            <a:lightRig rig="twoPt" dir="t">
+              <a:rot lat="0" lon="0" rev="7200000"/>
+            </a:lightRig>
+          </a:scene3d>
+          <a:sp3d>
+            <a:bevelT w="25400" h="19050"/>
+            <a:contourClr>
+              <a:srgbClr val="FFFFFF"/>
+            </a:contourClr>
+          </a:sp3d>
         </p:spPr>
-        <p:style>
-          <a:lnRef idx="2">
-            <a:schemeClr val="accent1">
-              <a:shade val="50000"/>
-            </a:schemeClr>
-          </a:lnRef>
-          <a:fillRef idx="1">
-            <a:schemeClr val="accent1"/>
-          </a:fillRef>
-          <a:effectRef idx="0">
-            <a:schemeClr val="accent1"/>
-          </a:effectRef>
-          <a:fontRef idx="minor">
-            <a:schemeClr val="lt1"/>
-          </a:fontRef>
-        </p:style>
-        <p:txBody>
-          <a:bodyPr rtlCol="0" anchor="ctr"/>
-          <a:lstStyle/>
-          <a:p>
-            <a:pPr algn="ctr"/>
-            <a:r>
-              <a:rPr lang="en-US" altLang="ko-KR" sz="2000" dirty="0"/>
-              <a:t>Z Dim=16</a:t>
-            </a:r>
-            <a:endParaRPr lang="ko-KR" altLang="en-US" sz="2000" dirty="0"/>
-          </a:p>
-        </p:txBody>
-      </p:sp>
-      <p:sp>
-        <p:nvSpPr>
-          <p:cNvPr id="12" name="직사각형 11">
+      </p:pic>
+      <p:pic>
+        <p:nvPicPr>
+          <p:cNvPr id="5" name="그림 4">
             <a:extLst>
               <a:ext uri="{FF2B5EF4-FFF2-40B4-BE49-F238E27FC236}">
-                <a16:creationId xmlns:a16="http://schemas.microsoft.com/office/drawing/2014/main" id="{244153D3-1120-4225-9C22-0F2E726768F0}"/>
+                <a16:creationId xmlns:a16="http://schemas.microsoft.com/office/drawing/2014/main" id="{D0336673-F536-4D17-BBA6-20175819B9BB}"/>
               </a:ext>
             </a:extLst>
           </p:cNvPr>
-          <p:cNvSpPr/>
+          <p:cNvPicPr>
+            <a:picLocks/>
+          </p:cNvPicPr>
           <p:nvPr/>
-        </p:nvSpPr>
+        </p:nvPicPr>
+        <p:blipFill>
+          <a:blip r:embed="rId3"/>
+          <a:stretch>
+            <a:fillRect/>
+          </a:stretch>
+        </p:blipFill>
         <p:spPr>
           <a:xfrm>
-            <a:off x="1165813" y="1717973"/>
-            <a:ext cx="2101516" cy="368777"/>
+            <a:off x="6265439" y="2533745"/>
+            <a:ext cx="5760000" cy="3600000"/>
           </a:xfrm>
           <a:prstGeom prst="rect">
             <a:avLst/>
           </a:prstGeom>
           <a:solidFill>
-            <a:srgbClr val="C00000"/>
+            <a:srgbClr val="FFFFFF">
+              <a:shade val="85000"/>
+            </a:srgbClr>
           </a:solidFill>
+          <a:ln w="88900" cap="sq">
+            <a:solidFill>
+              <a:srgbClr val="FFFFFF"/>
+            </a:solidFill>
+            <a:miter lim="800000"/>
+          </a:ln>
+          <a:effectLst>
+            <a:outerShdw blurRad="55000" dist="18000" dir="5400000" algn="tl" rotWithShape="0">
+              <a:srgbClr val="000000">
+                <a:alpha val="40000"/>
+              </a:srgbClr>
+            </a:outerShdw>
+          </a:effectLst>
+          <a:scene3d>
+            <a:camera prst="orthographicFront"/>
+            <a:lightRig rig="twoPt" dir="t">
+              <a:rot lat="0" lon="0" rev="7200000"/>
+            </a:lightRig>
+          </a:scene3d>
+          <a:sp3d>
+            <a:bevelT w="25400" h="19050"/>
+            <a:contourClr>
+              <a:srgbClr val="FFFFFF"/>
+            </a:contourClr>
+          </a:sp3d>
         </p:spPr>
-        <p:style>
-          <a:lnRef idx="2">
-            <a:schemeClr val="accent1">
-              <a:shade val="50000"/>
-            </a:schemeClr>
-          </a:lnRef>
-          <a:fillRef idx="1">
-            <a:schemeClr val="accent1"/>
-          </a:fillRef>
-          <a:effectRef idx="0">
-            <a:schemeClr val="accent1"/>
-          </a:effectRef>
-          <a:fontRef idx="minor">
-            <a:schemeClr val="lt1"/>
-          </a:fontRef>
-        </p:style>
-        <p:txBody>
-          <a:bodyPr rtlCol="0" anchor="ctr"/>
-          <a:lstStyle/>
-          <a:p>
-            <a:pPr algn="ctr"/>
-            <a:r>
-              <a:rPr lang="en-US" altLang="ko-KR" sz="2000" dirty="0"/>
-              <a:t>Alpha = 1</a:t>
-            </a:r>
-            <a:endParaRPr lang="ko-KR" altLang="en-US" sz="2000" dirty="0"/>
-          </a:p>
-        </p:txBody>
-      </p:sp>
-      <p:sp>
-        <p:nvSpPr>
-          <p:cNvPr id="13" name="직사각형 12">
+      </p:pic>
+      <mc:AlternateContent xmlns:mc="http://schemas.openxmlformats.org/markup-compatibility/2006" xmlns:a14="http://schemas.microsoft.com/office/drawing/2010/main">
+        <mc:Choice Requires="a14">
+          <p:graphicFrame>
+            <p:nvGraphicFramePr>
+              <p:cNvPr id="6" name="표 6">
+                <a:extLst>
+                  <a:ext uri="{FF2B5EF4-FFF2-40B4-BE49-F238E27FC236}">
+                    <a16:creationId xmlns:a16="http://schemas.microsoft.com/office/drawing/2014/main" id="{8E4620E6-9DC6-4362-AD6E-AFBC0B986838}"/>
+                  </a:ext>
+                </a:extLst>
+              </p:cNvPr>
+              <p:cNvGraphicFramePr>
+                <a:graphicFrameLocks noGrp="1"/>
+              </p:cNvGraphicFramePr>
+              <p:nvPr>
+                <p:extLst>
+                  <p:ext uri="{D42A27DB-BD31-4B8C-83A1-F6EECF244321}">
+                    <p14:modId xmlns:p14="http://schemas.microsoft.com/office/powerpoint/2010/main" val="2349278640"/>
+                  </p:ext>
+                </p:extLst>
+              </p:nvPr>
+            </p:nvGraphicFramePr>
+            <p:xfrm>
+              <a:off x="0" y="1866676"/>
+              <a:ext cx="12192000" cy="370840"/>
+            </p:xfrm>
+            <a:graphic>
+              <a:graphicData uri="http://schemas.openxmlformats.org/drawingml/2006/table">
+                <a:tbl>
+                  <a:tblPr firstRow="1" bandRow="1">
+                    <a:tableStyleId>{073A0DAA-6AF3-43AB-8588-CEC1D06C72B9}</a:tableStyleId>
+                  </a:tblPr>
+                  <a:tblGrid>
+                    <a:gridCol w="6096000">
+                      <a:extLst>
+                        <a:ext uri="{9D8B030D-6E8A-4147-A177-3AD203B41FA5}">
+                          <a16:colId xmlns:a16="http://schemas.microsoft.com/office/drawing/2014/main" val="1380535094"/>
+                        </a:ext>
+                      </a:extLst>
+                    </a:gridCol>
+                    <a:gridCol w="6096000">
+                      <a:extLst>
+                        <a:ext uri="{9D8B030D-6E8A-4147-A177-3AD203B41FA5}">
+                          <a16:colId xmlns:a16="http://schemas.microsoft.com/office/drawing/2014/main" val="3898479080"/>
+                        </a:ext>
+                      </a:extLst>
+                    </a:gridCol>
+                  </a:tblGrid>
+                  <a:tr h="370840">
+                    <a:tc>
+                      <a:txBody>
+                        <a:bodyPr/>
+                        <a:lstStyle/>
+                        <a:p>
+                          <a:pPr marL="0" marR="0" lvl="0" indent="0" algn="l" defTabSz="914400" rtl="0" eaLnBrk="1" fontAlgn="auto" latinLnBrk="1" hangingPunct="1">
+                            <a:lnSpc>
+                              <a:spcPct val="100000"/>
+                            </a:lnSpc>
+                            <a:spcBef>
+                              <a:spcPts val="0"/>
+                            </a:spcBef>
+                            <a:spcAft>
+                              <a:spcPts val="0"/>
+                            </a:spcAft>
+                            <a:buClrTx/>
+                            <a:buSzTx/>
+                            <a:buFontTx/>
+                            <a:buNone/>
+                            <a:tabLst/>
+                            <a:defRPr/>
+                          </a:pPr>
+                          <a14:m>
+                            <m:oMathPara xmlns:m="http://schemas.openxmlformats.org/officeDocument/2006/math">
+                              <m:oMathParaPr>
+                                <m:jc m:val="centerGroup"/>
+                              </m:oMathParaPr>
+                              <m:oMath xmlns:m="http://schemas.openxmlformats.org/officeDocument/2006/math">
+                                <m:r>
+                                  <a:rPr lang="en-US" altLang="ko-KR" sz="1800" dirty="0" smtClean="0">
+                                    <a:solidFill>
+                                      <a:schemeClr val="bg1"/>
+                                    </a:solidFill>
+                                    <a:latin typeface="Cambria Math" panose="02040503050406030204" pitchFamily="18" charset="0"/>
+                                  </a:rPr>
+                                  <m:t>𝑍</m:t>
+                                </m:r>
+                                <m:r>
+                                  <a:rPr lang="en-US" altLang="ko-KR" sz="1800" dirty="0" smtClean="0">
+                                    <a:solidFill>
+                                      <a:schemeClr val="bg1"/>
+                                    </a:solidFill>
+                                    <a:latin typeface="Cambria Math" panose="02040503050406030204" pitchFamily="18" charset="0"/>
+                                  </a:rPr>
+                                  <m:t> </m:t>
+                                </m:r>
+                                <m:r>
+                                  <a:rPr lang="en-US" altLang="ko-KR" sz="1800" dirty="0" smtClean="0">
+                                    <a:solidFill>
+                                      <a:schemeClr val="bg1"/>
+                                    </a:solidFill>
+                                    <a:latin typeface="Cambria Math" panose="02040503050406030204" pitchFamily="18" charset="0"/>
+                                  </a:rPr>
+                                  <m:t>𝐷𝑖𝑚</m:t>
+                                </m:r>
+                                <m:r>
+                                  <a:rPr lang="en-US" altLang="ko-KR" sz="1800" dirty="0" smtClean="0">
+                                    <a:solidFill>
+                                      <a:schemeClr val="bg1"/>
+                                    </a:solidFill>
+                                    <a:latin typeface="Cambria Math" panose="02040503050406030204" pitchFamily="18" charset="0"/>
+                                  </a:rPr>
+                                  <m:t>=25, </m:t>
+                                </m:r>
+                                <m:r>
+                                  <a:rPr lang="en-US" altLang="ko-KR" sz="1800" b="0" dirty="0" smtClean="0">
+                                    <a:solidFill>
+                                      <a:schemeClr val="bg1"/>
+                                    </a:solidFill>
+                                    <a:latin typeface="Cambria Math" panose="02040503050406030204" pitchFamily="18" charset="0"/>
+                                  </a:rPr>
+                                  <m:t>𝑎𝑙𝑝h𝑎</m:t>
+                                </m:r>
+                                <m:r>
+                                  <a:rPr lang="en-US" altLang="ko-KR" sz="1800" b="0" dirty="0" smtClean="0">
+                                    <a:solidFill>
+                                      <a:schemeClr val="bg1"/>
+                                    </a:solidFill>
+                                    <a:latin typeface="Cambria Math" panose="02040503050406030204" pitchFamily="18" charset="0"/>
+                                  </a:rPr>
+                                  <m:t>=1</m:t>
+                                </m:r>
+                              </m:oMath>
+                            </m:oMathPara>
+                          </a14:m>
+                          <a:endParaRPr lang="ko-KR" altLang="en-US" sz="1800" dirty="0">
+                            <a:solidFill>
+                              <a:schemeClr val="bg1"/>
+                            </a:solidFill>
+                          </a:endParaRPr>
+                        </a:p>
+                      </a:txBody>
+                      <a:tcPr/>
+                    </a:tc>
+                    <a:tc>
+                      <a:txBody>
+                        <a:bodyPr/>
+                        <a:lstStyle/>
+                        <a:p>
+                          <a:pPr marL="0" marR="0" lvl="0" indent="0" algn="l" defTabSz="914400" rtl="0" eaLnBrk="1" fontAlgn="auto" latinLnBrk="1" hangingPunct="1">
+                            <a:lnSpc>
+                              <a:spcPct val="100000"/>
+                            </a:lnSpc>
+                            <a:spcBef>
+                              <a:spcPts val="0"/>
+                            </a:spcBef>
+                            <a:spcAft>
+                              <a:spcPts val="0"/>
+                            </a:spcAft>
+                            <a:buClrTx/>
+                            <a:buSzTx/>
+                            <a:buFontTx/>
+                            <a:buNone/>
+                            <a:tabLst/>
+                            <a:defRPr/>
+                          </a:pPr>
+                          <a14:m>
+                            <m:oMathPara xmlns:m="http://schemas.openxmlformats.org/officeDocument/2006/math">
+                              <m:oMathParaPr>
+                                <m:jc m:val="centerGroup"/>
+                              </m:oMathParaPr>
+                              <m:oMath xmlns:m="http://schemas.openxmlformats.org/officeDocument/2006/math">
+                                <m:r>
+                                  <a:rPr lang="en-US" altLang="ko-KR" sz="1800" dirty="0" smtClean="0">
+                                    <a:solidFill>
+                                      <a:schemeClr val="bg1"/>
+                                    </a:solidFill>
+                                    <a:latin typeface="Cambria Math" panose="02040503050406030204" pitchFamily="18" charset="0"/>
+                                  </a:rPr>
+                                  <m:t>𝑍</m:t>
+                                </m:r>
+                                <m:r>
+                                  <a:rPr lang="en-US" altLang="ko-KR" sz="1800" dirty="0" smtClean="0">
+                                    <a:solidFill>
+                                      <a:schemeClr val="bg1"/>
+                                    </a:solidFill>
+                                    <a:latin typeface="Cambria Math" panose="02040503050406030204" pitchFamily="18" charset="0"/>
+                                  </a:rPr>
+                                  <m:t> </m:t>
+                                </m:r>
+                                <m:r>
+                                  <a:rPr lang="en-US" altLang="ko-KR" sz="1800" dirty="0" smtClean="0">
+                                    <a:solidFill>
+                                      <a:schemeClr val="bg1"/>
+                                    </a:solidFill>
+                                    <a:latin typeface="Cambria Math" panose="02040503050406030204" pitchFamily="18" charset="0"/>
+                                  </a:rPr>
+                                  <m:t>𝐷𝑖𝑚</m:t>
+                                </m:r>
+                                <m:r>
+                                  <a:rPr lang="en-US" altLang="ko-KR" sz="1800" dirty="0" smtClean="0">
+                                    <a:solidFill>
+                                      <a:schemeClr val="bg1"/>
+                                    </a:solidFill>
+                                    <a:latin typeface="Cambria Math" panose="02040503050406030204" pitchFamily="18" charset="0"/>
+                                  </a:rPr>
+                                  <m:t>=125, </m:t>
+                                </m:r>
+                                <m:r>
+                                  <a:rPr lang="en-US" altLang="ko-KR" sz="1800" b="0" dirty="0" smtClean="0">
+                                    <a:solidFill>
+                                      <a:schemeClr val="bg1"/>
+                                    </a:solidFill>
+                                    <a:latin typeface="Cambria Math" panose="02040503050406030204" pitchFamily="18" charset="0"/>
+                                  </a:rPr>
+                                  <m:t>𝑎𝑙𝑝h𝑎</m:t>
+                                </m:r>
+                                <m:r>
+                                  <a:rPr lang="en-US" altLang="ko-KR" sz="1800" b="0" dirty="0" smtClean="0">
+                                    <a:solidFill>
+                                      <a:schemeClr val="bg1"/>
+                                    </a:solidFill>
+                                    <a:latin typeface="Cambria Math" panose="02040503050406030204" pitchFamily="18" charset="0"/>
+                                  </a:rPr>
+                                  <m:t>=1</m:t>
+                                </m:r>
+                              </m:oMath>
+                            </m:oMathPara>
+                          </a14:m>
+                          <a:endParaRPr lang="ko-KR" altLang="en-US" sz="1800" dirty="0">
+                            <a:solidFill>
+                              <a:schemeClr val="bg1"/>
+                            </a:solidFill>
+                          </a:endParaRPr>
+                        </a:p>
+                      </a:txBody>
+                      <a:tcPr/>
+                    </a:tc>
+                    <a:extLst>
+                      <a:ext uri="{0D108BD9-81ED-4DB2-BD59-A6C34878D82A}">
+                        <a16:rowId xmlns:a16="http://schemas.microsoft.com/office/drawing/2014/main" val="4104339816"/>
+                      </a:ext>
+                    </a:extLst>
+                  </a:tr>
+                </a:tbl>
+              </a:graphicData>
+            </a:graphic>
+          </p:graphicFrame>
+        </mc:Choice>
+        <mc:Fallback xmlns="">
+          <p:graphicFrame>
+            <p:nvGraphicFramePr>
+              <p:cNvPr id="6" name="표 6">
+                <a:extLst>
+                  <a:ext uri="{FF2B5EF4-FFF2-40B4-BE49-F238E27FC236}">
+                    <a16:creationId xmlns:a16="http://schemas.microsoft.com/office/drawing/2014/main" id="{8E4620E6-9DC6-4362-AD6E-AFBC0B986838}"/>
+                  </a:ext>
+                </a:extLst>
+              </p:cNvPr>
+              <p:cNvGraphicFramePr>
+                <a:graphicFrameLocks noGrp="1"/>
+              </p:cNvGraphicFramePr>
+              <p:nvPr>
+                <p:extLst>
+                  <p:ext uri="{D42A27DB-BD31-4B8C-83A1-F6EECF244321}">
+                    <p14:modId xmlns:p14="http://schemas.microsoft.com/office/powerpoint/2010/main" val="2349278640"/>
+                  </p:ext>
+                </p:extLst>
+              </p:nvPr>
+            </p:nvGraphicFramePr>
+            <p:xfrm>
+              <a:off x="0" y="1866676"/>
+              <a:ext cx="12192000" cy="370840"/>
+            </p:xfrm>
+            <a:graphic>
+              <a:graphicData uri="http://schemas.openxmlformats.org/drawingml/2006/table">
+                <a:tbl>
+                  <a:tblPr firstRow="1" bandRow="1">
+                    <a:tableStyleId>{073A0DAA-6AF3-43AB-8588-CEC1D06C72B9}</a:tableStyleId>
+                  </a:tblPr>
+                  <a:tblGrid>
+                    <a:gridCol w="6096000">
+                      <a:extLst>
+                        <a:ext uri="{9D8B030D-6E8A-4147-A177-3AD203B41FA5}">
+                          <a16:colId xmlns:a16="http://schemas.microsoft.com/office/drawing/2014/main" val="1380535094"/>
+                        </a:ext>
+                      </a:extLst>
+                    </a:gridCol>
+                    <a:gridCol w="6096000">
+                      <a:extLst>
+                        <a:ext uri="{9D8B030D-6E8A-4147-A177-3AD203B41FA5}">
+                          <a16:colId xmlns:a16="http://schemas.microsoft.com/office/drawing/2014/main" val="3898479080"/>
+                        </a:ext>
+                      </a:extLst>
+                    </a:gridCol>
+                  </a:tblGrid>
+                  <a:tr h="370840">
+                    <a:tc>
+                      <a:txBody>
+                        <a:bodyPr/>
+                        <a:lstStyle/>
+                        <a:p>
+                          <a:endParaRPr lang="ko-KR"/>
+                        </a:p>
+                      </a:txBody>
+                      <a:tcPr>
+                        <a:blipFill>
+                          <a:blip r:embed="rId4"/>
+                          <a:stretch>
+                            <a:fillRect l="-200" t="-1613" r="-100500" b="-14516"/>
+                          </a:stretch>
+                        </a:blipFill>
+                      </a:tcPr>
+                    </a:tc>
+                    <a:tc>
+                      <a:txBody>
+                        <a:bodyPr/>
+                        <a:lstStyle/>
+                        <a:p>
+                          <a:endParaRPr lang="ko-KR"/>
+                        </a:p>
+                      </a:txBody>
+                      <a:tcPr>
+                        <a:blipFill>
+                          <a:blip r:embed="rId4"/>
+                          <a:stretch>
+                            <a:fillRect l="-100200" t="-1613" r="-500" b="-14516"/>
+                          </a:stretch>
+                        </a:blipFill>
+                      </a:tcPr>
+                    </a:tc>
+                    <a:extLst>
+                      <a:ext uri="{0D108BD9-81ED-4DB2-BD59-A6C34878D82A}">
+                        <a16:rowId xmlns:a16="http://schemas.microsoft.com/office/drawing/2014/main" val="4104339816"/>
+                      </a:ext>
+                    </a:extLst>
+                  </a:tr>
+                </a:tbl>
+              </a:graphicData>
+            </a:graphic>
+          </p:graphicFrame>
+        </mc:Fallback>
+      </mc:AlternateContent>
+      <mc:AlternateContent xmlns:mc="http://schemas.openxmlformats.org/markup-compatibility/2006" xmlns:a14="http://schemas.microsoft.com/office/drawing/2010/main">
+        <mc:Choice Requires="a14">
+          <p:sp>
+            <p:nvSpPr>
+              <p:cNvPr id="9" name="제목 8">
+                <a:extLst>
+                  <a:ext uri="{FF2B5EF4-FFF2-40B4-BE49-F238E27FC236}">
+                    <a16:creationId xmlns:a16="http://schemas.microsoft.com/office/drawing/2014/main" id="{2603874B-A553-42F3-A7F7-CF7B49837B74}"/>
+                  </a:ext>
+                </a:extLst>
+              </p:cNvPr>
+              <p:cNvSpPr>
+                <a:spLocks noGrp="1"/>
+              </p:cNvSpPr>
+              <p:nvPr>
+                <p:ph type="title"/>
+              </p:nvPr>
+            </p:nvSpPr>
+            <p:spPr>
+              <a:xfrm>
+                <a:off x="428625" y="520885"/>
+                <a:ext cx="10515600" cy="1325563"/>
+              </a:xfrm>
+            </p:spPr>
+            <p:txBody>
+              <a:bodyPr>
+                <a:normAutofit fontScale="90000"/>
+              </a:bodyPr>
+              <a:lstStyle/>
+              <a:p>
+                <a14:m>
+                  <m:oMath xmlns:m="http://schemas.openxmlformats.org/officeDocument/2006/math">
+                    <m:r>
+                      <a:rPr lang="en-US" altLang="ko-KR" sz="4400" b="1" i="1" dirty="0" smtClean="0">
+                        <a:solidFill>
+                          <a:schemeClr val="tx1"/>
+                        </a:solidFill>
+                        <a:latin typeface="Cambria Math" panose="02040503050406030204" pitchFamily="18" charset="0"/>
+                      </a:rPr>
+                      <m:t>𝑬𝒙𝒑𝒆𝒓𝒊𝒎𝒆𝒏𝒕</m:t>
+                    </m:r>
+                    <m:r>
+                      <a:rPr lang="en-US" altLang="ko-KR" sz="4400" b="1" i="1" dirty="0" smtClean="0">
+                        <a:solidFill>
+                          <a:schemeClr val="tx1"/>
+                        </a:solidFill>
+                        <a:latin typeface="Cambria Math" panose="02040503050406030204" pitchFamily="18" charset="0"/>
+                      </a:rPr>
+                      <m:t> </m:t>
+                    </m:r>
+                    <m:r>
+                      <a:rPr lang="en-US" altLang="ko-KR" sz="4400" b="1" i="1" dirty="0" smtClean="0">
+                        <a:solidFill>
+                          <a:schemeClr val="tx1"/>
+                        </a:solidFill>
+                        <a:latin typeface="Cambria Math" panose="02040503050406030204" pitchFamily="18" charset="0"/>
+                      </a:rPr>
+                      <m:t>𝟏</m:t>
+                    </m:r>
+                  </m:oMath>
+                </a14:m>
+                <a:r>
+                  <a:rPr lang="en-US" altLang="ko-KR" sz="4400" b="1" i="1" dirty="0">
+                    <a:solidFill>
+                      <a:schemeClr val="tx1"/>
+                    </a:solidFill>
+                    <a:latin typeface="Cambria Math" panose="02040503050406030204" pitchFamily="18" charset="0"/>
+                  </a:rPr>
+                  <a:t> - </a:t>
+                </a:r>
+                <a:r>
+                  <a:rPr lang="en-US" altLang="ko-KR" sz="4400" b="1" i="1" dirty="0" err="1">
+                    <a:solidFill>
+                      <a:schemeClr val="tx1"/>
+                    </a:solidFill>
+                    <a:latin typeface="Cambria Math" panose="02040503050406030204" pitchFamily="18" charset="0"/>
+                  </a:rPr>
+                  <a:t>Zdim</a:t>
+                </a:r>
+                <a:br>
+                  <a:rPr lang="en-US" altLang="ko-KR" sz="4400" i="1" dirty="0">
+                    <a:solidFill>
+                      <a:schemeClr val="tx1"/>
+                    </a:solidFill>
+                    <a:latin typeface="Cambria Math" panose="02040503050406030204" pitchFamily="18" charset="0"/>
+                  </a:rPr>
+                </a:br>
+                <a14:m>
+                  <m:oMath xmlns:m="http://schemas.openxmlformats.org/officeDocument/2006/math">
+                    <m:r>
+                      <a:rPr lang="en-US" altLang="ko-KR" sz="4400" b="0" i="1" smtClean="0">
+                        <a:solidFill>
+                          <a:schemeClr val="tx1"/>
+                        </a:solidFill>
+                        <a:latin typeface="Cambria Math" panose="02040503050406030204" pitchFamily="18" charset="0"/>
+                      </a:rPr>
+                      <m:t>𝐴𝐵𝐸𝑋</m:t>
+                    </m:r>
+                    <m:r>
+                      <a:rPr lang="en-US" altLang="ko-KR" sz="4400" b="0" i="1" smtClean="0">
+                        <a:solidFill>
+                          <a:schemeClr val="tx1"/>
+                        </a:solidFill>
+                        <a:latin typeface="Cambria Math" panose="02040503050406030204" pitchFamily="18" charset="0"/>
+                      </a:rPr>
+                      <m:t>1 −1 </m:t>
+                    </m:r>
+                    <m:r>
+                      <a:rPr lang="en-US" altLang="ko-KR" sz="4400" b="0" i="1" smtClean="0">
+                        <a:solidFill>
+                          <a:schemeClr val="tx1"/>
+                        </a:solidFill>
+                        <a:latin typeface="Cambria Math" panose="02040503050406030204" pitchFamily="18" charset="0"/>
+                      </a:rPr>
+                      <m:t>𝑒𝑝𝑜𝑐h</m:t>
+                    </m:r>
+                    <m:r>
+                      <a:rPr lang="en-US" altLang="ko-KR" sz="4400" b="0" i="1" smtClean="0">
+                        <a:solidFill>
+                          <a:schemeClr val="tx1"/>
+                        </a:solidFill>
+                        <a:latin typeface="Cambria Math" panose="02040503050406030204" pitchFamily="18" charset="0"/>
+                      </a:rPr>
+                      <m:t> </m:t>
+                    </m:r>
+                  </m:oMath>
+                </a14:m>
+                <a:r>
+                  <a:rPr lang="ko-KR" altLang="en-US" sz="4400" dirty="0">
+                    <a:solidFill>
+                      <a:schemeClr val="tx1"/>
+                    </a:solidFill>
+                  </a:rPr>
+                  <a:t> </a:t>
+                </a:r>
+                <a:br>
+                  <a:rPr lang="ko-KR" altLang="en-US" sz="4400" dirty="0">
+                    <a:solidFill>
+                      <a:schemeClr val="tx1"/>
+                    </a:solidFill>
+                  </a:rPr>
+                </a:br>
+                <a:endParaRPr lang="ko-KR" altLang="en-US" dirty="0"/>
+              </a:p>
+            </p:txBody>
+          </p:sp>
+        </mc:Choice>
+        <mc:Fallback xmlns="">
+          <p:sp>
+            <p:nvSpPr>
+              <p:cNvPr id="9" name="제목 8">
+                <a:extLst>
+                  <a:ext uri="{FF2B5EF4-FFF2-40B4-BE49-F238E27FC236}">
+                    <a16:creationId xmlns:a16="http://schemas.microsoft.com/office/drawing/2014/main" id="{2603874B-A553-42F3-A7F7-CF7B49837B74}"/>
+                  </a:ext>
+                </a:extLst>
+              </p:cNvPr>
+              <p:cNvSpPr>
+                <a:spLocks noGrp="1" noRot="1" noChangeAspect="1" noMove="1" noResize="1" noEditPoints="1" noAdjustHandles="1" noChangeArrowheads="1" noChangeShapeType="1" noTextEdit="1"/>
+              </p:cNvSpPr>
+              <p:nvPr>
+                <p:ph type="title"/>
+              </p:nvPr>
+            </p:nvSpPr>
+            <p:spPr>
+              <a:xfrm>
+                <a:off x="428625" y="520885"/>
+                <a:ext cx="10515600" cy="1325563"/>
+              </a:xfrm>
+              <a:blipFill>
+                <a:blip r:embed="rId5"/>
+                <a:stretch>
+                  <a:fillRect t="-27982"/>
+                </a:stretch>
+              </a:blipFill>
+            </p:spPr>
+            <p:txBody>
+              <a:bodyPr/>
+              <a:lstStyle/>
+              <a:p>
+                <a:r>
+                  <a:rPr lang="ko-KR" altLang="en-US">
+                    <a:noFill/>
+                  </a:rPr>
+                  <a:t> </a:t>
+                </a:r>
+              </a:p>
+            </p:txBody>
+          </p:sp>
+        </mc:Fallback>
+      </mc:AlternateContent>
+    </p:spTree>
+    <p:extLst>
+      <p:ext uri="{BB962C8B-B14F-4D97-AF65-F5344CB8AC3E}">
+        <p14:creationId xmlns:p14="http://schemas.microsoft.com/office/powerpoint/2010/main" val="3096093357"/>
+      </p:ext>
+    </p:extLst>
+  </p:cSld>
+  <p:clrMapOvr>
+    <a:masterClrMapping/>
+  </p:clrMapOvr>
+</p:sld>
+</file>
+
+<file path=ppt/slides/slide19.xml><?xml version="1.0" encoding="utf-8"?>
+<p:sld xmlns:a="http://schemas.openxmlformats.org/drawingml/2006/main" xmlns:r="http://schemas.openxmlformats.org/officeDocument/2006/relationships" xmlns:p="http://schemas.openxmlformats.org/presentationml/2006/main">
+  <p:cSld>
+    <p:spTree>
+      <p:nvGrpSpPr>
+        <p:cNvPr id="1" name=""/>
+        <p:cNvGrpSpPr/>
+        <p:nvPr/>
+      </p:nvGrpSpPr>
+      <p:grpSpPr>
+        <a:xfrm>
+          <a:off x="0" y="0"/>
+          <a:ext cx="0" cy="0"/>
+          <a:chOff x="0" y="0"/>
+          <a:chExt cx="0" cy="0"/>
+        </a:xfrm>
+      </p:grpSpPr>
+      <p:pic>
+        <p:nvPicPr>
+          <p:cNvPr id="3" name="그림 2">
             <a:extLst>
               <a:ext uri="{FF2B5EF4-FFF2-40B4-BE49-F238E27FC236}">
-                <a16:creationId xmlns:a16="http://schemas.microsoft.com/office/drawing/2014/main" id="{18C778B0-81B1-44AC-BA8D-94FD6464E112}"/>
+                <a16:creationId xmlns:a16="http://schemas.microsoft.com/office/drawing/2014/main" id="{ABD1FC7D-EC08-42ED-8074-66AFC8F96E8E}"/>
               </a:ext>
             </a:extLst>
           </p:cNvPr>
-          <p:cNvSpPr/>
+          <p:cNvPicPr>
+            <a:picLocks/>
+          </p:cNvPicPr>
           <p:nvPr/>
-        </p:nvSpPr>
+        </p:nvPicPr>
+        <p:blipFill>
+          <a:blip r:embed="rId2"/>
+          <a:stretch>
+            <a:fillRect/>
+          </a:stretch>
+        </p:blipFill>
         <p:spPr>
           <a:xfrm>
-            <a:off x="8192255" y="1257781"/>
-            <a:ext cx="2101516" cy="368777"/>
+            <a:off x="4376210" y="2555655"/>
+            <a:ext cx="3600000" cy="2880000"/>
           </a:xfrm>
           <a:prstGeom prst="rect">
             <a:avLst/>
           </a:prstGeom>
           <a:solidFill>
-            <a:srgbClr val="C00000"/>
+            <a:srgbClr val="FFFFFF">
+              <a:shade val="85000"/>
+            </a:srgbClr>
           </a:solidFill>
+          <a:ln w="88900" cap="sq">
+            <a:solidFill>
+              <a:srgbClr val="FFFFFF"/>
+            </a:solidFill>
+            <a:miter lim="800000"/>
+          </a:ln>
+          <a:effectLst>
+            <a:outerShdw blurRad="55000" dist="18000" dir="5400000" algn="tl" rotWithShape="0">
+              <a:srgbClr val="000000">
+                <a:alpha val="40000"/>
+              </a:srgbClr>
+            </a:outerShdw>
+          </a:effectLst>
+          <a:scene3d>
+            <a:camera prst="orthographicFront"/>
+            <a:lightRig rig="twoPt" dir="t">
+              <a:rot lat="0" lon="0" rev="7200000"/>
+            </a:lightRig>
+          </a:scene3d>
+          <a:sp3d>
+            <a:bevelT w="25400" h="19050"/>
+            <a:contourClr>
+              <a:srgbClr val="FFFFFF"/>
+            </a:contourClr>
+          </a:sp3d>
         </p:spPr>
-        <p:style>
-          <a:lnRef idx="2">
-            <a:schemeClr val="accent1">
-              <a:shade val="50000"/>
-            </a:schemeClr>
-          </a:lnRef>
-          <a:fillRef idx="1">
-            <a:schemeClr val="accent1"/>
-          </a:fillRef>
-          <a:effectRef idx="0">
-            <a:schemeClr val="accent1"/>
-          </a:effectRef>
-          <a:fontRef idx="minor">
-            <a:schemeClr val="lt1"/>
-          </a:fontRef>
-        </p:style>
-        <p:txBody>
-          <a:bodyPr rtlCol="0" anchor="ctr"/>
-          <a:lstStyle/>
-          <a:p>
-            <a:pPr algn="ctr"/>
-            <a:r>
-              <a:rPr lang="en-US" altLang="ko-KR" sz="2000" dirty="0"/>
-              <a:t>Z Dim=25</a:t>
-            </a:r>
-            <a:endParaRPr lang="ko-KR" altLang="en-US" sz="2000" dirty="0"/>
-          </a:p>
-        </p:txBody>
-      </p:sp>
-      <p:sp>
-        <p:nvSpPr>
-          <p:cNvPr id="14" name="직사각형 13">
+      </p:pic>
+      <p:pic>
+        <p:nvPicPr>
+          <p:cNvPr id="5" name="그림 4">
             <a:extLst>
               <a:ext uri="{FF2B5EF4-FFF2-40B4-BE49-F238E27FC236}">
-                <a16:creationId xmlns:a16="http://schemas.microsoft.com/office/drawing/2014/main" id="{F002BD69-99A4-4D70-B067-0A520AF19AC2}"/>
+                <a16:creationId xmlns:a16="http://schemas.microsoft.com/office/drawing/2014/main" id="{07D128B5-5B50-435C-A350-9D2F23E004C6}"/>
               </a:ext>
             </a:extLst>
           </p:cNvPr>
-          <p:cNvSpPr/>
+          <p:cNvPicPr>
+            <a:picLocks/>
+          </p:cNvPicPr>
           <p:nvPr/>
-        </p:nvSpPr>
+        </p:nvPicPr>
+        <p:blipFill>
+          <a:blip r:embed="rId3"/>
+          <a:stretch>
+            <a:fillRect/>
+          </a:stretch>
+        </p:blipFill>
         <p:spPr>
           <a:xfrm>
-            <a:off x="8192255" y="1717973"/>
-            <a:ext cx="2101516" cy="368777"/>
+            <a:off x="8335292" y="2483465"/>
+            <a:ext cx="3600000" cy="2880000"/>
           </a:xfrm>
           <a:prstGeom prst="rect">
             <a:avLst/>
           </a:prstGeom>
           <a:solidFill>
-            <a:srgbClr val="C00000"/>
+            <a:srgbClr val="FFFFFF">
+              <a:shade val="85000"/>
+            </a:srgbClr>
           </a:solidFill>
+          <a:ln w="88900" cap="sq">
+            <a:solidFill>
+              <a:srgbClr val="FFFFFF"/>
+            </a:solidFill>
+            <a:miter lim="800000"/>
+          </a:ln>
+          <a:effectLst>
+            <a:outerShdw blurRad="55000" dist="18000" dir="5400000" algn="tl" rotWithShape="0">
+              <a:srgbClr val="000000">
+                <a:alpha val="40000"/>
+              </a:srgbClr>
+            </a:outerShdw>
+          </a:effectLst>
+          <a:scene3d>
+            <a:camera prst="orthographicFront"/>
+            <a:lightRig rig="twoPt" dir="t">
+              <a:rot lat="0" lon="0" rev="7200000"/>
+            </a:lightRig>
+          </a:scene3d>
+          <a:sp3d>
+            <a:bevelT w="25400" h="19050"/>
+            <a:contourClr>
+              <a:srgbClr val="FFFFFF"/>
+            </a:contourClr>
+          </a:sp3d>
         </p:spPr>
-        <p:style>
-          <a:lnRef idx="2">
-            <a:schemeClr val="accent1">
-              <a:shade val="50000"/>
-            </a:schemeClr>
-          </a:lnRef>
-          <a:fillRef idx="1">
-            <a:schemeClr val="accent1"/>
-          </a:fillRef>
-          <a:effectRef idx="0">
-            <a:schemeClr val="accent1"/>
-          </a:effectRef>
-          <a:fontRef idx="minor">
-            <a:schemeClr val="lt1"/>
-          </a:fontRef>
-        </p:style>
-        <p:txBody>
-          <a:bodyPr rtlCol="0" anchor="ctr"/>
-          <a:lstStyle/>
-          <a:p>
-            <a:pPr algn="ctr"/>
-            <a:r>
-              <a:rPr lang="en-US" altLang="ko-KR" sz="2000" dirty="0"/>
-              <a:t>Alpha = 0.8</a:t>
-            </a:r>
-            <a:endParaRPr lang="ko-KR" altLang="en-US" sz="2000" dirty="0"/>
-          </a:p>
-        </p:txBody>
-      </p:sp>
+      </p:pic>
+      <p:pic>
+        <p:nvPicPr>
+          <p:cNvPr id="17" name="그림 16">
+            <a:extLst>
+              <a:ext uri="{FF2B5EF4-FFF2-40B4-BE49-F238E27FC236}">
+                <a16:creationId xmlns:a16="http://schemas.microsoft.com/office/drawing/2014/main" id="{E95F7CEA-BEB5-4D2F-872E-63A7A06B545F}"/>
+              </a:ext>
+            </a:extLst>
+          </p:cNvPr>
+          <p:cNvPicPr>
+            <a:picLocks/>
+          </p:cNvPicPr>
+          <p:nvPr/>
+        </p:nvPicPr>
+        <p:blipFill>
+          <a:blip r:embed="rId4"/>
+          <a:stretch>
+            <a:fillRect/>
+          </a:stretch>
+        </p:blipFill>
+        <p:spPr>
+          <a:xfrm>
+            <a:off x="256708" y="2483465"/>
+            <a:ext cx="3600000" cy="2880000"/>
+          </a:xfrm>
+          <a:prstGeom prst="rect">
+            <a:avLst/>
+          </a:prstGeom>
+          <a:solidFill>
+            <a:srgbClr val="FFFFFF">
+              <a:shade val="85000"/>
+            </a:srgbClr>
+          </a:solidFill>
+          <a:ln w="88900" cap="sq">
+            <a:solidFill>
+              <a:srgbClr val="FFFFFF"/>
+            </a:solidFill>
+            <a:miter lim="800000"/>
+          </a:ln>
+          <a:effectLst>
+            <a:outerShdw blurRad="55000" dist="18000" dir="5400000" algn="tl" rotWithShape="0">
+              <a:srgbClr val="000000">
+                <a:alpha val="40000"/>
+              </a:srgbClr>
+            </a:outerShdw>
+          </a:effectLst>
+          <a:scene3d>
+            <a:camera prst="orthographicFront"/>
+            <a:lightRig rig="twoPt" dir="t">
+              <a:rot lat="0" lon="0" rev="7200000"/>
+            </a:lightRig>
+          </a:scene3d>
+          <a:sp3d>
+            <a:bevelT w="25400" h="19050"/>
+            <a:contourClr>
+              <a:srgbClr val="FFFFFF"/>
+            </a:contourClr>
+          </a:sp3d>
+        </p:spPr>
+      </p:pic>
+      <mc:AlternateContent xmlns:mc="http://schemas.openxmlformats.org/markup-compatibility/2006" xmlns:a14="http://schemas.microsoft.com/office/drawing/2010/main">
+        <mc:Choice Requires="a14">
+          <p:graphicFrame>
+            <p:nvGraphicFramePr>
+              <p:cNvPr id="18" name="표 6">
+                <a:extLst>
+                  <a:ext uri="{FF2B5EF4-FFF2-40B4-BE49-F238E27FC236}">
+                    <a16:creationId xmlns:a16="http://schemas.microsoft.com/office/drawing/2014/main" id="{FA5F66F1-3531-49BD-92A2-9DEE6656497B}"/>
+                  </a:ext>
+                </a:extLst>
+              </p:cNvPr>
+              <p:cNvGraphicFramePr>
+                <a:graphicFrameLocks noGrp="1"/>
+              </p:cNvGraphicFramePr>
+              <p:nvPr>
+                <p:extLst>
+                  <p:ext uri="{D42A27DB-BD31-4B8C-83A1-F6EECF244321}">
+                    <p14:modId xmlns:p14="http://schemas.microsoft.com/office/powerpoint/2010/main" val="557071595"/>
+                  </p:ext>
+                </p:extLst>
+              </p:nvPr>
+            </p:nvGraphicFramePr>
+            <p:xfrm>
+              <a:off x="0" y="1729402"/>
+              <a:ext cx="12192000" cy="370840"/>
+            </p:xfrm>
+            <a:graphic>
+              <a:graphicData uri="http://schemas.openxmlformats.org/drawingml/2006/table">
+                <a:tbl>
+                  <a:tblPr firstRow="1" bandRow="1">
+                    <a:tableStyleId>{073A0DAA-6AF3-43AB-8588-CEC1D06C72B9}</a:tableStyleId>
+                  </a:tblPr>
+                  <a:tblGrid>
+                    <a:gridCol w="4064000">
+                      <a:extLst>
+                        <a:ext uri="{9D8B030D-6E8A-4147-A177-3AD203B41FA5}">
+                          <a16:colId xmlns:a16="http://schemas.microsoft.com/office/drawing/2014/main" val="1380535094"/>
+                        </a:ext>
+                      </a:extLst>
+                    </a:gridCol>
+                    <a:gridCol w="4064000">
+                      <a:extLst>
+                        <a:ext uri="{9D8B030D-6E8A-4147-A177-3AD203B41FA5}">
+                          <a16:colId xmlns:a16="http://schemas.microsoft.com/office/drawing/2014/main" val="3898479080"/>
+                        </a:ext>
+                      </a:extLst>
+                    </a:gridCol>
+                    <a:gridCol w="4064000">
+                      <a:extLst>
+                        <a:ext uri="{9D8B030D-6E8A-4147-A177-3AD203B41FA5}">
+                          <a16:colId xmlns:a16="http://schemas.microsoft.com/office/drawing/2014/main" val="3557242153"/>
+                        </a:ext>
+                      </a:extLst>
+                    </a:gridCol>
+                  </a:tblGrid>
+                  <a:tr h="370840">
+                    <a:tc>
+                      <a:txBody>
+                        <a:bodyPr/>
+                        <a:lstStyle/>
+                        <a:p>
+                          <a:pPr marL="0" marR="0" lvl="0" indent="0" algn="l" defTabSz="914400" rtl="0" eaLnBrk="1" fontAlgn="auto" latinLnBrk="1" hangingPunct="1">
+                            <a:lnSpc>
+                              <a:spcPct val="100000"/>
+                            </a:lnSpc>
+                            <a:spcBef>
+                              <a:spcPts val="0"/>
+                            </a:spcBef>
+                            <a:spcAft>
+                              <a:spcPts val="0"/>
+                            </a:spcAft>
+                            <a:buClrTx/>
+                            <a:buSzTx/>
+                            <a:buFontTx/>
+                            <a:buNone/>
+                            <a:tabLst/>
+                            <a:defRPr/>
+                          </a:pPr>
+                          <a14:m>
+                            <m:oMathPara xmlns:m="http://schemas.openxmlformats.org/officeDocument/2006/math">
+                              <m:oMathParaPr>
+                                <m:jc m:val="centerGroup"/>
+                              </m:oMathParaPr>
+                              <m:oMath xmlns:m="http://schemas.openxmlformats.org/officeDocument/2006/math">
+                                <m:r>
+                                  <a:rPr lang="en-US" altLang="ko-KR" sz="1800" dirty="0" smtClean="0">
+                                    <a:solidFill>
+                                      <a:schemeClr val="bg1"/>
+                                    </a:solidFill>
+                                    <a:latin typeface="Cambria Math" panose="02040503050406030204" pitchFamily="18" charset="0"/>
+                                  </a:rPr>
+                                  <m:t>𝑍</m:t>
+                                </m:r>
+                                <m:r>
+                                  <a:rPr lang="en-US" altLang="ko-KR" sz="1800" dirty="0" smtClean="0">
+                                    <a:solidFill>
+                                      <a:schemeClr val="bg1"/>
+                                    </a:solidFill>
+                                    <a:latin typeface="Cambria Math" panose="02040503050406030204" pitchFamily="18" charset="0"/>
+                                  </a:rPr>
+                                  <m:t> </m:t>
+                                </m:r>
+                                <m:r>
+                                  <a:rPr lang="en-US" altLang="ko-KR" sz="1800" dirty="0" smtClean="0">
+                                    <a:solidFill>
+                                      <a:schemeClr val="bg1"/>
+                                    </a:solidFill>
+                                    <a:latin typeface="Cambria Math" panose="02040503050406030204" pitchFamily="18" charset="0"/>
+                                  </a:rPr>
+                                  <m:t>𝐷𝑖𝑚</m:t>
+                                </m:r>
+                                <m:r>
+                                  <a:rPr lang="en-US" altLang="ko-KR" sz="1800" dirty="0" smtClean="0">
+                                    <a:solidFill>
+                                      <a:schemeClr val="bg1"/>
+                                    </a:solidFill>
+                                    <a:latin typeface="Cambria Math" panose="02040503050406030204" pitchFamily="18" charset="0"/>
+                                  </a:rPr>
+                                  <m:t>=25, </m:t>
+                                </m:r>
+                                <m:r>
+                                  <a:rPr lang="en-US" altLang="ko-KR" sz="1800" b="0" dirty="0" smtClean="0">
+                                    <a:solidFill>
+                                      <a:schemeClr val="bg1"/>
+                                    </a:solidFill>
+                                    <a:latin typeface="Cambria Math" panose="02040503050406030204" pitchFamily="18" charset="0"/>
+                                  </a:rPr>
+                                  <m:t>𝑎𝑙𝑝h𝑎</m:t>
+                                </m:r>
+                                <m:r>
+                                  <a:rPr lang="en-US" altLang="ko-KR" sz="1800" b="0" dirty="0" smtClean="0">
+                                    <a:solidFill>
+                                      <a:schemeClr val="bg1"/>
+                                    </a:solidFill>
+                                    <a:latin typeface="Cambria Math" panose="02040503050406030204" pitchFamily="18" charset="0"/>
+                                  </a:rPr>
+                                  <m:t>=1</m:t>
+                                </m:r>
+                              </m:oMath>
+                            </m:oMathPara>
+                          </a14:m>
+                          <a:endParaRPr lang="ko-KR" altLang="en-US" sz="1800" dirty="0">
+                            <a:solidFill>
+                              <a:schemeClr val="bg1"/>
+                            </a:solidFill>
+                          </a:endParaRPr>
+                        </a:p>
+                      </a:txBody>
+                      <a:tcPr/>
+                    </a:tc>
+                    <a:tc>
+                      <a:txBody>
+                        <a:bodyPr/>
+                        <a:lstStyle/>
+                        <a:p>
+                          <a:pPr marL="0" marR="0" lvl="0" indent="0" algn="l" defTabSz="914400" rtl="0" eaLnBrk="1" fontAlgn="auto" latinLnBrk="1" hangingPunct="1">
+                            <a:lnSpc>
+                              <a:spcPct val="100000"/>
+                            </a:lnSpc>
+                            <a:spcBef>
+                              <a:spcPts val="0"/>
+                            </a:spcBef>
+                            <a:spcAft>
+                              <a:spcPts val="0"/>
+                            </a:spcAft>
+                            <a:buClrTx/>
+                            <a:buSzTx/>
+                            <a:buFontTx/>
+                            <a:buNone/>
+                            <a:tabLst/>
+                            <a:defRPr/>
+                          </a:pPr>
+                          <a14:m>
+                            <m:oMathPara xmlns:m="http://schemas.openxmlformats.org/officeDocument/2006/math">
+                              <m:oMathParaPr>
+                                <m:jc m:val="centerGroup"/>
+                              </m:oMathParaPr>
+                              <m:oMath xmlns:m="http://schemas.openxmlformats.org/officeDocument/2006/math">
+                                <m:r>
+                                  <a:rPr lang="en-US" altLang="ko-KR" sz="1800" dirty="0" smtClean="0">
+                                    <a:solidFill>
+                                      <a:schemeClr val="bg1"/>
+                                    </a:solidFill>
+                                    <a:latin typeface="Cambria Math" panose="02040503050406030204" pitchFamily="18" charset="0"/>
+                                  </a:rPr>
+                                  <m:t>𝑍</m:t>
+                                </m:r>
+                                <m:r>
+                                  <a:rPr lang="en-US" altLang="ko-KR" sz="1800" dirty="0" smtClean="0">
+                                    <a:solidFill>
+                                      <a:schemeClr val="bg1"/>
+                                    </a:solidFill>
+                                    <a:latin typeface="Cambria Math" panose="02040503050406030204" pitchFamily="18" charset="0"/>
+                                  </a:rPr>
+                                  <m:t> </m:t>
+                                </m:r>
+                                <m:r>
+                                  <a:rPr lang="en-US" altLang="ko-KR" sz="1800" dirty="0" smtClean="0">
+                                    <a:solidFill>
+                                      <a:schemeClr val="bg1"/>
+                                    </a:solidFill>
+                                    <a:latin typeface="Cambria Math" panose="02040503050406030204" pitchFamily="18" charset="0"/>
+                                  </a:rPr>
+                                  <m:t>𝐷𝑖𝑚</m:t>
+                                </m:r>
+                                <m:r>
+                                  <a:rPr lang="en-US" altLang="ko-KR" sz="1800" dirty="0" smtClean="0">
+                                    <a:solidFill>
+                                      <a:schemeClr val="bg1"/>
+                                    </a:solidFill>
+                                    <a:latin typeface="Cambria Math" panose="02040503050406030204" pitchFamily="18" charset="0"/>
+                                  </a:rPr>
+                                  <m:t>=25, </m:t>
+                                </m:r>
+                                <m:r>
+                                  <a:rPr lang="en-US" altLang="ko-KR" sz="1800" b="0" dirty="0" smtClean="0">
+                                    <a:solidFill>
+                                      <a:schemeClr val="bg1"/>
+                                    </a:solidFill>
+                                    <a:latin typeface="Cambria Math" panose="02040503050406030204" pitchFamily="18" charset="0"/>
+                                  </a:rPr>
+                                  <m:t>𝑎𝑙𝑝h𝑎</m:t>
+                                </m:r>
+                                <m:r>
+                                  <a:rPr lang="en-US" altLang="ko-KR" sz="1800" b="0" dirty="0" smtClean="0">
+                                    <a:solidFill>
+                                      <a:schemeClr val="bg1"/>
+                                    </a:solidFill>
+                                    <a:latin typeface="Cambria Math" panose="02040503050406030204" pitchFamily="18" charset="0"/>
+                                  </a:rPr>
+                                  <m:t>=0.8</m:t>
+                                </m:r>
+                              </m:oMath>
+                            </m:oMathPara>
+                          </a14:m>
+                          <a:endParaRPr lang="ko-KR" altLang="en-US" sz="1800" dirty="0">
+                            <a:solidFill>
+                              <a:schemeClr val="bg1"/>
+                            </a:solidFill>
+                          </a:endParaRPr>
+                        </a:p>
+                      </a:txBody>
+                      <a:tcPr/>
+                    </a:tc>
+                    <a:tc>
+                      <a:txBody>
+                        <a:bodyPr/>
+                        <a:lstStyle/>
+                        <a:p>
+                          <a:pPr marL="0" marR="0" lvl="0" indent="0" algn="l" defTabSz="914400" rtl="0" eaLnBrk="1" fontAlgn="auto" latinLnBrk="1" hangingPunct="1">
+                            <a:lnSpc>
+                              <a:spcPct val="100000"/>
+                            </a:lnSpc>
+                            <a:spcBef>
+                              <a:spcPts val="0"/>
+                            </a:spcBef>
+                            <a:spcAft>
+                              <a:spcPts val="0"/>
+                            </a:spcAft>
+                            <a:buClrTx/>
+                            <a:buSzTx/>
+                            <a:buFontTx/>
+                            <a:buNone/>
+                            <a:tabLst/>
+                            <a:defRPr/>
+                          </a:pPr>
+                          <a14:m>
+                            <m:oMathPara xmlns:m="http://schemas.openxmlformats.org/officeDocument/2006/math">
+                              <m:oMathParaPr>
+                                <m:jc m:val="centerGroup"/>
+                              </m:oMathParaPr>
+                              <m:oMath xmlns:m="http://schemas.openxmlformats.org/officeDocument/2006/math">
+                                <m:r>
+                                  <a:rPr lang="en-US" altLang="ko-KR" sz="1800" dirty="0" smtClean="0">
+                                    <a:solidFill>
+                                      <a:schemeClr val="bg1"/>
+                                    </a:solidFill>
+                                    <a:latin typeface="Cambria Math" panose="02040503050406030204" pitchFamily="18" charset="0"/>
+                                  </a:rPr>
+                                  <m:t>𝑍</m:t>
+                                </m:r>
+                                <m:r>
+                                  <a:rPr lang="en-US" altLang="ko-KR" sz="1800" dirty="0" smtClean="0">
+                                    <a:solidFill>
+                                      <a:schemeClr val="bg1"/>
+                                    </a:solidFill>
+                                    <a:latin typeface="Cambria Math" panose="02040503050406030204" pitchFamily="18" charset="0"/>
+                                  </a:rPr>
+                                  <m:t> </m:t>
+                                </m:r>
+                                <m:r>
+                                  <a:rPr lang="en-US" altLang="ko-KR" sz="1800" dirty="0" smtClean="0">
+                                    <a:solidFill>
+                                      <a:schemeClr val="bg1"/>
+                                    </a:solidFill>
+                                    <a:latin typeface="Cambria Math" panose="02040503050406030204" pitchFamily="18" charset="0"/>
+                                  </a:rPr>
+                                  <m:t>𝐷𝑖𝑚</m:t>
+                                </m:r>
+                                <m:r>
+                                  <a:rPr lang="en-US" altLang="ko-KR" sz="1800" dirty="0" smtClean="0">
+                                    <a:solidFill>
+                                      <a:schemeClr val="bg1"/>
+                                    </a:solidFill>
+                                    <a:latin typeface="Cambria Math" panose="02040503050406030204" pitchFamily="18" charset="0"/>
+                                  </a:rPr>
+                                  <m:t>=25, </m:t>
+                                </m:r>
+                                <m:r>
+                                  <a:rPr lang="en-US" altLang="ko-KR" sz="1800" b="0" dirty="0" smtClean="0">
+                                    <a:solidFill>
+                                      <a:schemeClr val="bg1"/>
+                                    </a:solidFill>
+                                    <a:latin typeface="Cambria Math" panose="02040503050406030204" pitchFamily="18" charset="0"/>
+                                  </a:rPr>
+                                  <m:t>𝑎𝑙𝑝h𝑎</m:t>
+                                </m:r>
+                                <m:r>
+                                  <a:rPr lang="en-US" altLang="ko-KR" sz="1800" b="0" dirty="0" smtClean="0">
+                                    <a:solidFill>
+                                      <a:schemeClr val="bg1"/>
+                                    </a:solidFill>
+                                    <a:latin typeface="Cambria Math" panose="02040503050406030204" pitchFamily="18" charset="0"/>
+                                  </a:rPr>
+                                  <m:t>=0.2</m:t>
+                                </m:r>
+                              </m:oMath>
+                            </m:oMathPara>
+                          </a14:m>
+                          <a:endParaRPr lang="ko-KR" altLang="en-US" sz="1800" dirty="0">
+                            <a:solidFill>
+                              <a:schemeClr val="bg1"/>
+                            </a:solidFill>
+                          </a:endParaRPr>
+                        </a:p>
+                      </a:txBody>
+                      <a:tcPr/>
+                    </a:tc>
+                    <a:extLst>
+                      <a:ext uri="{0D108BD9-81ED-4DB2-BD59-A6C34878D82A}">
+                        <a16:rowId xmlns:a16="http://schemas.microsoft.com/office/drawing/2014/main" val="4104339816"/>
+                      </a:ext>
+                    </a:extLst>
+                  </a:tr>
+                </a:tbl>
+              </a:graphicData>
+            </a:graphic>
+          </p:graphicFrame>
+        </mc:Choice>
+        <mc:Fallback xmlns="">
+          <p:graphicFrame>
+            <p:nvGraphicFramePr>
+              <p:cNvPr id="18" name="표 6">
+                <a:extLst>
+                  <a:ext uri="{FF2B5EF4-FFF2-40B4-BE49-F238E27FC236}">
+                    <a16:creationId xmlns:a16="http://schemas.microsoft.com/office/drawing/2014/main" id="{FA5F66F1-3531-49BD-92A2-9DEE6656497B}"/>
+                  </a:ext>
+                </a:extLst>
+              </p:cNvPr>
+              <p:cNvGraphicFramePr>
+                <a:graphicFrameLocks noGrp="1"/>
+              </p:cNvGraphicFramePr>
+              <p:nvPr>
+                <p:extLst>
+                  <p:ext uri="{D42A27DB-BD31-4B8C-83A1-F6EECF244321}">
+                    <p14:modId xmlns:p14="http://schemas.microsoft.com/office/powerpoint/2010/main" val="557071595"/>
+                  </p:ext>
+                </p:extLst>
+              </p:nvPr>
+            </p:nvGraphicFramePr>
+            <p:xfrm>
+              <a:off x="0" y="1729402"/>
+              <a:ext cx="12192000" cy="370840"/>
+            </p:xfrm>
+            <a:graphic>
+              <a:graphicData uri="http://schemas.openxmlformats.org/drawingml/2006/table">
+                <a:tbl>
+                  <a:tblPr firstRow="1" bandRow="1">
+                    <a:tableStyleId>{073A0DAA-6AF3-43AB-8588-CEC1D06C72B9}</a:tableStyleId>
+                  </a:tblPr>
+                  <a:tblGrid>
+                    <a:gridCol w="4064000">
+                      <a:extLst>
+                        <a:ext uri="{9D8B030D-6E8A-4147-A177-3AD203B41FA5}">
+                          <a16:colId xmlns:a16="http://schemas.microsoft.com/office/drawing/2014/main" val="1380535094"/>
+                        </a:ext>
+                      </a:extLst>
+                    </a:gridCol>
+                    <a:gridCol w="4064000">
+                      <a:extLst>
+                        <a:ext uri="{9D8B030D-6E8A-4147-A177-3AD203B41FA5}">
+                          <a16:colId xmlns:a16="http://schemas.microsoft.com/office/drawing/2014/main" val="3898479080"/>
+                        </a:ext>
+                      </a:extLst>
+                    </a:gridCol>
+                    <a:gridCol w="4064000">
+                      <a:extLst>
+                        <a:ext uri="{9D8B030D-6E8A-4147-A177-3AD203B41FA5}">
+                          <a16:colId xmlns:a16="http://schemas.microsoft.com/office/drawing/2014/main" val="3557242153"/>
+                        </a:ext>
+                      </a:extLst>
+                    </a:gridCol>
+                  </a:tblGrid>
+                  <a:tr h="370840">
+                    <a:tc>
+                      <a:txBody>
+                        <a:bodyPr/>
+                        <a:lstStyle/>
+                        <a:p>
+                          <a:endParaRPr lang="ko-KR"/>
+                        </a:p>
+                      </a:txBody>
+                      <a:tcPr>
+                        <a:blipFill>
+                          <a:blip r:embed="rId5"/>
+                          <a:stretch>
+                            <a:fillRect l="-300" t="-1613" r="-200600" b="-14516"/>
+                          </a:stretch>
+                        </a:blipFill>
+                      </a:tcPr>
+                    </a:tc>
+                    <a:tc>
+                      <a:txBody>
+                        <a:bodyPr/>
+                        <a:lstStyle/>
+                        <a:p>
+                          <a:endParaRPr lang="ko-KR"/>
+                        </a:p>
+                      </a:txBody>
+                      <a:tcPr>
+                        <a:blipFill>
+                          <a:blip r:embed="rId5"/>
+                          <a:stretch>
+                            <a:fillRect l="-100450" t="-1613" r="-100901" b="-14516"/>
+                          </a:stretch>
+                        </a:blipFill>
+                      </a:tcPr>
+                    </a:tc>
+                    <a:tc>
+                      <a:txBody>
+                        <a:bodyPr/>
+                        <a:lstStyle/>
+                        <a:p>
+                          <a:endParaRPr lang="ko-KR"/>
+                        </a:p>
+                      </a:txBody>
+                      <a:tcPr>
+                        <a:blipFill>
+                          <a:blip r:embed="rId5"/>
+                          <a:stretch>
+                            <a:fillRect l="-200150" t="-1613" r="-750" b="-14516"/>
+                          </a:stretch>
+                        </a:blipFill>
+                      </a:tcPr>
+                    </a:tc>
+                    <a:extLst>
+                      <a:ext uri="{0D108BD9-81ED-4DB2-BD59-A6C34878D82A}">
+                        <a16:rowId xmlns:a16="http://schemas.microsoft.com/office/drawing/2014/main" val="4104339816"/>
+                      </a:ext>
+                    </a:extLst>
+                  </a:tr>
+                </a:tbl>
+              </a:graphicData>
+            </a:graphic>
+          </p:graphicFrame>
+        </mc:Fallback>
+      </mc:AlternateContent>
+      <mc:AlternateContent xmlns:mc="http://schemas.openxmlformats.org/markup-compatibility/2006" xmlns:a14="http://schemas.microsoft.com/office/drawing/2010/main">
+        <mc:Choice Requires="a14">
+          <p:sp>
+            <p:nvSpPr>
+              <p:cNvPr id="19" name="제목 8">
+                <a:extLst>
+                  <a:ext uri="{FF2B5EF4-FFF2-40B4-BE49-F238E27FC236}">
+                    <a16:creationId xmlns:a16="http://schemas.microsoft.com/office/drawing/2014/main" id="{A2DC3A14-FC7E-42A4-B32F-41DA665C5B95}"/>
+                  </a:ext>
+                </a:extLst>
+              </p:cNvPr>
+              <p:cNvSpPr>
+                <a:spLocks noGrp="1"/>
+              </p:cNvSpPr>
+              <p:nvPr>
+                <p:ph type="title"/>
+              </p:nvPr>
+            </p:nvSpPr>
+            <p:spPr>
+              <a:xfrm>
+                <a:off x="428625" y="520885"/>
+                <a:ext cx="10515600" cy="1325563"/>
+              </a:xfrm>
+            </p:spPr>
+            <p:txBody>
+              <a:bodyPr>
+                <a:normAutofit fontScale="90000"/>
+              </a:bodyPr>
+              <a:lstStyle/>
+              <a:p>
+                <a14:m>
+                  <m:oMath xmlns:m="http://schemas.openxmlformats.org/officeDocument/2006/math">
+                    <m:r>
+                      <a:rPr lang="en-US" altLang="ko-KR" sz="4400" b="1" i="1" dirty="0" smtClean="0">
+                        <a:solidFill>
+                          <a:schemeClr val="tx1"/>
+                        </a:solidFill>
+                        <a:latin typeface="Cambria Math" panose="02040503050406030204" pitchFamily="18" charset="0"/>
+                      </a:rPr>
+                      <m:t>𝑬𝒙𝒑𝒆𝒓𝒊𝒎𝒆𝒏𝒕</m:t>
+                    </m:r>
+                    <m:r>
+                      <a:rPr lang="en-US" altLang="ko-KR" sz="4400" b="1" i="1" dirty="0" smtClean="0">
+                        <a:solidFill>
+                          <a:schemeClr val="tx1"/>
+                        </a:solidFill>
+                        <a:latin typeface="Cambria Math" panose="02040503050406030204" pitchFamily="18" charset="0"/>
+                      </a:rPr>
+                      <m:t> </m:t>
+                    </m:r>
+                    <m:r>
+                      <a:rPr lang="en-US" altLang="ko-KR" sz="4400" b="1" i="1" dirty="0" smtClean="0">
+                        <a:solidFill>
+                          <a:schemeClr val="tx1"/>
+                        </a:solidFill>
+                        <a:latin typeface="Cambria Math" panose="02040503050406030204" pitchFamily="18" charset="0"/>
+                      </a:rPr>
+                      <m:t>𝟏</m:t>
+                    </m:r>
+                  </m:oMath>
+                </a14:m>
+                <a:r>
+                  <a:rPr lang="en-US" altLang="ko-KR" b="1" i="1" dirty="0">
+                    <a:latin typeface="Cambria Math" panose="02040503050406030204" pitchFamily="18" charset="0"/>
+                  </a:rPr>
+                  <a:t> - Zdim</a:t>
+                </a:r>
+                <a:br>
+                  <a:rPr lang="en-US" altLang="ko-KR" sz="4400" i="1" dirty="0">
+                    <a:solidFill>
+                      <a:schemeClr val="tx1"/>
+                    </a:solidFill>
+                    <a:latin typeface="Cambria Math" panose="02040503050406030204" pitchFamily="18" charset="0"/>
+                  </a:rPr>
+                </a:br>
+                <a14:m>
+                  <m:oMath xmlns:m="http://schemas.openxmlformats.org/officeDocument/2006/math">
+                    <m:r>
+                      <a:rPr lang="en-US" altLang="ko-KR" sz="4400" b="0" i="1" smtClean="0">
+                        <a:solidFill>
+                          <a:schemeClr val="tx1"/>
+                        </a:solidFill>
+                        <a:latin typeface="Cambria Math" panose="02040503050406030204" pitchFamily="18" charset="0"/>
+                      </a:rPr>
+                      <m:t>𝐴𝐵𝐸𝑋</m:t>
+                    </m:r>
+                    <m:r>
+                      <a:rPr lang="en-US" altLang="ko-KR" sz="4400" b="0" i="1" smtClean="0">
+                        <a:solidFill>
+                          <a:schemeClr val="tx1"/>
+                        </a:solidFill>
+                        <a:latin typeface="Cambria Math" panose="02040503050406030204" pitchFamily="18" charset="0"/>
+                      </a:rPr>
+                      <m:t>1 −1 </m:t>
+                    </m:r>
+                    <m:r>
+                      <a:rPr lang="en-US" altLang="ko-KR" sz="4400" b="0" i="1" smtClean="0">
+                        <a:solidFill>
+                          <a:schemeClr val="tx1"/>
+                        </a:solidFill>
+                        <a:latin typeface="Cambria Math" panose="02040503050406030204" pitchFamily="18" charset="0"/>
+                      </a:rPr>
+                      <m:t>𝑒𝑝𝑜𝑐h</m:t>
+                    </m:r>
+                    <m:r>
+                      <a:rPr lang="en-US" altLang="ko-KR" sz="4400" b="0" i="1" smtClean="0">
+                        <a:solidFill>
+                          <a:schemeClr val="tx1"/>
+                        </a:solidFill>
+                        <a:latin typeface="Cambria Math" panose="02040503050406030204" pitchFamily="18" charset="0"/>
+                      </a:rPr>
+                      <m:t> </m:t>
+                    </m:r>
+                  </m:oMath>
+                </a14:m>
+                <a:r>
+                  <a:rPr lang="ko-KR" altLang="en-US" sz="4400" dirty="0">
+                    <a:solidFill>
+                      <a:schemeClr val="tx1"/>
+                    </a:solidFill>
+                  </a:rPr>
+                  <a:t> </a:t>
+                </a:r>
+                <a:br>
+                  <a:rPr lang="ko-KR" altLang="en-US" sz="4400" dirty="0">
+                    <a:solidFill>
+                      <a:schemeClr val="tx1"/>
+                    </a:solidFill>
+                  </a:rPr>
+                </a:br>
+                <a:endParaRPr lang="ko-KR" altLang="en-US" dirty="0"/>
+              </a:p>
+            </p:txBody>
+          </p:sp>
+        </mc:Choice>
+        <mc:Fallback xmlns="">
+          <p:sp>
+            <p:nvSpPr>
+              <p:cNvPr id="19" name="제목 8">
+                <a:extLst>
+                  <a:ext uri="{FF2B5EF4-FFF2-40B4-BE49-F238E27FC236}">
+                    <a16:creationId xmlns:a16="http://schemas.microsoft.com/office/drawing/2014/main" id="{A2DC3A14-FC7E-42A4-B32F-41DA665C5B95}"/>
+                  </a:ext>
+                </a:extLst>
+              </p:cNvPr>
+              <p:cNvSpPr>
+                <a:spLocks noGrp="1" noRot="1" noChangeAspect="1" noMove="1" noResize="1" noEditPoints="1" noAdjustHandles="1" noChangeArrowheads="1" noChangeShapeType="1" noTextEdit="1"/>
+              </p:cNvSpPr>
+              <p:nvPr>
+                <p:ph type="title"/>
+              </p:nvPr>
+            </p:nvSpPr>
+            <p:spPr>
+              <a:xfrm>
+                <a:off x="428625" y="520885"/>
+                <a:ext cx="10515600" cy="1325563"/>
+              </a:xfrm>
+              <a:blipFill>
+                <a:blip r:embed="rId6"/>
+                <a:stretch>
+                  <a:fillRect t="-27982"/>
+                </a:stretch>
+              </a:blipFill>
+            </p:spPr>
+            <p:txBody>
+              <a:bodyPr/>
+              <a:lstStyle/>
+              <a:p>
+                <a:r>
+                  <a:rPr lang="ko-KR" altLang="en-US">
+                    <a:noFill/>
+                  </a:rPr>
+                  <a:t> </a:t>
+                </a:r>
+              </a:p>
+            </p:txBody>
+          </p:sp>
+        </mc:Fallback>
+      </mc:AlternateContent>
     </p:spTree>
     <p:extLst>
       <p:ext uri="{BB962C8B-B14F-4D97-AF65-F5344CB8AC3E}">
-        <p14:creationId xmlns:p14="http://schemas.microsoft.com/office/powerpoint/2010/main" val="3444596125"/>
+        <p14:creationId xmlns:p14="http://schemas.microsoft.com/office/powerpoint/2010/main" val="2640808573"/>
       </p:ext>
     </p:extLst>
   </p:cSld>
@@ -7892,6 +9015,4887 @@
     <p:extLst>
       <p:ext uri="{BB962C8B-B14F-4D97-AF65-F5344CB8AC3E}">
         <p14:creationId xmlns:p14="http://schemas.microsoft.com/office/powerpoint/2010/main" val="178773540"/>
+      </p:ext>
+    </p:extLst>
+  </p:cSld>
+  <p:clrMapOvr>
+    <a:masterClrMapping/>
+  </p:clrMapOvr>
+</p:sld>
+</file>
+
+<file path=ppt/slides/slide20.xml><?xml version="1.0" encoding="utf-8"?>
+<p:sld xmlns:a="http://schemas.openxmlformats.org/drawingml/2006/main" xmlns:r="http://schemas.openxmlformats.org/officeDocument/2006/relationships" xmlns:p="http://schemas.openxmlformats.org/presentationml/2006/main">
+  <p:cSld>
+    <p:spTree>
+      <p:nvGrpSpPr>
+        <p:cNvPr id="1" name=""/>
+        <p:cNvGrpSpPr/>
+        <p:nvPr/>
+      </p:nvGrpSpPr>
+      <p:grpSpPr>
+        <a:xfrm>
+          <a:off x="0" y="0"/>
+          <a:ext cx="0" cy="0"/>
+          <a:chOff x="0" y="0"/>
+          <a:chExt cx="0" cy="0"/>
+        </a:xfrm>
+      </p:grpSpPr>
+      <p:pic>
+        <p:nvPicPr>
+          <p:cNvPr id="3" name="그림 2">
+            <a:extLst>
+              <a:ext uri="{FF2B5EF4-FFF2-40B4-BE49-F238E27FC236}">
+                <a16:creationId xmlns:a16="http://schemas.microsoft.com/office/drawing/2014/main" id="{41288D7E-8802-4597-9F1A-E710A7961A3A}"/>
+              </a:ext>
+            </a:extLst>
+          </p:cNvPr>
+          <p:cNvPicPr>
+            <a:picLocks/>
+          </p:cNvPicPr>
+          <p:nvPr/>
+        </p:nvPicPr>
+        <p:blipFill>
+          <a:blip r:embed="rId2"/>
+          <a:stretch>
+            <a:fillRect/>
+          </a:stretch>
+        </p:blipFill>
+        <p:spPr>
+          <a:xfrm>
+            <a:off x="133350" y="2573810"/>
+            <a:ext cx="5760000" cy="3600000"/>
+          </a:xfrm>
+          <a:prstGeom prst="rect">
+            <a:avLst/>
+          </a:prstGeom>
+          <a:solidFill>
+            <a:srgbClr val="FFFFFF">
+              <a:shade val="85000"/>
+            </a:srgbClr>
+          </a:solidFill>
+          <a:ln w="88900" cap="sq">
+            <a:solidFill>
+              <a:srgbClr val="FFFFFF"/>
+            </a:solidFill>
+            <a:miter lim="800000"/>
+          </a:ln>
+          <a:effectLst>
+            <a:outerShdw blurRad="55000" dist="18000" dir="5400000" algn="tl" rotWithShape="0">
+              <a:srgbClr val="000000">
+                <a:alpha val="40000"/>
+              </a:srgbClr>
+            </a:outerShdw>
+          </a:effectLst>
+          <a:scene3d>
+            <a:camera prst="orthographicFront"/>
+            <a:lightRig rig="twoPt" dir="t">
+              <a:rot lat="0" lon="0" rev="7200000"/>
+            </a:lightRig>
+          </a:scene3d>
+          <a:sp3d>
+            <a:bevelT w="25400" h="19050"/>
+            <a:contourClr>
+              <a:srgbClr val="FFFFFF"/>
+            </a:contourClr>
+          </a:sp3d>
+        </p:spPr>
+      </p:pic>
+      <mc:AlternateContent xmlns:mc="http://schemas.openxmlformats.org/markup-compatibility/2006" xmlns:a14="http://schemas.microsoft.com/office/drawing/2010/main">
+        <mc:Choice Requires="a14">
+          <p:sp>
+            <p:nvSpPr>
+              <p:cNvPr id="15" name="제목 8">
+                <a:extLst>
+                  <a:ext uri="{FF2B5EF4-FFF2-40B4-BE49-F238E27FC236}">
+                    <a16:creationId xmlns:a16="http://schemas.microsoft.com/office/drawing/2014/main" id="{B9B67E39-F16C-4BF8-A239-952FC6F80A22}"/>
+                  </a:ext>
+                </a:extLst>
+              </p:cNvPr>
+              <p:cNvSpPr>
+                <a:spLocks noGrp="1"/>
+              </p:cNvSpPr>
+              <p:nvPr>
+                <p:ph type="title"/>
+              </p:nvPr>
+            </p:nvSpPr>
+            <p:spPr>
+              <a:xfrm>
+                <a:off x="428625" y="520885"/>
+                <a:ext cx="10515600" cy="1325563"/>
+              </a:xfrm>
+            </p:spPr>
+            <p:txBody>
+              <a:bodyPr>
+                <a:normAutofit fontScale="90000"/>
+              </a:bodyPr>
+              <a:lstStyle/>
+              <a:p>
+                <a14:m>
+                  <m:oMath xmlns:m="http://schemas.openxmlformats.org/officeDocument/2006/math">
+                    <m:r>
+                      <a:rPr lang="en-US" altLang="ko-KR" sz="4400" b="1" i="1" dirty="0" smtClean="0">
+                        <a:solidFill>
+                          <a:schemeClr val="tx1"/>
+                        </a:solidFill>
+                        <a:latin typeface="Cambria Math" panose="02040503050406030204" pitchFamily="18" charset="0"/>
+                      </a:rPr>
+                      <m:t>𝑬𝒙𝒑𝒆𝒓𝒊𝒎𝒆𝒏𝒕</m:t>
+                    </m:r>
+                    <m:r>
+                      <a:rPr lang="en-US" altLang="ko-KR" sz="4400" b="1" i="1" dirty="0" smtClean="0">
+                        <a:solidFill>
+                          <a:schemeClr val="tx1"/>
+                        </a:solidFill>
+                        <a:latin typeface="Cambria Math" panose="02040503050406030204" pitchFamily="18" charset="0"/>
+                      </a:rPr>
+                      <m:t> </m:t>
+                    </m:r>
+                    <m:r>
+                      <a:rPr lang="en-US" altLang="ko-KR" sz="4400" b="1" i="1" dirty="0" smtClean="0">
+                        <a:solidFill>
+                          <a:schemeClr val="tx1"/>
+                        </a:solidFill>
+                        <a:latin typeface="Cambria Math" panose="02040503050406030204" pitchFamily="18" charset="0"/>
+                      </a:rPr>
+                      <m:t>𝟏</m:t>
+                    </m:r>
+                  </m:oMath>
+                </a14:m>
+                <a:r>
+                  <a:rPr lang="en-US" altLang="ko-KR" b="1" i="1" dirty="0">
+                    <a:latin typeface="Cambria Math" panose="02040503050406030204" pitchFamily="18" charset="0"/>
+                  </a:rPr>
+                  <a:t> - Zdim</a:t>
+                </a:r>
+                <a:br>
+                  <a:rPr lang="en-US" altLang="ko-KR" sz="4400" i="1" dirty="0">
+                    <a:solidFill>
+                      <a:schemeClr val="tx1"/>
+                    </a:solidFill>
+                    <a:latin typeface="Cambria Math" panose="02040503050406030204" pitchFamily="18" charset="0"/>
+                  </a:rPr>
+                </a:br>
+                <a14:m>
+                  <m:oMath xmlns:m="http://schemas.openxmlformats.org/officeDocument/2006/math">
+                    <m:r>
+                      <a:rPr lang="en-US" altLang="ko-KR" sz="4400" b="0" i="1" smtClean="0">
+                        <a:solidFill>
+                          <a:schemeClr val="tx1"/>
+                        </a:solidFill>
+                        <a:latin typeface="Cambria Math" panose="02040503050406030204" pitchFamily="18" charset="0"/>
+                      </a:rPr>
+                      <m:t>𝐴𝐵𝐸𝑋</m:t>
+                    </m:r>
+                    <m:r>
+                      <a:rPr lang="en-US" altLang="ko-KR" sz="4400" b="0" i="1" smtClean="0">
+                        <a:solidFill>
+                          <a:schemeClr val="tx1"/>
+                        </a:solidFill>
+                        <a:latin typeface="Cambria Math" panose="02040503050406030204" pitchFamily="18" charset="0"/>
+                      </a:rPr>
+                      <m:t>1 −1 </m:t>
+                    </m:r>
+                    <m:r>
+                      <a:rPr lang="en-US" altLang="ko-KR" sz="4400" b="0" i="1" smtClean="0">
+                        <a:solidFill>
+                          <a:schemeClr val="tx1"/>
+                        </a:solidFill>
+                        <a:latin typeface="Cambria Math" panose="02040503050406030204" pitchFamily="18" charset="0"/>
+                      </a:rPr>
+                      <m:t>𝑒𝑝𝑜𝑐h</m:t>
+                    </m:r>
+                    <m:r>
+                      <a:rPr lang="en-US" altLang="ko-KR" sz="4400" b="0" i="1" smtClean="0">
+                        <a:solidFill>
+                          <a:schemeClr val="tx1"/>
+                        </a:solidFill>
+                        <a:latin typeface="Cambria Math" panose="02040503050406030204" pitchFamily="18" charset="0"/>
+                      </a:rPr>
+                      <m:t> </m:t>
+                    </m:r>
+                  </m:oMath>
+                </a14:m>
+                <a:r>
+                  <a:rPr lang="ko-KR" altLang="en-US" sz="4400" dirty="0">
+                    <a:solidFill>
+                      <a:schemeClr val="tx1"/>
+                    </a:solidFill>
+                  </a:rPr>
+                  <a:t> </a:t>
+                </a:r>
+                <a:br>
+                  <a:rPr lang="ko-KR" altLang="en-US" sz="4400" dirty="0">
+                    <a:solidFill>
+                      <a:schemeClr val="tx1"/>
+                    </a:solidFill>
+                  </a:rPr>
+                </a:br>
+                <a:endParaRPr lang="ko-KR" altLang="en-US" dirty="0"/>
+              </a:p>
+            </p:txBody>
+          </p:sp>
+        </mc:Choice>
+        <mc:Fallback xmlns="">
+          <p:sp>
+            <p:nvSpPr>
+              <p:cNvPr id="15" name="제목 8">
+                <a:extLst>
+                  <a:ext uri="{FF2B5EF4-FFF2-40B4-BE49-F238E27FC236}">
+                    <a16:creationId xmlns:a16="http://schemas.microsoft.com/office/drawing/2014/main" id="{B9B67E39-F16C-4BF8-A239-952FC6F80A22}"/>
+                  </a:ext>
+                </a:extLst>
+              </p:cNvPr>
+              <p:cNvSpPr>
+                <a:spLocks noGrp="1" noRot="1" noChangeAspect="1" noMove="1" noResize="1" noEditPoints="1" noAdjustHandles="1" noChangeArrowheads="1" noChangeShapeType="1" noTextEdit="1"/>
+              </p:cNvSpPr>
+              <p:nvPr>
+                <p:ph type="title"/>
+              </p:nvPr>
+            </p:nvSpPr>
+            <p:spPr>
+              <a:xfrm>
+                <a:off x="428625" y="520885"/>
+                <a:ext cx="10515600" cy="1325563"/>
+              </a:xfrm>
+              <a:blipFill>
+                <a:blip r:embed="rId3"/>
+                <a:stretch>
+                  <a:fillRect t="-27982"/>
+                </a:stretch>
+              </a:blipFill>
+            </p:spPr>
+            <p:txBody>
+              <a:bodyPr/>
+              <a:lstStyle/>
+              <a:p>
+                <a:r>
+                  <a:rPr lang="ko-KR" altLang="en-US">
+                    <a:noFill/>
+                  </a:rPr>
+                  <a:t> </a:t>
+                </a:r>
+              </a:p>
+            </p:txBody>
+          </p:sp>
+        </mc:Fallback>
+      </mc:AlternateContent>
+      <mc:AlternateContent xmlns:mc="http://schemas.openxmlformats.org/markup-compatibility/2006" xmlns:a14="http://schemas.microsoft.com/office/drawing/2010/main">
+        <mc:Choice Requires="a14">
+          <p:graphicFrame>
+            <p:nvGraphicFramePr>
+              <p:cNvPr id="16" name="표 6">
+                <a:extLst>
+                  <a:ext uri="{FF2B5EF4-FFF2-40B4-BE49-F238E27FC236}">
+                    <a16:creationId xmlns:a16="http://schemas.microsoft.com/office/drawing/2014/main" id="{9D80DBD8-B715-4CCA-A2C5-52BFA6CF1338}"/>
+                  </a:ext>
+                </a:extLst>
+              </p:cNvPr>
+              <p:cNvGraphicFramePr>
+                <a:graphicFrameLocks noGrp="1"/>
+              </p:cNvGraphicFramePr>
+              <p:nvPr>
+                <p:extLst>
+                  <p:ext uri="{D42A27DB-BD31-4B8C-83A1-F6EECF244321}">
+                    <p14:modId xmlns:p14="http://schemas.microsoft.com/office/powerpoint/2010/main" val="4060903975"/>
+                  </p:ext>
+                </p:extLst>
+              </p:nvPr>
+            </p:nvGraphicFramePr>
+            <p:xfrm>
+              <a:off x="0" y="1866676"/>
+              <a:ext cx="12192000" cy="370840"/>
+            </p:xfrm>
+            <a:graphic>
+              <a:graphicData uri="http://schemas.openxmlformats.org/drawingml/2006/table">
+                <a:tbl>
+                  <a:tblPr firstRow="1" bandRow="1">
+                    <a:tableStyleId>{073A0DAA-6AF3-43AB-8588-CEC1D06C72B9}</a:tableStyleId>
+                  </a:tblPr>
+                  <a:tblGrid>
+                    <a:gridCol w="6096000">
+                      <a:extLst>
+                        <a:ext uri="{9D8B030D-6E8A-4147-A177-3AD203B41FA5}">
+                          <a16:colId xmlns:a16="http://schemas.microsoft.com/office/drawing/2014/main" val="1380535094"/>
+                        </a:ext>
+                      </a:extLst>
+                    </a:gridCol>
+                    <a:gridCol w="6096000">
+                      <a:extLst>
+                        <a:ext uri="{9D8B030D-6E8A-4147-A177-3AD203B41FA5}">
+                          <a16:colId xmlns:a16="http://schemas.microsoft.com/office/drawing/2014/main" val="3898479080"/>
+                        </a:ext>
+                      </a:extLst>
+                    </a:gridCol>
+                  </a:tblGrid>
+                  <a:tr h="370840">
+                    <a:tc>
+                      <a:txBody>
+                        <a:bodyPr/>
+                        <a:lstStyle/>
+                        <a:p>
+                          <a:pPr marL="0" marR="0" lvl="0" indent="0" algn="l" defTabSz="914400" rtl="0" eaLnBrk="1" fontAlgn="auto" latinLnBrk="1" hangingPunct="1">
+                            <a:lnSpc>
+                              <a:spcPct val="100000"/>
+                            </a:lnSpc>
+                            <a:spcBef>
+                              <a:spcPts val="0"/>
+                            </a:spcBef>
+                            <a:spcAft>
+                              <a:spcPts val="0"/>
+                            </a:spcAft>
+                            <a:buClrTx/>
+                            <a:buSzTx/>
+                            <a:buFontTx/>
+                            <a:buNone/>
+                            <a:tabLst/>
+                            <a:defRPr/>
+                          </a:pPr>
+                          <a14:m>
+                            <m:oMathPara xmlns:m="http://schemas.openxmlformats.org/officeDocument/2006/math">
+                              <m:oMathParaPr>
+                                <m:jc m:val="centerGroup"/>
+                              </m:oMathParaPr>
+                              <m:oMath xmlns:m="http://schemas.openxmlformats.org/officeDocument/2006/math">
+                                <m:r>
+                                  <a:rPr lang="en-US" altLang="ko-KR" sz="1800" dirty="0" smtClean="0">
+                                    <a:solidFill>
+                                      <a:schemeClr val="bg1"/>
+                                    </a:solidFill>
+                                    <a:latin typeface="Cambria Math" panose="02040503050406030204" pitchFamily="18" charset="0"/>
+                                  </a:rPr>
+                                  <m:t>𝑍</m:t>
+                                </m:r>
+                                <m:r>
+                                  <a:rPr lang="en-US" altLang="ko-KR" sz="1800" dirty="0" smtClean="0">
+                                    <a:solidFill>
+                                      <a:schemeClr val="bg1"/>
+                                    </a:solidFill>
+                                    <a:latin typeface="Cambria Math" panose="02040503050406030204" pitchFamily="18" charset="0"/>
+                                  </a:rPr>
+                                  <m:t> </m:t>
+                                </m:r>
+                                <m:r>
+                                  <a:rPr lang="en-US" altLang="ko-KR" sz="1800" dirty="0" smtClean="0">
+                                    <a:solidFill>
+                                      <a:schemeClr val="bg1"/>
+                                    </a:solidFill>
+                                    <a:latin typeface="Cambria Math" panose="02040503050406030204" pitchFamily="18" charset="0"/>
+                                  </a:rPr>
+                                  <m:t>𝐷𝑖𝑚</m:t>
+                                </m:r>
+                                <m:r>
+                                  <a:rPr lang="en-US" altLang="ko-KR" sz="1800" dirty="0" smtClean="0">
+                                    <a:solidFill>
+                                      <a:schemeClr val="bg1"/>
+                                    </a:solidFill>
+                                    <a:latin typeface="Cambria Math" panose="02040503050406030204" pitchFamily="18" charset="0"/>
+                                  </a:rPr>
+                                  <m:t>=</m:t>
+                                </m:r>
+                                <m:r>
+                                  <a:rPr lang="en-US" altLang="ko-KR" sz="1800" b="1" i="0" dirty="0" smtClean="0">
+                                    <a:solidFill>
+                                      <a:schemeClr val="bg1"/>
+                                    </a:solidFill>
+                                    <a:latin typeface="Cambria Math" panose="02040503050406030204" pitchFamily="18" charset="0"/>
+                                  </a:rPr>
+                                  <m:t>𝟏𝟔</m:t>
+                                </m:r>
+                                <m:r>
+                                  <a:rPr lang="en-US" altLang="ko-KR" sz="1800" dirty="0" smtClean="0">
+                                    <a:solidFill>
+                                      <a:schemeClr val="bg1"/>
+                                    </a:solidFill>
+                                    <a:latin typeface="Cambria Math" panose="02040503050406030204" pitchFamily="18" charset="0"/>
+                                  </a:rPr>
+                                  <m:t>, </m:t>
+                                </m:r>
+                                <m:r>
+                                  <a:rPr lang="en-US" altLang="ko-KR" sz="1800" b="0" dirty="0" smtClean="0">
+                                    <a:solidFill>
+                                      <a:schemeClr val="bg1"/>
+                                    </a:solidFill>
+                                    <a:latin typeface="Cambria Math" panose="02040503050406030204" pitchFamily="18" charset="0"/>
+                                  </a:rPr>
+                                  <m:t>𝑎𝑙𝑝h𝑎</m:t>
+                                </m:r>
+                                <m:r>
+                                  <a:rPr lang="en-US" altLang="ko-KR" sz="1800" b="0" dirty="0" smtClean="0">
+                                    <a:solidFill>
+                                      <a:schemeClr val="bg1"/>
+                                    </a:solidFill>
+                                    <a:latin typeface="Cambria Math" panose="02040503050406030204" pitchFamily="18" charset="0"/>
+                                  </a:rPr>
+                                  <m:t>=1</m:t>
+                                </m:r>
+                              </m:oMath>
+                            </m:oMathPara>
+                          </a14:m>
+                          <a:endParaRPr lang="ko-KR" altLang="en-US" sz="1800" dirty="0">
+                            <a:solidFill>
+                              <a:schemeClr val="bg1"/>
+                            </a:solidFill>
+                          </a:endParaRPr>
+                        </a:p>
+                      </a:txBody>
+                      <a:tcPr/>
+                    </a:tc>
+                    <a:tc>
+                      <a:txBody>
+                        <a:bodyPr/>
+                        <a:lstStyle/>
+                        <a:p>
+                          <a:pPr marL="0" marR="0" lvl="0" indent="0" algn="l" defTabSz="914400" rtl="0" eaLnBrk="1" fontAlgn="auto" latinLnBrk="1" hangingPunct="1">
+                            <a:lnSpc>
+                              <a:spcPct val="100000"/>
+                            </a:lnSpc>
+                            <a:spcBef>
+                              <a:spcPts val="0"/>
+                            </a:spcBef>
+                            <a:spcAft>
+                              <a:spcPts val="0"/>
+                            </a:spcAft>
+                            <a:buClrTx/>
+                            <a:buSzTx/>
+                            <a:buFontTx/>
+                            <a:buNone/>
+                            <a:tabLst/>
+                            <a:defRPr/>
+                          </a:pPr>
+                          <a14:m>
+                            <m:oMathPara xmlns:m="http://schemas.openxmlformats.org/officeDocument/2006/math">
+                              <m:oMathParaPr>
+                                <m:jc m:val="centerGroup"/>
+                              </m:oMathParaPr>
+                              <m:oMath xmlns:m="http://schemas.openxmlformats.org/officeDocument/2006/math">
+                                <m:r>
+                                  <a:rPr lang="en-US" altLang="ko-KR" sz="1800" dirty="0" smtClean="0">
+                                    <a:solidFill>
+                                      <a:schemeClr val="bg1"/>
+                                    </a:solidFill>
+                                    <a:latin typeface="Cambria Math" panose="02040503050406030204" pitchFamily="18" charset="0"/>
+                                  </a:rPr>
+                                  <m:t>𝑍</m:t>
+                                </m:r>
+                                <m:r>
+                                  <a:rPr lang="en-US" altLang="ko-KR" sz="1800" dirty="0" smtClean="0">
+                                    <a:solidFill>
+                                      <a:schemeClr val="bg1"/>
+                                    </a:solidFill>
+                                    <a:latin typeface="Cambria Math" panose="02040503050406030204" pitchFamily="18" charset="0"/>
+                                  </a:rPr>
+                                  <m:t> </m:t>
+                                </m:r>
+                                <m:r>
+                                  <a:rPr lang="en-US" altLang="ko-KR" sz="1800" dirty="0" smtClean="0">
+                                    <a:solidFill>
+                                      <a:schemeClr val="bg1"/>
+                                    </a:solidFill>
+                                    <a:latin typeface="Cambria Math" panose="02040503050406030204" pitchFamily="18" charset="0"/>
+                                  </a:rPr>
+                                  <m:t>𝐷𝑖𝑚</m:t>
+                                </m:r>
+                                <m:r>
+                                  <a:rPr lang="en-US" altLang="ko-KR" sz="1800" dirty="0" smtClean="0">
+                                    <a:solidFill>
+                                      <a:schemeClr val="bg1"/>
+                                    </a:solidFill>
+                                    <a:latin typeface="Cambria Math" panose="02040503050406030204" pitchFamily="18" charset="0"/>
+                                  </a:rPr>
+                                  <m:t>=25, </m:t>
+                                </m:r>
+                                <m:r>
+                                  <a:rPr lang="en-US" altLang="ko-KR" sz="1800" b="0" dirty="0" smtClean="0">
+                                    <a:solidFill>
+                                      <a:schemeClr val="bg1"/>
+                                    </a:solidFill>
+                                    <a:latin typeface="Cambria Math" panose="02040503050406030204" pitchFamily="18" charset="0"/>
+                                  </a:rPr>
+                                  <m:t>𝑎𝑙𝑝h𝑎</m:t>
+                                </m:r>
+                                <m:r>
+                                  <a:rPr lang="en-US" altLang="ko-KR" sz="1800" b="0" dirty="0" smtClean="0">
+                                    <a:solidFill>
+                                      <a:schemeClr val="bg1"/>
+                                    </a:solidFill>
+                                    <a:latin typeface="Cambria Math" panose="02040503050406030204" pitchFamily="18" charset="0"/>
+                                  </a:rPr>
+                                  <m:t>=1</m:t>
+                                </m:r>
+                              </m:oMath>
+                            </m:oMathPara>
+                          </a14:m>
+                          <a:endParaRPr lang="ko-KR" altLang="en-US" sz="1800" dirty="0">
+                            <a:solidFill>
+                              <a:schemeClr val="bg1"/>
+                            </a:solidFill>
+                          </a:endParaRPr>
+                        </a:p>
+                      </a:txBody>
+                      <a:tcPr/>
+                    </a:tc>
+                    <a:extLst>
+                      <a:ext uri="{0D108BD9-81ED-4DB2-BD59-A6C34878D82A}">
+                        <a16:rowId xmlns:a16="http://schemas.microsoft.com/office/drawing/2014/main" val="4104339816"/>
+                      </a:ext>
+                    </a:extLst>
+                  </a:tr>
+                </a:tbl>
+              </a:graphicData>
+            </a:graphic>
+          </p:graphicFrame>
+        </mc:Choice>
+        <mc:Fallback xmlns="">
+          <p:graphicFrame>
+            <p:nvGraphicFramePr>
+              <p:cNvPr id="16" name="표 6">
+                <a:extLst>
+                  <a:ext uri="{FF2B5EF4-FFF2-40B4-BE49-F238E27FC236}">
+                    <a16:creationId xmlns:a16="http://schemas.microsoft.com/office/drawing/2014/main" id="{9D80DBD8-B715-4CCA-A2C5-52BFA6CF1338}"/>
+                  </a:ext>
+                </a:extLst>
+              </p:cNvPr>
+              <p:cNvGraphicFramePr>
+                <a:graphicFrameLocks noGrp="1"/>
+              </p:cNvGraphicFramePr>
+              <p:nvPr>
+                <p:extLst>
+                  <p:ext uri="{D42A27DB-BD31-4B8C-83A1-F6EECF244321}">
+                    <p14:modId xmlns:p14="http://schemas.microsoft.com/office/powerpoint/2010/main" val="4060903975"/>
+                  </p:ext>
+                </p:extLst>
+              </p:nvPr>
+            </p:nvGraphicFramePr>
+            <p:xfrm>
+              <a:off x="0" y="1866676"/>
+              <a:ext cx="12192000" cy="370840"/>
+            </p:xfrm>
+            <a:graphic>
+              <a:graphicData uri="http://schemas.openxmlformats.org/drawingml/2006/table">
+                <a:tbl>
+                  <a:tblPr firstRow="1" bandRow="1">
+                    <a:tableStyleId>{073A0DAA-6AF3-43AB-8588-CEC1D06C72B9}</a:tableStyleId>
+                  </a:tblPr>
+                  <a:tblGrid>
+                    <a:gridCol w="6096000">
+                      <a:extLst>
+                        <a:ext uri="{9D8B030D-6E8A-4147-A177-3AD203B41FA5}">
+                          <a16:colId xmlns:a16="http://schemas.microsoft.com/office/drawing/2014/main" val="1380535094"/>
+                        </a:ext>
+                      </a:extLst>
+                    </a:gridCol>
+                    <a:gridCol w="6096000">
+                      <a:extLst>
+                        <a:ext uri="{9D8B030D-6E8A-4147-A177-3AD203B41FA5}">
+                          <a16:colId xmlns:a16="http://schemas.microsoft.com/office/drawing/2014/main" val="3898479080"/>
+                        </a:ext>
+                      </a:extLst>
+                    </a:gridCol>
+                  </a:tblGrid>
+                  <a:tr h="370840">
+                    <a:tc>
+                      <a:txBody>
+                        <a:bodyPr/>
+                        <a:lstStyle/>
+                        <a:p>
+                          <a:endParaRPr lang="ko-KR"/>
+                        </a:p>
+                      </a:txBody>
+                      <a:tcPr>
+                        <a:blipFill>
+                          <a:blip r:embed="rId4"/>
+                          <a:stretch>
+                            <a:fillRect l="-200" t="-1613" r="-100500" b="-14516"/>
+                          </a:stretch>
+                        </a:blipFill>
+                      </a:tcPr>
+                    </a:tc>
+                    <a:tc>
+                      <a:txBody>
+                        <a:bodyPr/>
+                        <a:lstStyle/>
+                        <a:p>
+                          <a:endParaRPr lang="ko-KR"/>
+                        </a:p>
+                      </a:txBody>
+                      <a:tcPr>
+                        <a:blipFill>
+                          <a:blip r:embed="rId4"/>
+                          <a:stretch>
+                            <a:fillRect l="-100200" t="-1613" r="-500" b="-14516"/>
+                          </a:stretch>
+                        </a:blipFill>
+                      </a:tcPr>
+                    </a:tc>
+                    <a:extLst>
+                      <a:ext uri="{0D108BD9-81ED-4DB2-BD59-A6C34878D82A}">
+                        <a16:rowId xmlns:a16="http://schemas.microsoft.com/office/drawing/2014/main" val="4104339816"/>
+                      </a:ext>
+                    </a:extLst>
+                  </a:tr>
+                </a:tbl>
+              </a:graphicData>
+            </a:graphic>
+          </p:graphicFrame>
+        </mc:Fallback>
+      </mc:AlternateContent>
+      <p:pic>
+        <p:nvPicPr>
+          <p:cNvPr id="17" name="그림 16">
+            <a:extLst>
+              <a:ext uri="{FF2B5EF4-FFF2-40B4-BE49-F238E27FC236}">
+                <a16:creationId xmlns:a16="http://schemas.microsoft.com/office/drawing/2014/main" id="{E094CF61-C778-4942-B97C-C484C5C3CC61}"/>
+              </a:ext>
+            </a:extLst>
+          </p:cNvPr>
+          <p:cNvPicPr>
+            <a:picLocks/>
+          </p:cNvPicPr>
+          <p:nvPr/>
+        </p:nvPicPr>
+        <p:blipFill>
+          <a:blip r:embed="rId5"/>
+          <a:stretch>
+            <a:fillRect/>
+          </a:stretch>
+        </p:blipFill>
+        <p:spPr>
+          <a:xfrm>
+            <a:off x="6298650" y="2573810"/>
+            <a:ext cx="5760000" cy="3600000"/>
+          </a:xfrm>
+          <a:prstGeom prst="rect">
+            <a:avLst/>
+          </a:prstGeom>
+          <a:solidFill>
+            <a:srgbClr val="FFFFFF">
+              <a:shade val="85000"/>
+            </a:srgbClr>
+          </a:solidFill>
+          <a:ln w="88900" cap="sq">
+            <a:solidFill>
+              <a:srgbClr val="FFFFFF"/>
+            </a:solidFill>
+            <a:miter lim="800000"/>
+          </a:ln>
+          <a:effectLst>
+            <a:outerShdw blurRad="55000" dist="18000" dir="5400000" algn="tl" rotWithShape="0">
+              <a:srgbClr val="000000">
+                <a:alpha val="40000"/>
+              </a:srgbClr>
+            </a:outerShdw>
+          </a:effectLst>
+          <a:scene3d>
+            <a:camera prst="orthographicFront"/>
+            <a:lightRig rig="twoPt" dir="t">
+              <a:rot lat="0" lon="0" rev="7200000"/>
+            </a:lightRig>
+          </a:scene3d>
+          <a:sp3d>
+            <a:bevelT w="25400" h="19050"/>
+            <a:contourClr>
+              <a:srgbClr val="FFFFFF"/>
+            </a:contourClr>
+          </a:sp3d>
+        </p:spPr>
+      </p:pic>
+    </p:spTree>
+    <p:extLst>
+      <p:ext uri="{BB962C8B-B14F-4D97-AF65-F5344CB8AC3E}">
+        <p14:creationId xmlns:p14="http://schemas.microsoft.com/office/powerpoint/2010/main" val="3444596125"/>
+      </p:ext>
+    </p:extLst>
+  </p:cSld>
+  <p:clrMapOvr>
+    <a:masterClrMapping/>
+  </p:clrMapOvr>
+</p:sld>
+</file>
+
+<file path=ppt/slides/slide21.xml><?xml version="1.0" encoding="utf-8"?>
+<p:sld xmlns:a="http://schemas.openxmlformats.org/drawingml/2006/main" xmlns:r="http://schemas.openxmlformats.org/officeDocument/2006/relationships" xmlns:p="http://schemas.openxmlformats.org/presentationml/2006/main">
+  <p:cSld>
+    <p:spTree>
+      <p:nvGrpSpPr>
+        <p:cNvPr id="1" name=""/>
+        <p:cNvGrpSpPr/>
+        <p:nvPr/>
+      </p:nvGrpSpPr>
+      <p:grpSpPr>
+        <a:xfrm>
+          <a:off x="0" y="0"/>
+          <a:ext cx="0" cy="0"/>
+          <a:chOff x="0" y="0"/>
+          <a:chExt cx="0" cy="0"/>
+        </a:xfrm>
+      </p:grpSpPr>
+      <mc:AlternateContent xmlns:mc="http://schemas.openxmlformats.org/markup-compatibility/2006" xmlns:a14="http://schemas.microsoft.com/office/drawing/2010/main">
+        <mc:Choice Requires="a14">
+          <p:sp>
+            <p:nvSpPr>
+              <p:cNvPr id="15" name="제목 8">
+                <a:extLst>
+                  <a:ext uri="{FF2B5EF4-FFF2-40B4-BE49-F238E27FC236}">
+                    <a16:creationId xmlns:a16="http://schemas.microsoft.com/office/drawing/2014/main" id="{B9B67E39-F16C-4BF8-A239-952FC6F80A22}"/>
+                  </a:ext>
+                </a:extLst>
+              </p:cNvPr>
+              <p:cNvSpPr>
+                <a:spLocks noGrp="1"/>
+              </p:cNvSpPr>
+              <p:nvPr>
+                <p:ph type="title"/>
+              </p:nvPr>
+            </p:nvSpPr>
+            <p:spPr>
+              <a:xfrm>
+                <a:off x="428625" y="520885"/>
+                <a:ext cx="10515600" cy="1325563"/>
+              </a:xfrm>
+            </p:spPr>
+            <p:txBody>
+              <a:bodyPr>
+                <a:normAutofit fontScale="90000"/>
+              </a:bodyPr>
+              <a:lstStyle/>
+              <a:p>
+                <a14:m>
+                  <m:oMath xmlns:m="http://schemas.openxmlformats.org/officeDocument/2006/math">
+                    <m:r>
+                      <a:rPr lang="en-US" altLang="ko-KR" sz="4400" b="1" i="1" dirty="0" smtClean="0">
+                        <a:solidFill>
+                          <a:schemeClr val="tx1"/>
+                        </a:solidFill>
+                        <a:latin typeface="Cambria Math" panose="02040503050406030204" pitchFamily="18" charset="0"/>
+                      </a:rPr>
+                      <m:t>𝑬𝒙𝒑𝒆𝒓𝒊𝒎𝒆𝒏𝒕</m:t>
+                    </m:r>
+                    <m:r>
+                      <a:rPr lang="en-US" altLang="ko-KR" sz="4400" b="1" i="1" dirty="0" smtClean="0">
+                        <a:solidFill>
+                          <a:schemeClr val="tx1"/>
+                        </a:solidFill>
+                        <a:latin typeface="Cambria Math" panose="02040503050406030204" pitchFamily="18" charset="0"/>
+                      </a:rPr>
+                      <m:t> </m:t>
+                    </m:r>
+                    <m:r>
+                      <a:rPr lang="en-US" altLang="ko-KR" sz="4400" b="1" i="1" dirty="0" smtClean="0">
+                        <a:solidFill>
+                          <a:schemeClr val="tx1"/>
+                        </a:solidFill>
+                        <a:latin typeface="Cambria Math" panose="02040503050406030204" pitchFamily="18" charset="0"/>
+                      </a:rPr>
+                      <m:t>𝟐</m:t>
+                    </m:r>
+                  </m:oMath>
+                </a14:m>
+                <a:r>
+                  <a:rPr lang="en-US" altLang="ko-KR" sz="4400" b="1" i="1" dirty="0">
+                    <a:solidFill>
+                      <a:schemeClr val="tx1"/>
+                    </a:solidFill>
+                    <a:latin typeface="Cambria Math" panose="02040503050406030204" pitchFamily="18" charset="0"/>
+                  </a:rPr>
+                  <a:t> -annealing</a:t>
+                </a:r>
+                <a:br>
+                  <a:rPr lang="en-US" altLang="ko-KR" sz="4400" i="1" dirty="0">
+                    <a:solidFill>
+                      <a:schemeClr val="tx1"/>
+                    </a:solidFill>
+                    <a:latin typeface="Cambria Math" panose="02040503050406030204" pitchFamily="18" charset="0"/>
+                  </a:rPr>
+                </a:br>
+                <a14:m>
+                  <m:oMath xmlns:m="http://schemas.openxmlformats.org/officeDocument/2006/math">
+                    <m:r>
+                      <a:rPr lang="en-US" altLang="ko-KR" sz="4400" b="0" i="1" smtClean="0">
+                        <a:solidFill>
+                          <a:schemeClr val="tx1"/>
+                        </a:solidFill>
+                        <a:latin typeface="Cambria Math" panose="02040503050406030204" pitchFamily="18" charset="0"/>
+                      </a:rPr>
+                      <m:t>𝐴𝐵𝐸𝑋</m:t>
+                    </m:r>
+                    <m:r>
+                      <a:rPr lang="en-US" altLang="ko-KR" sz="4400" b="0" i="1" smtClean="0">
+                        <a:solidFill>
+                          <a:schemeClr val="tx1"/>
+                        </a:solidFill>
+                        <a:latin typeface="Cambria Math" panose="02040503050406030204" pitchFamily="18" charset="0"/>
+                      </a:rPr>
+                      <m:t>1 −1 </m:t>
+                    </m:r>
+                    <m:r>
+                      <a:rPr lang="en-US" altLang="ko-KR" sz="4400" b="0" i="1" smtClean="0">
+                        <a:solidFill>
+                          <a:schemeClr val="tx1"/>
+                        </a:solidFill>
+                        <a:latin typeface="Cambria Math" panose="02040503050406030204" pitchFamily="18" charset="0"/>
+                      </a:rPr>
+                      <m:t>𝑒𝑝𝑜𝑐h</m:t>
+                    </m:r>
+                  </m:oMath>
+                </a14:m>
+                <a:r>
+                  <a:rPr lang="ko-KR" altLang="en-US" sz="4400" dirty="0">
+                    <a:solidFill>
+                      <a:schemeClr val="tx1"/>
+                    </a:solidFill>
+                  </a:rPr>
+                  <a:t> </a:t>
+                </a:r>
+                <a:br>
+                  <a:rPr lang="ko-KR" altLang="en-US" sz="4400" dirty="0">
+                    <a:solidFill>
+                      <a:schemeClr val="tx1"/>
+                    </a:solidFill>
+                  </a:rPr>
+                </a:br>
+                <a:endParaRPr lang="ko-KR" altLang="en-US" dirty="0"/>
+              </a:p>
+            </p:txBody>
+          </p:sp>
+        </mc:Choice>
+        <mc:Fallback xmlns="">
+          <p:sp>
+            <p:nvSpPr>
+              <p:cNvPr id="15" name="제목 8">
+                <a:extLst>
+                  <a:ext uri="{FF2B5EF4-FFF2-40B4-BE49-F238E27FC236}">
+                    <a16:creationId xmlns:a16="http://schemas.microsoft.com/office/drawing/2014/main" id="{B9B67E39-F16C-4BF8-A239-952FC6F80A22}"/>
+                  </a:ext>
+                </a:extLst>
+              </p:cNvPr>
+              <p:cNvSpPr>
+                <a:spLocks noGrp="1" noRot="1" noChangeAspect="1" noMove="1" noResize="1" noEditPoints="1" noAdjustHandles="1" noChangeArrowheads="1" noChangeShapeType="1" noTextEdit="1"/>
+              </p:cNvSpPr>
+              <p:nvPr>
+                <p:ph type="title"/>
+              </p:nvPr>
+            </p:nvSpPr>
+            <p:spPr>
+              <a:xfrm>
+                <a:off x="428625" y="520885"/>
+                <a:ext cx="10515600" cy="1325563"/>
+              </a:xfrm>
+              <a:blipFill>
+                <a:blip r:embed="rId2"/>
+                <a:stretch>
+                  <a:fillRect t="-27982"/>
+                </a:stretch>
+              </a:blipFill>
+            </p:spPr>
+            <p:txBody>
+              <a:bodyPr/>
+              <a:lstStyle/>
+              <a:p>
+                <a:r>
+                  <a:rPr lang="ko-KR" altLang="en-US">
+                    <a:noFill/>
+                  </a:rPr>
+                  <a:t> </a:t>
+                </a:r>
+              </a:p>
+            </p:txBody>
+          </p:sp>
+        </mc:Fallback>
+      </mc:AlternateContent>
+      <mc:AlternateContent xmlns:mc="http://schemas.openxmlformats.org/markup-compatibility/2006" xmlns:a14="http://schemas.microsoft.com/office/drawing/2010/main">
+        <mc:Choice Requires="a14">
+          <p:graphicFrame>
+            <p:nvGraphicFramePr>
+              <p:cNvPr id="16" name="표 6">
+                <a:extLst>
+                  <a:ext uri="{FF2B5EF4-FFF2-40B4-BE49-F238E27FC236}">
+                    <a16:creationId xmlns:a16="http://schemas.microsoft.com/office/drawing/2014/main" id="{9D80DBD8-B715-4CCA-A2C5-52BFA6CF1338}"/>
+                  </a:ext>
+                </a:extLst>
+              </p:cNvPr>
+              <p:cNvGraphicFramePr>
+                <a:graphicFrameLocks noGrp="1"/>
+              </p:cNvGraphicFramePr>
+              <p:nvPr>
+                <p:extLst>
+                  <p:ext uri="{D42A27DB-BD31-4B8C-83A1-F6EECF244321}">
+                    <p14:modId xmlns:p14="http://schemas.microsoft.com/office/powerpoint/2010/main" val="248485901"/>
+                  </p:ext>
+                </p:extLst>
+              </p:nvPr>
+            </p:nvGraphicFramePr>
+            <p:xfrm>
+              <a:off x="0" y="1866676"/>
+              <a:ext cx="12192000" cy="391668"/>
+            </p:xfrm>
+            <a:graphic>
+              <a:graphicData uri="http://schemas.openxmlformats.org/drawingml/2006/table">
+                <a:tbl>
+                  <a:tblPr firstRow="1" bandRow="1">
+                    <a:tableStyleId>{073A0DAA-6AF3-43AB-8588-CEC1D06C72B9}</a:tableStyleId>
+                  </a:tblPr>
+                  <a:tblGrid>
+                    <a:gridCol w="6096000">
+                      <a:extLst>
+                        <a:ext uri="{9D8B030D-6E8A-4147-A177-3AD203B41FA5}">
+                          <a16:colId xmlns:a16="http://schemas.microsoft.com/office/drawing/2014/main" val="1380535094"/>
+                        </a:ext>
+                      </a:extLst>
+                    </a:gridCol>
+                    <a:gridCol w="6096000">
+                      <a:extLst>
+                        <a:ext uri="{9D8B030D-6E8A-4147-A177-3AD203B41FA5}">
+                          <a16:colId xmlns:a16="http://schemas.microsoft.com/office/drawing/2014/main" val="3898479080"/>
+                        </a:ext>
+                      </a:extLst>
+                    </a:gridCol>
+                  </a:tblGrid>
+                  <a:tr h="370840">
+                    <a:tc>
+                      <a:txBody>
+                        <a:bodyPr/>
+                        <a:lstStyle/>
+                        <a:p>
+                          <a:pPr marL="0" marR="0" lvl="0" indent="0" algn="l" defTabSz="914400" rtl="0" eaLnBrk="1" fontAlgn="auto" latinLnBrk="1" hangingPunct="1">
+                            <a:lnSpc>
+                              <a:spcPct val="100000"/>
+                            </a:lnSpc>
+                            <a:spcBef>
+                              <a:spcPts val="0"/>
+                            </a:spcBef>
+                            <a:spcAft>
+                              <a:spcPts val="0"/>
+                            </a:spcAft>
+                            <a:buClrTx/>
+                            <a:buSzTx/>
+                            <a:buFontTx/>
+                            <a:buNone/>
+                            <a:tabLst/>
+                            <a:defRPr/>
+                          </a:pPr>
+                          <a14:m>
+                            <m:oMathPara xmlns:m="http://schemas.openxmlformats.org/officeDocument/2006/math">
+                              <m:oMathParaPr>
+                                <m:jc m:val="centerGroup"/>
+                              </m:oMathParaPr>
+                              <m:oMath xmlns:m="http://schemas.openxmlformats.org/officeDocument/2006/math">
+                                <m:sSub>
+                                  <m:sSubPr>
+                                    <m:ctrlPr>
+                                      <a:rPr kumimoji="0" lang="en-US" altLang="ko-KR" sz="1800" b="1" i="1" u="none" strike="noStrike" kern="1200" cap="none" spc="0" normalizeH="0" baseline="0" noProof="0" dirty="0" smtClean="0">
+                                        <a:ln>
+                                          <a:noFill/>
+                                        </a:ln>
+                                        <a:solidFill>
+                                          <a:prstClr val="white"/>
+                                        </a:solidFill>
+                                        <a:effectLst/>
+                                        <a:uLnTx/>
+                                        <a:uFillTx/>
+                                        <a:latin typeface="Cambria Math" panose="02040503050406030204" pitchFamily="18" charset="0"/>
+                                        <a:cs typeface="+mn-cs"/>
+                                      </a:rPr>
+                                    </m:ctrlPr>
+                                  </m:sSubPr>
+                                  <m:e>
+                                    <m:r>
+                                      <a:rPr kumimoji="0" lang="en-US" altLang="ko-KR" sz="1800" b="1" i="0" u="none" strike="noStrike" kern="1200" cap="none" spc="0" normalizeH="0" baseline="0" noProof="0" dirty="0" smtClean="0">
+                                        <a:ln>
+                                          <a:noFill/>
+                                        </a:ln>
+                                        <a:solidFill>
+                                          <a:prstClr val="white"/>
+                                        </a:solidFill>
+                                        <a:effectLst/>
+                                        <a:uLnTx/>
+                                        <a:uFillTx/>
+                                        <a:latin typeface="Cambria Math" panose="02040503050406030204" pitchFamily="18" charset="0"/>
+                                        <a:cs typeface="+mn-cs"/>
+                                      </a:rPr>
+                                      <m:t>𝑍</m:t>
+                                    </m:r>
+                                  </m:e>
+                                  <m:sub>
+                                    <m:r>
+                                      <a:rPr kumimoji="0" lang="en-US" altLang="ko-KR" sz="1800" b="1" i="0" u="none" strike="noStrike" kern="1200" cap="none" spc="0" normalizeH="0" baseline="0" noProof="0" dirty="0" smtClean="0">
+                                        <a:ln>
+                                          <a:noFill/>
+                                        </a:ln>
+                                        <a:solidFill>
+                                          <a:prstClr val="white"/>
+                                        </a:solidFill>
+                                        <a:effectLst/>
+                                        <a:uLnTx/>
+                                        <a:uFillTx/>
+                                        <a:latin typeface="Cambria Math" panose="02040503050406030204" pitchFamily="18" charset="0"/>
+                                        <a:cs typeface="+mn-cs"/>
+                                      </a:rPr>
+                                      <m:t>𝐷𝑖</m:t>
+                                    </m:r>
+                                    <m:r>
+                                      <a:rPr kumimoji="0" lang="en-US" altLang="ko-KR" sz="1800" b="1" i="0" u="none" strike="noStrike" kern="1200" cap="none" spc="0" normalizeH="0" baseline="0" noProof="0" dirty="0" smtClean="0">
+                                        <a:ln>
+                                          <a:noFill/>
+                                        </a:ln>
+                                        <a:solidFill>
+                                          <a:prstClr val="white"/>
+                                        </a:solidFill>
+                                        <a:effectLst/>
+                                        <a:uLnTx/>
+                                        <a:uFillTx/>
+                                        <a:latin typeface="Cambria Math" panose="02040503050406030204" pitchFamily="18" charset="0"/>
+                                        <a:cs typeface="+mn-cs"/>
+                                      </a:rPr>
+                                      <m:t>𝐦</m:t>
+                                    </m:r>
+                                  </m:sub>
+                                </m:sSub>
+                                <m:r>
+                                  <a:rPr kumimoji="0" lang="en-US" altLang="ko-KR" sz="1800" b="1" i="0" u="none" strike="noStrike" kern="1200" cap="none" spc="0" normalizeH="0" baseline="0" noProof="0" dirty="0" smtClean="0">
+                                    <a:ln>
+                                      <a:noFill/>
+                                    </a:ln>
+                                    <a:solidFill>
+                                      <a:prstClr val="white"/>
+                                    </a:solidFill>
+                                    <a:effectLst/>
+                                    <a:uLnTx/>
+                                    <a:uFillTx/>
+                                    <a:latin typeface="Cambria Math" panose="02040503050406030204" pitchFamily="18" charset="0"/>
+                                    <a:cs typeface="+mn-cs"/>
+                                  </a:rPr>
+                                  <m:t>=</m:t>
+                                </m:r>
+                                <m:r>
+                                  <a:rPr kumimoji="0" lang="en-US" altLang="ko-KR" sz="1800" b="1" i="0" u="none" strike="noStrike" kern="1200" cap="none" spc="0" normalizeH="0" baseline="0" noProof="0" dirty="0" smtClean="0">
+                                    <a:ln>
+                                      <a:noFill/>
+                                    </a:ln>
+                                    <a:solidFill>
+                                      <a:prstClr val="white"/>
+                                    </a:solidFill>
+                                    <a:effectLst/>
+                                    <a:uLnTx/>
+                                    <a:uFillTx/>
+                                    <a:latin typeface="Cambria Math" panose="02040503050406030204" pitchFamily="18" charset="0"/>
+                                    <a:cs typeface="+mn-cs"/>
+                                  </a:rPr>
+                                  <m:t>𝟏𝟐𝟓</m:t>
+                                </m:r>
+                                <m:r>
+                                  <a:rPr kumimoji="0" lang="en-US" altLang="ko-KR" sz="1800" b="1" i="0" u="none" strike="noStrike" kern="1200" cap="none" spc="0" normalizeH="0" baseline="0" noProof="0" dirty="0" smtClean="0">
+                                    <a:ln>
+                                      <a:noFill/>
+                                    </a:ln>
+                                    <a:solidFill>
+                                      <a:prstClr val="white"/>
+                                    </a:solidFill>
+                                    <a:effectLst/>
+                                    <a:uLnTx/>
+                                    <a:uFillTx/>
+                                    <a:latin typeface="Cambria Math" panose="02040503050406030204" pitchFamily="18" charset="0"/>
+                                    <a:cs typeface="+mn-cs"/>
+                                  </a:rPr>
+                                  <m:t>,  </m:t>
+                                </m:r>
+                                <m:r>
+                                  <a:rPr kumimoji="0" lang="en-US" altLang="ko-KR" sz="1800" b="0" i="1" u="none" strike="noStrike" kern="1200" cap="none" spc="0" normalizeH="0" baseline="0" noProof="0" dirty="0" smtClean="0">
+                                    <a:ln>
+                                      <a:noFill/>
+                                    </a:ln>
+                                    <a:solidFill>
+                                      <a:prstClr val="white"/>
+                                    </a:solidFill>
+                                    <a:effectLst/>
+                                    <a:uLnTx/>
+                                    <a:uFillTx/>
+                                    <a:latin typeface="Cambria Math" panose="02040503050406030204" pitchFamily="18" charset="0"/>
+                                    <a:cs typeface="+mn-cs"/>
+                                  </a:rPr>
+                                  <m:t>𝛼</m:t>
+                                </m:r>
+                                <m:r>
+                                  <a:rPr kumimoji="0" lang="en-US" altLang="ko-KR" sz="1800" b="0" i="0" u="none" strike="noStrike" kern="1200" cap="none" spc="0" normalizeH="0" baseline="0" noProof="0" dirty="0" smtClean="0">
+                                    <a:ln>
+                                      <a:noFill/>
+                                    </a:ln>
+                                    <a:solidFill>
+                                      <a:prstClr val="white"/>
+                                    </a:solidFill>
+                                    <a:effectLst/>
+                                    <a:uLnTx/>
+                                    <a:uFillTx/>
+                                    <a:latin typeface="Cambria Math" panose="02040503050406030204" pitchFamily="18" charset="0"/>
+                                    <a:cs typeface="+mn-cs"/>
+                                  </a:rPr>
+                                  <m:t>=0.8,    </m:t>
+                                </m:r>
+                                <m:sSub>
+                                  <m:sSubPr>
+                                    <m:ctrlPr>
+                                      <a:rPr kumimoji="0" lang="en-US" altLang="ko-KR" sz="1800" b="0" i="1" u="none" strike="noStrike" kern="1200" cap="none" spc="0" normalizeH="0" baseline="0" noProof="0" dirty="0" smtClean="0">
+                                        <a:ln>
+                                          <a:noFill/>
+                                        </a:ln>
+                                        <a:solidFill>
+                                          <a:prstClr val="white"/>
+                                        </a:solidFill>
+                                        <a:effectLst/>
+                                        <a:uLnTx/>
+                                        <a:uFillTx/>
+                                        <a:latin typeface="Cambria Math" panose="02040503050406030204" pitchFamily="18" charset="0"/>
+                                        <a:cs typeface="+mn-cs"/>
+                                      </a:rPr>
+                                    </m:ctrlPr>
+                                  </m:sSubPr>
+                                  <m:e>
+                                    <m:r>
+                                      <m:rPr>
+                                        <m:sty m:val="p"/>
+                                      </m:rPr>
+                                      <a:rPr kumimoji="0" lang="en-US" altLang="ko-KR" sz="1800" b="0" i="0" u="none" strike="noStrike" kern="1200" cap="none" spc="0" normalizeH="0" baseline="0" noProof="0" dirty="0" smtClean="0">
+                                        <a:ln>
+                                          <a:noFill/>
+                                        </a:ln>
+                                        <a:solidFill>
+                                          <a:prstClr val="white"/>
+                                        </a:solidFill>
+                                        <a:effectLst/>
+                                        <a:uLnTx/>
+                                        <a:uFillTx/>
+                                        <a:latin typeface="Cambria Math" panose="02040503050406030204" pitchFamily="18" charset="0"/>
+                                        <a:cs typeface="+mn-cs"/>
+                                      </a:rPr>
+                                      <m:t>P</m:t>
+                                    </m:r>
+                                  </m:e>
+                                  <m:sub>
+                                    <m:r>
+                                      <m:rPr>
+                                        <m:sty m:val="p"/>
+                                      </m:rPr>
+                                      <a:rPr kumimoji="0" lang="en-US" altLang="ko-KR" sz="1800" b="0" i="0" u="none" strike="noStrike" kern="1200" cap="none" spc="0" normalizeH="0" baseline="0" noProof="0" dirty="0" smtClean="0">
+                                        <a:ln>
+                                          <a:noFill/>
+                                        </a:ln>
+                                        <a:solidFill>
+                                          <a:prstClr val="white"/>
+                                        </a:solidFill>
+                                        <a:effectLst/>
+                                        <a:uLnTx/>
+                                        <a:uFillTx/>
+                                        <a:latin typeface="Cambria Math" panose="02040503050406030204" pitchFamily="18" charset="0"/>
+                                        <a:cs typeface="+mn-cs"/>
+                                      </a:rPr>
+                                      <m:t>annealing</m:t>
+                                    </m:r>
+                                  </m:sub>
+                                </m:sSub>
+                                <m:r>
+                                  <a:rPr kumimoji="0" lang="en-US" altLang="ko-KR" sz="1800" b="0" i="0" u="none" strike="noStrike" kern="1200" cap="none" spc="0" normalizeH="0" baseline="0" noProof="0" dirty="0" smtClean="0">
+                                    <a:ln>
+                                      <a:noFill/>
+                                    </a:ln>
+                                    <a:solidFill>
+                                      <a:prstClr val="white"/>
+                                    </a:solidFill>
+                                    <a:effectLst/>
+                                    <a:uLnTx/>
+                                    <a:uFillTx/>
+                                    <a:latin typeface="Cambria Math" panose="02040503050406030204" pitchFamily="18" charset="0"/>
+                                    <a:cs typeface="+mn-cs"/>
+                                  </a:rPr>
+                                  <m:t>=500</m:t>
+                                </m:r>
+                              </m:oMath>
+                            </m:oMathPara>
+                          </a14:m>
+                          <a:endParaRPr kumimoji="0" lang="ko-KR" altLang="en-US" sz="1800" b="1" i="0" u="none" strike="noStrike" kern="1200" cap="none" spc="0" normalizeH="0" baseline="0" noProof="0" dirty="0">
+                            <a:ln>
+                              <a:noFill/>
+                            </a:ln>
+                            <a:solidFill>
+                              <a:prstClr val="white"/>
+                            </a:solidFill>
+                            <a:effectLst/>
+                            <a:uLnTx/>
+                            <a:uFillTx/>
+                            <a:latin typeface="맑은 고딕" panose="020F0502020204030204"/>
+                            <a:ea typeface="맑은 고딕" panose="020B0503020000020004" pitchFamily="50" charset="-127"/>
+                            <a:cs typeface="+mn-cs"/>
+                          </a:endParaRPr>
+                        </a:p>
+                      </a:txBody>
+                      <a:tcPr/>
+                    </a:tc>
+                    <a:tc>
+                      <a:txBody>
+                        <a:bodyPr/>
+                        <a:lstStyle/>
+                        <a:p>
+                          <a:pPr marL="0" marR="0" lvl="0" indent="0" algn="l" defTabSz="914400" rtl="0" eaLnBrk="1" fontAlgn="auto" latinLnBrk="1" hangingPunct="1">
+                            <a:lnSpc>
+                              <a:spcPct val="100000"/>
+                            </a:lnSpc>
+                            <a:spcBef>
+                              <a:spcPts val="0"/>
+                            </a:spcBef>
+                            <a:spcAft>
+                              <a:spcPts val="0"/>
+                            </a:spcAft>
+                            <a:buClrTx/>
+                            <a:buSzTx/>
+                            <a:buFontTx/>
+                            <a:buNone/>
+                            <a:tabLst/>
+                            <a:defRPr/>
+                          </a:pPr>
+                          <a14:m>
+                            <m:oMathPara xmlns:m="http://schemas.openxmlformats.org/officeDocument/2006/math">
+                              <m:oMathParaPr>
+                                <m:jc m:val="centerGroup"/>
+                              </m:oMathParaPr>
+                              <m:oMath xmlns:m="http://schemas.openxmlformats.org/officeDocument/2006/math">
+                                <m:sSub>
+                                  <m:sSubPr>
+                                    <m:ctrlPr>
+                                      <a:rPr kumimoji="0" lang="en-US" altLang="ko-KR" sz="1800" b="1" i="1" u="none" strike="noStrike" kern="1200" cap="none" spc="0" normalizeH="0" baseline="0" noProof="0" dirty="0" smtClean="0">
+                                        <a:ln>
+                                          <a:noFill/>
+                                        </a:ln>
+                                        <a:solidFill>
+                                          <a:prstClr val="white"/>
+                                        </a:solidFill>
+                                        <a:effectLst/>
+                                        <a:uLnTx/>
+                                        <a:uFillTx/>
+                                        <a:latin typeface="Cambria Math" panose="02040503050406030204" pitchFamily="18" charset="0"/>
+                                        <a:cs typeface="+mn-cs"/>
+                                      </a:rPr>
+                                    </m:ctrlPr>
+                                  </m:sSubPr>
+                                  <m:e>
+                                    <m:r>
+                                      <a:rPr kumimoji="0" lang="en-US" altLang="ko-KR" sz="1800" b="1" i="0" u="none" strike="noStrike" kern="1200" cap="none" spc="0" normalizeH="0" baseline="0" noProof="0" dirty="0" smtClean="0">
+                                        <a:ln>
+                                          <a:noFill/>
+                                        </a:ln>
+                                        <a:solidFill>
+                                          <a:prstClr val="white"/>
+                                        </a:solidFill>
+                                        <a:effectLst/>
+                                        <a:uLnTx/>
+                                        <a:uFillTx/>
+                                        <a:latin typeface="Cambria Math" panose="02040503050406030204" pitchFamily="18" charset="0"/>
+                                        <a:cs typeface="+mn-cs"/>
+                                      </a:rPr>
+                                      <m:t>𝑍</m:t>
+                                    </m:r>
+                                  </m:e>
+                                  <m:sub>
+                                    <m:r>
+                                      <a:rPr kumimoji="0" lang="en-US" altLang="ko-KR" sz="1800" b="1" i="0" u="none" strike="noStrike" kern="1200" cap="none" spc="0" normalizeH="0" baseline="0" noProof="0" dirty="0" smtClean="0">
+                                        <a:ln>
+                                          <a:noFill/>
+                                        </a:ln>
+                                        <a:solidFill>
+                                          <a:prstClr val="white"/>
+                                        </a:solidFill>
+                                        <a:effectLst/>
+                                        <a:uLnTx/>
+                                        <a:uFillTx/>
+                                        <a:latin typeface="Cambria Math" panose="02040503050406030204" pitchFamily="18" charset="0"/>
+                                        <a:cs typeface="+mn-cs"/>
+                                      </a:rPr>
+                                      <m:t>𝐷𝑖</m:t>
+                                    </m:r>
+                                    <m:r>
+                                      <a:rPr kumimoji="0" lang="en-US" altLang="ko-KR" sz="1800" b="1" i="0" u="none" strike="noStrike" kern="1200" cap="none" spc="0" normalizeH="0" baseline="0" noProof="0" dirty="0" smtClean="0">
+                                        <a:ln>
+                                          <a:noFill/>
+                                        </a:ln>
+                                        <a:solidFill>
+                                          <a:prstClr val="white"/>
+                                        </a:solidFill>
+                                        <a:effectLst/>
+                                        <a:uLnTx/>
+                                        <a:uFillTx/>
+                                        <a:latin typeface="Cambria Math" panose="02040503050406030204" pitchFamily="18" charset="0"/>
+                                        <a:cs typeface="+mn-cs"/>
+                                      </a:rPr>
+                                      <m:t>𝐦</m:t>
+                                    </m:r>
+                                  </m:sub>
+                                </m:sSub>
+                                <m:r>
+                                  <a:rPr kumimoji="0" lang="en-US" altLang="ko-KR" sz="1800" b="1" i="0" u="none" strike="noStrike" kern="1200" cap="none" spc="0" normalizeH="0" baseline="0" noProof="0" dirty="0" smtClean="0">
+                                    <a:ln>
+                                      <a:noFill/>
+                                    </a:ln>
+                                    <a:solidFill>
+                                      <a:prstClr val="white"/>
+                                    </a:solidFill>
+                                    <a:effectLst/>
+                                    <a:uLnTx/>
+                                    <a:uFillTx/>
+                                    <a:latin typeface="Cambria Math" panose="02040503050406030204" pitchFamily="18" charset="0"/>
+                                    <a:cs typeface="+mn-cs"/>
+                                  </a:rPr>
+                                  <m:t>=</m:t>
+                                </m:r>
+                                <m:r>
+                                  <a:rPr kumimoji="0" lang="en-US" altLang="ko-KR" sz="1800" b="1" i="0" u="none" strike="noStrike" kern="1200" cap="none" spc="0" normalizeH="0" baseline="0" noProof="0" dirty="0" smtClean="0">
+                                    <a:ln>
+                                      <a:noFill/>
+                                    </a:ln>
+                                    <a:solidFill>
+                                      <a:prstClr val="white"/>
+                                    </a:solidFill>
+                                    <a:effectLst/>
+                                    <a:uLnTx/>
+                                    <a:uFillTx/>
+                                    <a:latin typeface="Cambria Math" panose="02040503050406030204" pitchFamily="18" charset="0"/>
+                                    <a:cs typeface="+mn-cs"/>
+                                  </a:rPr>
+                                  <m:t>𝟏𝟐𝟓</m:t>
+                                </m:r>
+                                <m:r>
+                                  <a:rPr kumimoji="0" lang="en-US" altLang="ko-KR" sz="1800" b="1" i="0" u="none" strike="noStrike" kern="1200" cap="none" spc="0" normalizeH="0" baseline="0" noProof="0" dirty="0" smtClean="0">
+                                    <a:ln>
+                                      <a:noFill/>
+                                    </a:ln>
+                                    <a:solidFill>
+                                      <a:prstClr val="white"/>
+                                    </a:solidFill>
+                                    <a:effectLst/>
+                                    <a:uLnTx/>
+                                    <a:uFillTx/>
+                                    <a:latin typeface="Cambria Math" panose="02040503050406030204" pitchFamily="18" charset="0"/>
+                                    <a:cs typeface="+mn-cs"/>
+                                  </a:rPr>
+                                  <m:t>,  </m:t>
+                                </m:r>
+                                <m:r>
+                                  <a:rPr kumimoji="0" lang="en-US" altLang="ko-KR" sz="1800" b="0" i="1" u="none" strike="noStrike" kern="1200" cap="none" spc="0" normalizeH="0" baseline="0" noProof="0" dirty="0" smtClean="0">
+                                    <a:ln>
+                                      <a:noFill/>
+                                    </a:ln>
+                                    <a:solidFill>
+                                      <a:prstClr val="white"/>
+                                    </a:solidFill>
+                                    <a:effectLst/>
+                                    <a:uLnTx/>
+                                    <a:uFillTx/>
+                                    <a:latin typeface="Cambria Math" panose="02040503050406030204" pitchFamily="18" charset="0"/>
+                                    <a:cs typeface="+mn-cs"/>
+                                  </a:rPr>
+                                  <m:t>𝛼</m:t>
+                                </m:r>
+                                <m:r>
+                                  <a:rPr kumimoji="0" lang="en-US" altLang="ko-KR" sz="1800" b="0" i="0" u="none" strike="noStrike" kern="1200" cap="none" spc="0" normalizeH="0" baseline="0" noProof="0" dirty="0" smtClean="0">
+                                    <a:ln>
+                                      <a:noFill/>
+                                    </a:ln>
+                                    <a:solidFill>
+                                      <a:prstClr val="white"/>
+                                    </a:solidFill>
+                                    <a:effectLst/>
+                                    <a:uLnTx/>
+                                    <a:uFillTx/>
+                                    <a:latin typeface="Cambria Math" panose="02040503050406030204" pitchFamily="18" charset="0"/>
+                                    <a:cs typeface="+mn-cs"/>
+                                  </a:rPr>
+                                  <m:t>=0.8,    </m:t>
+                                </m:r>
+                                <m:sSub>
+                                  <m:sSubPr>
+                                    <m:ctrlPr>
+                                      <a:rPr kumimoji="0" lang="en-US" altLang="ko-KR" sz="1800" b="0" i="1" u="none" strike="noStrike" kern="1200" cap="none" spc="0" normalizeH="0" baseline="0" noProof="0" dirty="0" smtClean="0">
+                                        <a:ln>
+                                          <a:noFill/>
+                                        </a:ln>
+                                        <a:solidFill>
+                                          <a:prstClr val="white"/>
+                                        </a:solidFill>
+                                        <a:effectLst/>
+                                        <a:uLnTx/>
+                                        <a:uFillTx/>
+                                        <a:latin typeface="Cambria Math" panose="02040503050406030204" pitchFamily="18" charset="0"/>
+                                        <a:cs typeface="+mn-cs"/>
+                                      </a:rPr>
+                                    </m:ctrlPr>
+                                  </m:sSubPr>
+                                  <m:e>
+                                    <m:r>
+                                      <m:rPr>
+                                        <m:sty m:val="p"/>
+                                      </m:rPr>
+                                      <a:rPr kumimoji="0" lang="en-US" altLang="ko-KR" sz="1800" b="0" i="0" u="none" strike="noStrike" kern="1200" cap="none" spc="0" normalizeH="0" baseline="0" noProof="0" dirty="0" smtClean="0">
+                                        <a:ln>
+                                          <a:noFill/>
+                                        </a:ln>
+                                        <a:solidFill>
+                                          <a:prstClr val="white"/>
+                                        </a:solidFill>
+                                        <a:effectLst/>
+                                        <a:uLnTx/>
+                                        <a:uFillTx/>
+                                        <a:latin typeface="Cambria Math" panose="02040503050406030204" pitchFamily="18" charset="0"/>
+                                        <a:cs typeface="+mn-cs"/>
+                                      </a:rPr>
+                                      <m:t>P</m:t>
+                                    </m:r>
+                                  </m:e>
+                                  <m:sub>
+                                    <m:r>
+                                      <m:rPr>
+                                        <m:sty m:val="p"/>
+                                      </m:rPr>
+                                      <a:rPr kumimoji="0" lang="en-US" altLang="ko-KR" sz="1800" b="0" i="0" u="none" strike="noStrike" kern="1200" cap="none" spc="0" normalizeH="0" baseline="0" noProof="0" dirty="0" smtClean="0">
+                                        <a:ln>
+                                          <a:noFill/>
+                                        </a:ln>
+                                        <a:solidFill>
+                                          <a:prstClr val="white"/>
+                                        </a:solidFill>
+                                        <a:effectLst/>
+                                        <a:uLnTx/>
+                                        <a:uFillTx/>
+                                        <a:latin typeface="Cambria Math" panose="02040503050406030204" pitchFamily="18" charset="0"/>
+                                        <a:cs typeface="+mn-cs"/>
+                                      </a:rPr>
+                                      <m:t>annealing</m:t>
+                                    </m:r>
+                                  </m:sub>
+                                </m:sSub>
+                                <m:r>
+                                  <a:rPr kumimoji="0" lang="en-US" altLang="ko-KR" sz="1800" b="0" i="0" u="none" strike="noStrike" kern="1200" cap="none" spc="0" normalizeH="0" baseline="0" noProof="0" dirty="0" smtClean="0">
+                                    <a:ln>
+                                      <a:noFill/>
+                                    </a:ln>
+                                    <a:solidFill>
+                                      <a:prstClr val="white"/>
+                                    </a:solidFill>
+                                    <a:effectLst/>
+                                    <a:uLnTx/>
+                                    <a:uFillTx/>
+                                    <a:latin typeface="Cambria Math" panose="02040503050406030204" pitchFamily="18" charset="0"/>
+                                    <a:cs typeface="+mn-cs"/>
+                                  </a:rPr>
+                                  <m:t>=1000</m:t>
+                                </m:r>
+                              </m:oMath>
+                            </m:oMathPara>
+                          </a14:m>
+                          <a:endParaRPr kumimoji="0" lang="ko-KR" altLang="en-US" sz="1800" b="1" i="0" u="none" strike="noStrike" kern="1200" cap="none" spc="0" normalizeH="0" baseline="0" noProof="0" dirty="0">
+                            <a:ln>
+                              <a:noFill/>
+                            </a:ln>
+                            <a:solidFill>
+                              <a:prstClr val="white"/>
+                            </a:solidFill>
+                            <a:effectLst/>
+                            <a:uLnTx/>
+                            <a:uFillTx/>
+                            <a:latin typeface="맑은 고딕" panose="020F0502020204030204"/>
+                            <a:ea typeface="맑은 고딕" panose="020B0503020000020004" pitchFamily="50" charset="-127"/>
+                            <a:cs typeface="+mn-cs"/>
+                          </a:endParaRPr>
+                        </a:p>
+                      </a:txBody>
+                      <a:tcPr/>
+                    </a:tc>
+                    <a:extLst>
+                      <a:ext uri="{0D108BD9-81ED-4DB2-BD59-A6C34878D82A}">
+                        <a16:rowId xmlns:a16="http://schemas.microsoft.com/office/drawing/2014/main" val="4104339816"/>
+                      </a:ext>
+                    </a:extLst>
+                  </a:tr>
+                </a:tbl>
+              </a:graphicData>
+            </a:graphic>
+          </p:graphicFrame>
+        </mc:Choice>
+        <mc:Fallback xmlns="">
+          <p:graphicFrame>
+            <p:nvGraphicFramePr>
+              <p:cNvPr id="16" name="표 6">
+                <a:extLst>
+                  <a:ext uri="{FF2B5EF4-FFF2-40B4-BE49-F238E27FC236}">
+                    <a16:creationId xmlns:a16="http://schemas.microsoft.com/office/drawing/2014/main" id="{9D80DBD8-B715-4CCA-A2C5-52BFA6CF1338}"/>
+                  </a:ext>
+                </a:extLst>
+              </p:cNvPr>
+              <p:cNvGraphicFramePr>
+                <a:graphicFrameLocks noGrp="1"/>
+              </p:cNvGraphicFramePr>
+              <p:nvPr>
+                <p:extLst>
+                  <p:ext uri="{D42A27DB-BD31-4B8C-83A1-F6EECF244321}">
+                    <p14:modId xmlns:p14="http://schemas.microsoft.com/office/powerpoint/2010/main" val="248485901"/>
+                  </p:ext>
+                </p:extLst>
+              </p:nvPr>
+            </p:nvGraphicFramePr>
+            <p:xfrm>
+              <a:off x="0" y="1866676"/>
+              <a:ext cx="12192000" cy="391668"/>
+            </p:xfrm>
+            <a:graphic>
+              <a:graphicData uri="http://schemas.openxmlformats.org/drawingml/2006/table">
+                <a:tbl>
+                  <a:tblPr firstRow="1" bandRow="1">
+                    <a:tableStyleId>{073A0DAA-6AF3-43AB-8588-CEC1D06C72B9}</a:tableStyleId>
+                  </a:tblPr>
+                  <a:tblGrid>
+                    <a:gridCol w="6096000">
+                      <a:extLst>
+                        <a:ext uri="{9D8B030D-6E8A-4147-A177-3AD203B41FA5}">
+                          <a16:colId xmlns:a16="http://schemas.microsoft.com/office/drawing/2014/main" val="1380535094"/>
+                        </a:ext>
+                      </a:extLst>
+                    </a:gridCol>
+                    <a:gridCol w="6096000">
+                      <a:extLst>
+                        <a:ext uri="{9D8B030D-6E8A-4147-A177-3AD203B41FA5}">
+                          <a16:colId xmlns:a16="http://schemas.microsoft.com/office/drawing/2014/main" val="3898479080"/>
+                        </a:ext>
+                      </a:extLst>
+                    </a:gridCol>
+                  </a:tblGrid>
+                  <a:tr h="391668">
+                    <a:tc>
+                      <a:txBody>
+                        <a:bodyPr/>
+                        <a:lstStyle/>
+                        <a:p>
+                          <a:endParaRPr lang="ko-KR"/>
+                        </a:p>
+                      </a:txBody>
+                      <a:tcPr>
+                        <a:blipFill>
+                          <a:blip r:embed="rId3"/>
+                          <a:stretch>
+                            <a:fillRect l="-200" t="-1538" r="-100500" b="-9231"/>
+                          </a:stretch>
+                        </a:blipFill>
+                      </a:tcPr>
+                    </a:tc>
+                    <a:tc>
+                      <a:txBody>
+                        <a:bodyPr/>
+                        <a:lstStyle/>
+                        <a:p>
+                          <a:endParaRPr lang="ko-KR"/>
+                        </a:p>
+                      </a:txBody>
+                      <a:tcPr>
+                        <a:blipFill>
+                          <a:blip r:embed="rId3"/>
+                          <a:stretch>
+                            <a:fillRect l="-100200" t="-1538" r="-500" b="-9231"/>
+                          </a:stretch>
+                        </a:blipFill>
+                      </a:tcPr>
+                    </a:tc>
+                    <a:extLst>
+                      <a:ext uri="{0D108BD9-81ED-4DB2-BD59-A6C34878D82A}">
+                        <a16:rowId xmlns:a16="http://schemas.microsoft.com/office/drawing/2014/main" val="4104339816"/>
+                      </a:ext>
+                    </a:extLst>
+                  </a:tr>
+                </a:tbl>
+              </a:graphicData>
+            </a:graphic>
+          </p:graphicFrame>
+        </mc:Fallback>
+      </mc:AlternateContent>
+      <p:pic>
+        <p:nvPicPr>
+          <p:cNvPr id="3" name="그림 2">
+            <a:extLst>
+              <a:ext uri="{FF2B5EF4-FFF2-40B4-BE49-F238E27FC236}">
+                <a16:creationId xmlns:a16="http://schemas.microsoft.com/office/drawing/2014/main" id="{9CDF9E3C-0DD9-481E-8586-B9722358CDB4}"/>
+              </a:ext>
+            </a:extLst>
+          </p:cNvPr>
+          <p:cNvPicPr>
+            <a:picLocks noChangeAspect="1"/>
+          </p:cNvPicPr>
+          <p:nvPr/>
+        </p:nvPicPr>
+        <p:blipFill>
+          <a:blip r:embed="rId4"/>
+          <a:stretch>
+            <a:fillRect/>
+          </a:stretch>
+        </p:blipFill>
+        <p:spPr>
+          <a:xfrm>
+            <a:off x="276226" y="2639236"/>
+            <a:ext cx="5667375" cy="3600000"/>
+          </a:xfrm>
+          <a:prstGeom prst="rect">
+            <a:avLst/>
+          </a:prstGeom>
+        </p:spPr>
+      </p:pic>
+      <p:pic>
+        <p:nvPicPr>
+          <p:cNvPr id="5" name="그림 4">
+            <a:extLst>
+              <a:ext uri="{FF2B5EF4-FFF2-40B4-BE49-F238E27FC236}">
+                <a16:creationId xmlns:a16="http://schemas.microsoft.com/office/drawing/2014/main" id="{5F156770-C12D-455A-B017-8FD30493AE70}"/>
+              </a:ext>
+            </a:extLst>
+          </p:cNvPr>
+          <p:cNvPicPr>
+            <a:picLocks noChangeAspect="1"/>
+          </p:cNvPicPr>
+          <p:nvPr/>
+        </p:nvPicPr>
+        <p:blipFill>
+          <a:blip r:embed="rId5"/>
+          <a:stretch>
+            <a:fillRect/>
+          </a:stretch>
+        </p:blipFill>
+        <p:spPr>
+          <a:xfrm>
+            <a:off x="6248401" y="2639236"/>
+            <a:ext cx="5767136" cy="3600000"/>
+          </a:xfrm>
+          <a:prstGeom prst="rect">
+            <a:avLst/>
+          </a:prstGeom>
+        </p:spPr>
+      </p:pic>
+    </p:spTree>
+    <p:extLst>
+      <p:ext uri="{BB962C8B-B14F-4D97-AF65-F5344CB8AC3E}">
+        <p14:creationId xmlns:p14="http://schemas.microsoft.com/office/powerpoint/2010/main" val="3161818470"/>
+      </p:ext>
+    </p:extLst>
+  </p:cSld>
+  <p:clrMapOvr>
+    <a:masterClrMapping/>
+  </p:clrMapOvr>
+</p:sld>
+</file>
+
+<file path=ppt/slides/slide22.xml><?xml version="1.0" encoding="utf-8"?>
+<p:sld xmlns:a="http://schemas.openxmlformats.org/drawingml/2006/main" xmlns:r="http://schemas.openxmlformats.org/officeDocument/2006/relationships" xmlns:p="http://schemas.openxmlformats.org/presentationml/2006/main">
+  <p:cSld>
+    <p:spTree>
+      <p:nvGrpSpPr>
+        <p:cNvPr id="1" name=""/>
+        <p:cNvGrpSpPr/>
+        <p:nvPr/>
+      </p:nvGrpSpPr>
+      <p:grpSpPr>
+        <a:xfrm>
+          <a:off x="0" y="0"/>
+          <a:ext cx="0" cy="0"/>
+          <a:chOff x="0" y="0"/>
+          <a:chExt cx="0" cy="0"/>
+        </a:xfrm>
+      </p:grpSpPr>
+      <mc:AlternateContent xmlns:mc="http://schemas.openxmlformats.org/markup-compatibility/2006" xmlns:a14="http://schemas.microsoft.com/office/drawing/2010/main">
+        <mc:Choice Requires="a14">
+          <p:sp>
+            <p:nvSpPr>
+              <p:cNvPr id="15" name="제목 8">
+                <a:extLst>
+                  <a:ext uri="{FF2B5EF4-FFF2-40B4-BE49-F238E27FC236}">
+                    <a16:creationId xmlns:a16="http://schemas.microsoft.com/office/drawing/2014/main" id="{B9B67E39-F16C-4BF8-A239-952FC6F80A22}"/>
+                  </a:ext>
+                </a:extLst>
+              </p:cNvPr>
+              <p:cNvSpPr>
+                <a:spLocks noGrp="1"/>
+              </p:cNvSpPr>
+              <p:nvPr>
+                <p:ph type="title"/>
+              </p:nvPr>
+            </p:nvSpPr>
+            <p:spPr>
+              <a:xfrm>
+                <a:off x="428625" y="520885"/>
+                <a:ext cx="10515600" cy="1325563"/>
+              </a:xfrm>
+            </p:spPr>
+            <p:txBody>
+              <a:bodyPr>
+                <a:normAutofit fontScale="90000"/>
+              </a:bodyPr>
+              <a:lstStyle/>
+              <a:p>
+                <a14:m>
+                  <m:oMath xmlns:m="http://schemas.openxmlformats.org/officeDocument/2006/math">
+                    <m:r>
+                      <a:rPr lang="en-US" altLang="ko-KR" sz="4400" b="1" i="1" dirty="0" smtClean="0">
+                        <a:solidFill>
+                          <a:schemeClr val="tx1"/>
+                        </a:solidFill>
+                        <a:latin typeface="Cambria Math" panose="02040503050406030204" pitchFamily="18" charset="0"/>
+                      </a:rPr>
+                      <m:t>𝑬𝒙𝒑𝒆𝒓𝒊𝒎𝒆𝒏𝒕</m:t>
+                    </m:r>
+                    <m:r>
+                      <a:rPr lang="en-US" altLang="ko-KR" sz="4400" b="1" i="1" dirty="0" smtClean="0">
+                        <a:solidFill>
+                          <a:schemeClr val="tx1"/>
+                        </a:solidFill>
+                        <a:latin typeface="Cambria Math" panose="02040503050406030204" pitchFamily="18" charset="0"/>
+                      </a:rPr>
+                      <m:t> </m:t>
+                    </m:r>
+                    <m:r>
+                      <a:rPr lang="en-US" altLang="ko-KR" sz="4400" b="1" i="1" dirty="0" smtClean="0">
+                        <a:solidFill>
+                          <a:schemeClr val="tx1"/>
+                        </a:solidFill>
+                        <a:latin typeface="Cambria Math" panose="02040503050406030204" pitchFamily="18" charset="0"/>
+                      </a:rPr>
+                      <m:t>𝟐</m:t>
+                    </m:r>
+                  </m:oMath>
+                </a14:m>
+                <a:r>
+                  <a:rPr lang="en-US" altLang="ko-KR" sz="4400" b="1" i="1" dirty="0">
+                    <a:solidFill>
+                      <a:schemeClr val="tx1"/>
+                    </a:solidFill>
+                    <a:latin typeface="Cambria Math" panose="02040503050406030204" pitchFamily="18" charset="0"/>
+                  </a:rPr>
+                  <a:t> -annealing</a:t>
+                </a:r>
+                <a:br>
+                  <a:rPr lang="en-US" altLang="ko-KR" sz="4400" i="1" dirty="0">
+                    <a:solidFill>
+                      <a:schemeClr val="tx1"/>
+                    </a:solidFill>
+                    <a:latin typeface="Cambria Math" panose="02040503050406030204" pitchFamily="18" charset="0"/>
+                  </a:rPr>
+                </a:br>
+                <a14:m>
+                  <m:oMath xmlns:m="http://schemas.openxmlformats.org/officeDocument/2006/math">
+                    <m:r>
+                      <a:rPr lang="en-US" altLang="ko-KR" sz="4400" b="0" i="1" smtClean="0">
+                        <a:solidFill>
+                          <a:schemeClr val="tx1"/>
+                        </a:solidFill>
+                        <a:latin typeface="Cambria Math" panose="02040503050406030204" pitchFamily="18" charset="0"/>
+                      </a:rPr>
+                      <m:t>𝐴𝐵𝐸𝑋</m:t>
+                    </m:r>
+                    <m:r>
+                      <a:rPr lang="en-US" altLang="ko-KR" sz="4400" b="0" i="1" smtClean="0">
+                        <a:solidFill>
+                          <a:schemeClr val="tx1"/>
+                        </a:solidFill>
+                        <a:latin typeface="Cambria Math" panose="02040503050406030204" pitchFamily="18" charset="0"/>
+                      </a:rPr>
+                      <m:t>1 −1 </m:t>
+                    </m:r>
+                    <m:r>
+                      <a:rPr lang="en-US" altLang="ko-KR" sz="4400" b="0" i="1" smtClean="0">
+                        <a:solidFill>
+                          <a:schemeClr val="tx1"/>
+                        </a:solidFill>
+                        <a:latin typeface="Cambria Math" panose="02040503050406030204" pitchFamily="18" charset="0"/>
+                      </a:rPr>
+                      <m:t>𝑒𝑝𝑜𝑐h</m:t>
+                    </m:r>
+                  </m:oMath>
+                </a14:m>
+                <a:r>
+                  <a:rPr lang="ko-KR" altLang="en-US" sz="4400" dirty="0">
+                    <a:solidFill>
+                      <a:schemeClr val="tx1"/>
+                    </a:solidFill>
+                  </a:rPr>
+                  <a:t> </a:t>
+                </a:r>
+                <a:br>
+                  <a:rPr lang="ko-KR" altLang="en-US" sz="4400" dirty="0">
+                    <a:solidFill>
+                      <a:schemeClr val="tx1"/>
+                    </a:solidFill>
+                  </a:rPr>
+                </a:br>
+                <a:endParaRPr lang="ko-KR" altLang="en-US" dirty="0"/>
+              </a:p>
+            </p:txBody>
+          </p:sp>
+        </mc:Choice>
+        <mc:Fallback xmlns="">
+          <p:sp>
+            <p:nvSpPr>
+              <p:cNvPr id="15" name="제목 8">
+                <a:extLst>
+                  <a:ext uri="{FF2B5EF4-FFF2-40B4-BE49-F238E27FC236}">
+                    <a16:creationId xmlns:a16="http://schemas.microsoft.com/office/drawing/2014/main" id="{B9B67E39-F16C-4BF8-A239-952FC6F80A22}"/>
+                  </a:ext>
+                </a:extLst>
+              </p:cNvPr>
+              <p:cNvSpPr>
+                <a:spLocks noGrp="1" noRot="1" noChangeAspect="1" noMove="1" noResize="1" noEditPoints="1" noAdjustHandles="1" noChangeArrowheads="1" noChangeShapeType="1" noTextEdit="1"/>
+              </p:cNvSpPr>
+              <p:nvPr>
+                <p:ph type="title"/>
+              </p:nvPr>
+            </p:nvSpPr>
+            <p:spPr>
+              <a:xfrm>
+                <a:off x="428625" y="520885"/>
+                <a:ext cx="10515600" cy="1325563"/>
+              </a:xfrm>
+              <a:blipFill>
+                <a:blip r:embed="rId2"/>
+                <a:stretch>
+                  <a:fillRect t="-27982"/>
+                </a:stretch>
+              </a:blipFill>
+            </p:spPr>
+            <p:txBody>
+              <a:bodyPr/>
+              <a:lstStyle/>
+              <a:p>
+                <a:r>
+                  <a:rPr lang="ko-KR" altLang="en-US">
+                    <a:noFill/>
+                  </a:rPr>
+                  <a:t> </a:t>
+                </a:r>
+              </a:p>
+            </p:txBody>
+          </p:sp>
+        </mc:Fallback>
+      </mc:AlternateContent>
+      <mc:AlternateContent xmlns:mc="http://schemas.openxmlformats.org/markup-compatibility/2006" xmlns:a14="http://schemas.microsoft.com/office/drawing/2010/main">
+        <mc:Choice Requires="a14">
+          <p:graphicFrame>
+            <p:nvGraphicFramePr>
+              <p:cNvPr id="16" name="표 6">
+                <a:extLst>
+                  <a:ext uri="{FF2B5EF4-FFF2-40B4-BE49-F238E27FC236}">
+                    <a16:creationId xmlns:a16="http://schemas.microsoft.com/office/drawing/2014/main" id="{9D80DBD8-B715-4CCA-A2C5-52BFA6CF1338}"/>
+                  </a:ext>
+                </a:extLst>
+              </p:cNvPr>
+              <p:cNvGraphicFramePr>
+                <a:graphicFrameLocks noGrp="1"/>
+              </p:cNvGraphicFramePr>
+              <p:nvPr>
+                <p:extLst>
+                  <p:ext uri="{D42A27DB-BD31-4B8C-83A1-F6EECF244321}">
+                    <p14:modId xmlns:p14="http://schemas.microsoft.com/office/powerpoint/2010/main" val="664165191"/>
+                  </p:ext>
+                </p:extLst>
+              </p:nvPr>
+            </p:nvGraphicFramePr>
+            <p:xfrm>
+              <a:off x="0" y="1866676"/>
+              <a:ext cx="12192000" cy="391668"/>
+            </p:xfrm>
+            <a:graphic>
+              <a:graphicData uri="http://schemas.openxmlformats.org/drawingml/2006/table">
+                <a:tbl>
+                  <a:tblPr firstRow="1" bandRow="1">
+                    <a:tableStyleId>{073A0DAA-6AF3-43AB-8588-CEC1D06C72B9}</a:tableStyleId>
+                  </a:tblPr>
+                  <a:tblGrid>
+                    <a:gridCol w="6096000">
+                      <a:extLst>
+                        <a:ext uri="{9D8B030D-6E8A-4147-A177-3AD203B41FA5}">
+                          <a16:colId xmlns:a16="http://schemas.microsoft.com/office/drawing/2014/main" val="1380535094"/>
+                        </a:ext>
+                      </a:extLst>
+                    </a:gridCol>
+                    <a:gridCol w="6096000">
+                      <a:extLst>
+                        <a:ext uri="{9D8B030D-6E8A-4147-A177-3AD203B41FA5}">
+                          <a16:colId xmlns:a16="http://schemas.microsoft.com/office/drawing/2014/main" val="3898479080"/>
+                        </a:ext>
+                      </a:extLst>
+                    </a:gridCol>
+                  </a:tblGrid>
+                  <a:tr h="370840">
+                    <a:tc>
+                      <a:txBody>
+                        <a:bodyPr/>
+                        <a:lstStyle/>
+                        <a:p>
+                          <a:pPr marL="0" marR="0" lvl="0" indent="0" algn="l" defTabSz="914400" rtl="0" eaLnBrk="1" fontAlgn="auto" latinLnBrk="1" hangingPunct="1">
+                            <a:lnSpc>
+                              <a:spcPct val="100000"/>
+                            </a:lnSpc>
+                            <a:spcBef>
+                              <a:spcPts val="0"/>
+                            </a:spcBef>
+                            <a:spcAft>
+                              <a:spcPts val="0"/>
+                            </a:spcAft>
+                            <a:buClrTx/>
+                            <a:buSzTx/>
+                            <a:buFontTx/>
+                            <a:buNone/>
+                            <a:tabLst/>
+                            <a:defRPr/>
+                          </a:pPr>
+                          <a14:m>
+                            <m:oMathPara xmlns:m="http://schemas.openxmlformats.org/officeDocument/2006/math">
+                              <m:oMathParaPr>
+                                <m:jc m:val="centerGroup"/>
+                              </m:oMathParaPr>
+                              <m:oMath xmlns:m="http://schemas.openxmlformats.org/officeDocument/2006/math">
+                                <m:sSub>
+                                  <m:sSubPr>
+                                    <m:ctrlPr>
+                                      <a:rPr kumimoji="0" lang="en-US" altLang="ko-KR" sz="1800" b="1" i="1" u="none" strike="noStrike" kern="1200" cap="none" spc="0" normalizeH="0" baseline="0" noProof="0" dirty="0" smtClean="0">
+                                        <a:ln>
+                                          <a:noFill/>
+                                        </a:ln>
+                                        <a:solidFill>
+                                          <a:prstClr val="white"/>
+                                        </a:solidFill>
+                                        <a:effectLst/>
+                                        <a:uLnTx/>
+                                        <a:uFillTx/>
+                                        <a:latin typeface="Cambria Math" panose="02040503050406030204" pitchFamily="18" charset="0"/>
+                                        <a:cs typeface="+mn-cs"/>
+                                      </a:rPr>
+                                    </m:ctrlPr>
+                                  </m:sSubPr>
+                                  <m:e>
+                                    <m:r>
+                                      <a:rPr kumimoji="0" lang="en-US" altLang="ko-KR" sz="1800" b="1" i="0" u="none" strike="noStrike" kern="1200" cap="none" spc="0" normalizeH="0" baseline="0" noProof="0" dirty="0" smtClean="0">
+                                        <a:ln>
+                                          <a:noFill/>
+                                        </a:ln>
+                                        <a:solidFill>
+                                          <a:prstClr val="white"/>
+                                        </a:solidFill>
+                                        <a:effectLst/>
+                                        <a:uLnTx/>
+                                        <a:uFillTx/>
+                                        <a:latin typeface="Cambria Math" panose="02040503050406030204" pitchFamily="18" charset="0"/>
+                                        <a:cs typeface="+mn-cs"/>
+                                      </a:rPr>
+                                      <m:t>𝑍</m:t>
+                                    </m:r>
+                                  </m:e>
+                                  <m:sub>
+                                    <m:r>
+                                      <a:rPr kumimoji="0" lang="en-US" altLang="ko-KR" sz="1800" b="1" i="0" u="none" strike="noStrike" kern="1200" cap="none" spc="0" normalizeH="0" baseline="0" noProof="0" dirty="0" smtClean="0">
+                                        <a:ln>
+                                          <a:noFill/>
+                                        </a:ln>
+                                        <a:solidFill>
+                                          <a:prstClr val="white"/>
+                                        </a:solidFill>
+                                        <a:effectLst/>
+                                        <a:uLnTx/>
+                                        <a:uFillTx/>
+                                        <a:latin typeface="Cambria Math" panose="02040503050406030204" pitchFamily="18" charset="0"/>
+                                        <a:cs typeface="+mn-cs"/>
+                                      </a:rPr>
+                                      <m:t>𝐷𝑖</m:t>
+                                    </m:r>
+                                    <m:r>
+                                      <a:rPr kumimoji="0" lang="en-US" altLang="ko-KR" sz="1800" b="1" i="0" u="none" strike="noStrike" kern="1200" cap="none" spc="0" normalizeH="0" baseline="0" noProof="0" dirty="0" smtClean="0">
+                                        <a:ln>
+                                          <a:noFill/>
+                                        </a:ln>
+                                        <a:solidFill>
+                                          <a:prstClr val="white"/>
+                                        </a:solidFill>
+                                        <a:effectLst/>
+                                        <a:uLnTx/>
+                                        <a:uFillTx/>
+                                        <a:latin typeface="Cambria Math" panose="02040503050406030204" pitchFamily="18" charset="0"/>
+                                        <a:cs typeface="+mn-cs"/>
+                                      </a:rPr>
+                                      <m:t>𝐦</m:t>
+                                    </m:r>
+                                  </m:sub>
+                                </m:sSub>
+                                <m:r>
+                                  <a:rPr kumimoji="0" lang="en-US" altLang="ko-KR" sz="1800" b="1" i="0" u="none" strike="noStrike" kern="1200" cap="none" spc="0" normalizeH="0" baseline="0" noProof="0" dirty="0" smtClean="0">
+                                    <a:ln>
+                                      <a:noFill/>
+                                    </a:ln>
+                                    <a:solidFill>
+                                      <a:prstClr val="white"/>
+                                    </a:solidFill>
+                                    <a:effectLst/>
+                                    <a:uLnTx/>
+                                    <a:uFillTx/>
+                                    <a:latin typeface="Cambria Math" panose="02040503050406030204" pitchFamily="18" charset="0"/>
+                                    <a:cs typeface="+mn-cs"/>
+                                  </a:rPr>
+                                  <m:t>=</m:t>
+                                </m:r>
+                                <m:r>
+                                  <a:rPr kumimoji="0" lang="en-US" altLang="ko-KR" sz="1800" b="1" i="0" u="none" strike="noStrike" kern="1200" cap="none" spc="0" normalizeH="0" baseline="0" noProof="0" dirty="0" smtClean="0">
+                                    <a:ln>
+                                      <a:noFill/>
+                                    </a:ln>
+                                    <a:solidFill>
+                                      <a:prstClr val="white"/>
+                                    </a:solidFill>
+                                    <a:effectLst/>
+                                    <a:uLnTx/>
+                                    <a:uFillTx/>
+                                    <a:latin typeface="Cambria Math" panose="02040503050406030204" pitchFamily="18" charset="0"/>
+                                    <a:cs typeface="+mn-cs"/>
+                                  </a:rPr>
+                                  <m:t>𝟐𝟓</m:t>
+                                </m:r>
+                                <m:r>
+                                  <a:rPr kumimoji="0" lang="en-US" altLang="ko-KR" sz="1800" b="1" i="0" u="none" strike="noStrike" kern="1200" cap="none" spc="0" normalizeH="0" baseline="0" noProof="0" dirty="0" smtClean="0">
+                                    <a:ln>
+                                      <a:noFill/>
+                                    </a:ln>
+                                    <a:solidFill>
+                                      <a:prstClr val="white"/>
+                                    </a:solidFill>
+                                    <a:effectLst/>
+                                    <a:uLnTx/>
+                                    <a:uFillTx/>
+                                    <a:latin typeface="Cambria Math" panose="02040503050406030204" pitchFamily="18" charset="0"/>
+                                    <a:cs typeface="+mn-cs"/>
+                                  </a:rPr>
+                                  <m:t>,  </m:t>
+                                </m:r>
+                                <m:r>
+                                  <a:rPr kumimoji="0" lang="en-US" altLang="ko-KR" sz="1800" b="0" i="1" u="none" strike="noStrike" kern="1200" cap="none" spc="0" normalizeH="0" baseline="0" noProof="0" dirty="0" smtClean="0">
+                                    <a:ln>
+                                      <a:noFill/>
+                                    </a:ln>
+                                    <a:solidFill>
+                                      <a:prstClr val="white"/>
+                                    </a:solidFill>
+                                    <a:effectLst/>
+                                    <a:uLnTx/>
+                                    <a:uFillTx/>
+                                    <a:latin typeface="Cambria Math" panose="02040503050406030204" pitchFamily="18" charset="0"/>
+                                    <a:cs typeface="+mn-cs"/>
+                                  </a:rPr>
+                                  <m:t>𝛼</m:t>
+                                </m:r>
+                                <m:r>
+                                  <a:rPr kumimoji="0" lang="en-US" altLang="ko-KR" sz="1800" b="0" i="0" u="none" strike="noStrike" kern="1200" cap="none" spc="0" normalizeH="0" baseline="0" noProof="0" dirty="0" smtClean="0">
+                                    <a:ln>
+                                      <a:noFill/>
+                                    </a:ln>
+                                    <a:solidFill>
+                                      <a:prstClr val="white"/>
+                                    </a:solidFill>
+                                    <a:effectLst/>
+                                    <a:uLnTx/>
+                                    <a:uFillTx/>
+                                    <a:latin typeface="Cambria Math" panose="02040503050406030204" pitchFamily="18" charset="0"/>
+                                    <a:cs typeface="+mn-cs"/>
+                                  </a:rPr>
+                                  <m:t>=0.8,    </m:t>
+                                </m:r>
+                                <m:sSub>
+                                  <m:sSubPr>
+                                    <m:ctrlPr>
+                                      <a:rPr kumimoji="0" lang="en-US" altLang="ko-KR" sz="1800" b="0" i="1" u="none" strike="noStrike" kern="1200" cap="none" spc="0" normalizeH="0" baseline="0" noProof="0" dirty="0" smtClean="0">
+                                        <a:ln>
+                                          <a:noFill/>
+                                        </a:ln>
+                                        <a:solidFill>
+                                          <a:prstClr val="white"/>
+                                        </a:solidFill>
+                                        <a:effectLst/>
+                                        <a:uLnTx/>
+                                        <a:uFillTx/>
+                                        <a:latin typeface="Cambria Math" panose="02040503050406030204" pitchFamily="18" charset="0"/>
+                                        <a:cs typeface="+mn-cs"/>
+                                      </a:rPr>
+                                    </m:ctrlPr>
+                                  </m:sSubPr>
+                                  <m:e>
+                                    <m:r>
+                                      <m:rPr>
+                                        <m:sty m:val="p"/>
+                                      </m:rPr>
+                                      <a:rPr kumimoji="0" lang="en-US" altLang="ko-KR" sz="1800" b="0" i="0" u="none" strike="noStrike" kern="1200" cap="none" spc="0" normalizeH="0" baseline="0" noProof="0" dirty="0" smtClean="0">
+                                        <a:ln>
+                                          <a:noFill/>
+                                        </a:ln>
+                                        <a:solidFill>
+                                          <a:prstClr val="white"/>
+                                        </a:solidFill>
+                                        <a:effectLst/>
+                                        <a:uLnTx/>
+                                        <a:uFillTx/>
+                                        <a:latin typeface="Cambria Math" panose="02040503050406030204" pitchFamily="18" charset="0"/>
+                                        <a:cs typeface="+mn-cs"/>
+                                      </a:rPr>
+                                      <m:t>P</m:t>
+                                    </m:r>
+                                  </m:e>
+                                  <m:sub>
+                                    <m:r>
+                                      <m:rPr>
+                                        <m:sty m:val="p"/>
+                                      </m:rPr>
+                                      <a:rPr kumimoji="0" lang="en-US" altLang="ko-KR" sz="1800" b="0" i="0" u="none" strike="noStrike" kern="1200" cap="none" spc="0" normalizeH="0" baseline="0" noProof="0" dirty="0" smtClean="0">
+                                        <a:ln>
+                                          <a:noFill/>
+                                        </a:ln>
+                                        <a:solidFill>
+                                          <a:prstClr val="white"/>
+                                        </a:solidFill>
+                                        <a:effectLst/>
+                                        <a:uLnTx/>
+                                        <a:uFillTx/>
+                                        <a:latin typeface="Cambria Math" panose="02040503050406030204" pitchFamily="18" charset="0"/>
+                                        <a:cs typeface="+mn-cs"/>
+                                      </a:rPr>
+                                      <m:t>annealing</m:t>
+                                    </m:r>
+                                  </m:sub>
+                                </m:sSub>
+                                <m:r>
+                                  <a:rPr kumimoji="0" lang="en-US" altLang="ko-KR" sz="1800" b="0" i="0" u="none" strike="noStrike" kern="1200" cap="none" spc="0" normalizeH="0" baseline="0" noProof="0" dirty="0" smtClean="0">
+                                    <a:ln>
+                                      <a:noFill/>
+                                    </a:ln>
+                                    <a:solidFill>
+                                      <a:prstClr val="white"/>
+                                    </a:solidFill>
+                                    <a:effectLst/>
+                                    <a:uLnTx/>
+                                    <a:uFillTx/>
+                                    <a:latin typeface="Cambria Math" panose="02040503050406030204" pitchFamily="18" charset="0"/>
+                                    <a:cs typeface="+mn-cs"/>
+                                  </a:rPr>
+                                  <m:t>=500</m:t>
+                                </m:r>
+                              </m:oMath>
+                            </m:oMathPara>
+                          </a14:m>
+                          <a:endParaRPr kumimoji="0" lang="ko-KR" altLang="en-US" sz="1800" b="1" i="0" u="none" strike="noStrike" kern="1200" cap="none" spc="0" normalizeH="0" baseline="0" noProof="0" dirty="0">
+                            <a:ln>
+                              <a:noFill/>
+                            </a:ln>
+                            <a:solidFill>
+                              <a:prstClr val="white"/>
+                            </a:solidFill>
+                            <a:effectLst/>
+                            <a:uLnTx/>
+                            <a:uFillTx/>
+                            <a:latin typeface="맑은 고딕" panose="020F0502020204030204"/>
+                            <a:ea typeface="맑은 고딕" panose="020B0503020000020004" pitchFamily="50" charset="-127"/>
+                            <a:cs typeface="+mn-cs"/>
+                          </a:endParaRPr>
+                        </a:p>
+                      </a:txBody>
+                      <a:tcPr/>
+                    </a:tc>
+                    <a:tc>
+                      <a:txBody>
+                        <a:bodyPr/>
+                        <a:lstStyle/>
+                        <a:p>
+                          <a:pPr marL="0" marR="0" lvl="0" indent="0" algn="l" defTabSz="914400" rtl="0" eaLnBrk="1" fontAlgn="auto" latinLnBrk="1" hangingPunct="1">
+                            <a:lnSpc>
+                              <a:spcPct val="100000"/>
+                            </a:lnSpc>
+                            <a:spcBef>
+                              <a:spcPts val="0"/>
+                            </a:spcBef>
+                            <a:spcAft>
+                              <a:spcPts val="0"/>
+                            </a:spcAft>
+                            <a:buClrTx/>
+                            <a:buSzTx/>
+                            <a:buFontTx/>
+                            <a:buNone/>
+                            <a:tabLst/>
+                            <a:defRPr/>
+                          </a:pPr>
+                          <a14:m>
+                            <m:oMathPara xmlns:m="http://schemas.openxmlformats.org/officeDocument/2006/math">
+                              <m:oMathParaPr>
+                                <m:jc m:val="centerGroup"/>
+                              </m:oMathParaPr>
+                              <m:oMath xmlns:m="http://schemas.openxmlformats.org/officeDocument/2006/math">
+                                <m:sSub>
+                                  <m:sSubPr>
+                                    <m:ctrlPr>
+                                      <a:rPr kumimoji="0" lang="en-US" altLang="ko-KR" sz="1800" b="1" i="1" u="none" strike="noStrike" kern="1200" cap="none" spc="0" normalizeH="0" baseline="0" noProof="0" dirty="0" smtClean="0">
+                                        <a:ln>
+                                          <a:noFill/>
+                                        </a:ln>
+                                        <a:solidFill>
+                                          <a:prstClr val="white"/>
+                                        </a:solidFill>
+                                        <a:effectLst/>
+                                        <a:uLnTx/>
+                                        <a:uFillTx/>
+                                        <a:latin typeface="Cambria Math" panose="02040503050406030204" pitchFamily="18" charset="0"/>
+                                        <a:cs typeface="+mn-cs"/>
+                                      </a:rPr>
+                                    </m:ctrlPr>
+                                  </m:sSubPr>
+                                  <m:e>
+                                    <m:r>
+                                      <a:rPr kumimoji="0" lang="en-US" altLang="ko-KR" sz="1800" b="1" i="0" u="none" strike="noStrike" kern="1200" cap="none" spc="0" normalizeH="0" baseline="0" noProof="0" dirty="0" smtClean="0">
+                                        <a:ln>
+                                          <a:noFill/>
+                                        </a:ln>
+                                        <a:solidFill>
+                                          <a:prstClr val="white"/>
+                                        </a:solidFill>
+                                        <a:effectLst/>
+                                        <a:uLnTx/>
+                                        <a:uFillTx/>
+                                        <a:latin typeface="Cambria Math" panose="02040503050406030204" pitchFamily="18" charset="0"/>
+                                        <a:cs typeface="+mn-cs"/>
+                                      </a:rPr>
+                                      <m:t>𝑍</m:t>
+                                    </m:r>
+                                  </m:e>
+                                  <m:sub>
+                                    <m:r>
+                                      <a:rPr kumimoji="0" lang="en-US" altLang="ko-KR" sz="1800" b="1" i="0" u="none" strike="noStrike" kern="1200" cap="none" spc="0" normalizeH="0" baseline="0" noProof="0" dirty="0" smtClean="0">
+                                        <a:ln>
+                                          <a:noFill/>
+                                        </a:ln>
+                                        <a:solidFill>
+                                          <a:prstClr val="white"/>
+                                        </a:solidFill>
+                                        <a:effectLst/>
+                                        <a:uLnTx/>
+                                        <a:uFillTx/>
+                                        <a:latin typeface="Cambria Math" panose="02040503050406030204" pitchFamily="18" charset="0"/>
+                                        <a:cs typeface="+mn-cs"/>
+                                      </a:rPr>
+                                      <m:t>𝐷𝑖</m:t>
+                                    </m:r>
+                                    <m:r>
+                                      <a:rPr kumimoji="0" lang="en-US" altLang="ko-KR" sz="1800" b="1" i="0" u="none" strike="noStrike" kern="1200" cap="none" spc="0" normalizeH="0" baseline="0" noProof="0" dirty="0" smtClean="0">
+                                        <a:ln>
+                                          <a:noFill/>
+                                        </a:ln>
+                                        <a:solidFill>
+                                          <a:prstClr val="white"/>
+                                        </a:solidFill>
+                                        <a:effectLst/>
+                                        <a:uLnTx/>
+                                        <a:uFillTx/>
+                                        <a:latin typeface="Cambria Math" panose="02040503050406030204" pitchFamily="18" charset="0"/>
+                                        <a:cs typeface="+mn-cs"/>
+                                      </a:rPr>
+                                      <m:t>𝐦</m:t>
+                                    </m:r>
+                                  </m:sub>
+                                </m:sSub>
+                                <m:r>
+                                  <a:rPr kumimoji="0" lang="en-US" altLang="ko-KR" sz="1800" b="1" i="0" u="none" strike="noStrike" kern="1200" cap="none" spc="0" normalizeH="0" baseline="0" noProof="0" dirty="0" smtClean="0">
+                                    <a:ln>
+                                      <a:noFill/>
+                                    </a:ln>
+                                    <a:solidFill>
+                                      <a:prstClr val="white"/>
+                                    </a:solidFill>
+                                    <a:effectLst/>
+                                    <a:uLnTx/>
+                                    <a:uFillTx/>
+                                    <a:latin typeface="Cambria Math" panose="02040503050406030204" pitchFamily="18" charset="0"/>
+                                    <a:cs typeface="+mn-cs"/>
+                                  </a:rPr>
+                                  <m:t>=</m:t>
+                                </m:r>
+                                <m:r>
+                                  <a:rPr kumimoji="0" lang="en-US" altLang="ko-KR" sz="1800" b="1" i="0" u="none" strike="noStrike" kern="1200" cap="none" spc="0" normalizeH="0" baseline="0" noProof="0" dirty="0" smtClean="0">
+                                    <a:ln>
+                                      <a:noFill/>
+                                    </a:ln>
+                                    <a:solidFill>
+                                      <a:prstClr val="white"/>
+                                    </a:solidFill>
+                                    <a:effectLst/>
+                                    <a:uLnTx/>
+                                    <a:uFillTx/>
+                                    <a:latin typeface="Cambria Math" panose="02040503050406030204" pitchFamily="18" charset="0"/>
+                                    <a:cs typeface="+mn-cs"/>
+                                  </a:rPr>
+                                  <m:t>𝟐𝟓</m:t>
+                                </m:r>
+                                <m:r>
+                                  <a:rPr kumimoji="0" lang="en-US" altLang="ko-KR" sz="1800" b="1" i="0" u="none" strike="noStrike" kern="1200" cap="none" spc="0" normalizeH="0" baseline="0" noProof="0" dirty="0" smtClean="0">
+                                    <a:ln>
+                                      <a:noFill/>
+                                    </a:ln>
+                                    <a:solidFill>
+                                      <a:prstClr val="white"/>
+                                    </a:solidFill>
+                                    <a:effectLst/>
+                                    <a:uLnTx/>
+                                    <a:uFillTx/>
+                                    <a:latin typeface="Cambria Math" panose="02040503050406030204" pitchFamily="18" charset="0"/>
+                                    <a:cs typeface="+mn-cs"/>
+                                  </a:rPr>
+                                  <m:t>,  </m:t>
+                                </m:r>
+                                <m:r>
+                                  <a:rPr kumimoji="0" lang="en-US" altLang="ko-KR" sz="1800" b="0" i="1" u="none" strike="noStrike" kern="1200" cap="none" spc="0" normalizeH="0" baseline="0" noProof="0" dirty="0" smtClean="0">
+                                    <a:ln>
+                                      <a:noFill/>
+                                    </a:ln>
+                                    <a:solidFill>
+                                      <a:prstClr val="white"/>
+                                    </a:solidFill>
+                                    <a:effectLst/>
+                                    <a:uLnTx/>
+                                    <a:uFillTx/>
+                                    <a:latin typeface="Cambria Math" panose="02040503050406030204" pitchFamily="18" charset="0"/>
+                                    <a:cs typeface="+mn-cs"/>
+                                  </a:rPr>
+                                  <m:t>𝛼</m:t>
+                                </m:r>
+                                <m:r>
+                                  <a:rPr kumimoji="0" lang="en-US" altLang="ko-KR" sz="1800" b="0" i="0" u="none" strike="noStrike" kern="1200" cap="none" spc="0" normalizeH="0" baseline="0" noProof="0" dirty="0" smtClean="0">
+                                    <a:ln>
+                                      <a:noFill/>
+                                    </a:ln>
+                                    <a:solidFill>
+                                      <a:prstClr val="white"/>
+                                    </a:solidFill>
+                                    <a:effectLst/>
+                                    <a:uLnTx/>
+                                    <a:uFillTx/>
+                                    <a:latin typeface="Cambria Math" panose="02040503050406030204" pitchFamily="18" charset="0"/>
+                                    <a:cs typeface="+mn-cs"/>
+                                  </a:rPr>
+                                  <m:t>=0.8,    </m:t>
+                                </m:r>
+                                <m:sSub>
+                                  <m:sSubPr>
+                                    <m:ctrlPr>
+                                      <a:rPr kumimoji="0" lang="en-US" altLang="ko-KR" sz="1800" b="0" i="1" u="none" strike="noStrike" kern="1200" cap="none" spc="0" normalizeH="0" baseline="0" noProof="0" dirty="0" smtClean="0">
+                                        <a:ln>
+                                          <a:noFill/>
+                                        </a:ln>
+                                        <a:solidFill>
+                                          <a:prstClr val="white"/>
+                                        </a:solidFill>
+                                        <a:effectLst/>
+                                        <a:uLnTx/>
+                                        <a:uFillTx/>
+                                        <a:latin typeface="Cambria Math" panose="02040503050406030204" pitchFamily="18" charset="0"/>
+                                        <a:cs typeface="+mn-cs"/>
+                                      </a:rPr>
+                                    </m:ctrlPr>
+                                  </m:sSubPr>
+                                  <m:e>
+                                    <m:r>
+                                      <m:rPr>
+                                        <m:sty m:val="p"/>
+                                      </m:rPr>
+                                      <a:rPr kumimoji="0" lang="en-US" altLang="ko-KR" sz="1800" b="0" i="0" u="none" strike="noStrike" kern="1200" cap="none" spc="0" normalizeH="0" baseline="0" noProof="0" dirty="0" smtClean="0">
+                                        <a:ln>
+                                          <a:noFill/>
+                                        </a:ln>
+                                        <a:solidFill>
+                                          <a:prstClr val="white"/>
+                                        </a:solidFill>
+                                        <a:effectLst/>
+                                        <a:uLnTx/>
+                                        <a:uFillTx/>
+                                        <a:latin typeface="Cambria Math" panose="02040503050406030204" pitchFamily="18" charset="0"/>
+                                        <a:cs typeface="+mn-cs"/>
+                                      </a:rPr>
+                                      <m:t>P</m:t>
+                                    </m:r>
+                                  </m:e>
+                                  <m:sub>
+                                    <m:r>
+                                      <m:rPr>
+                                        <m:sty m:val="p"/>
+                                      </m:rPr>
+                                      <a:rPr kumimoji="0" lang="en-US" altLang="ko-KR" sz="1800" b="0" i="0" u="none" strike="noStrike" kern="1200" cap="none" spc="0" normalizeH="0" baseline="0" noProof="0" dirty="0" smtClean="0">
+                                        <a:ln>
+                                          <a:noFill/>
+                                        </a:ln>
+                                        <a:solidFill>
+                                          <a:prstClr val="white"/>
+                                        </a:solidFill>
+                                        <a:effectLst/>
+                                        <a:uLnTx/>
+                                        <a:uFillTx/>
+                                        <a:latin typeface="Cambria Math" panose="02040503050406030204" pitchFamily="18" charset="0"/>
+                                        <a:cs typeface="+mn-cs"/>
+                                      </a:rPr>
+                                      <m:t>annealing</m:t>
+                                    </m:r>
+                                  </m:sub>
+                                </m:sSub>
+                                <m:r>
+                                  <a:rPr kumimoji="0" lang="en-US" altLang="ko-KR" sz="1800" b="0" i="0" u="none" strike="noStrike" kern="1200" cap="none" spc="0" normalizeH="0" baseline="0" noProof="0" dirty="0" smtClean="0">
+                                    <a:ln>
+                                      <a:noFill/>
+                                    </a:ln>
+                                    <a:solidFill>
+                                      <a:prstClr val="white"/>
+                                    </a:solidFill>
+                                    <a:effectLst/>
+                                    <a:uLnTx/>
+                                    <a:uFillTx/>
+                                    <a:latin typeface="Cambria Math" panose="02040503050406030204" pitchFamily="18" charset="0"/>
+                                    <a:cs typeface="+mn-cs"/>
+                                  </a:rPr>
+                                  <m:t>=1000</m:t>
+                                </m:r>
+                              </m:oMath>
+                            </m:oMathPara>
+                          </a14:m>
+                          <a:endParaRPr kumimoji="0" lang="ko-KR" altLang="en-US" sz="1800" b="1" i="0" u="none" strike="noStrike" kern="1200" cap="none" spc="0" normalizeH="0" baseline="0" noProof="0" dirty="0">
+                            <a:ln>
+                              <a:noFill/>
+                            </a:ln>
+                            <a:solidFill>
+                              <a:prstClr val="white"/>
+                            </a:solidFill>
+                            <a:effectLst/>
+                            <a:uLnTx/>
+                            <a:uFillTx/>
+                            <a:latin typeface="맑은 고딕" panose="020F0502020204030204"/>
+                            <a:ea typeface="맑은 고딕" panose="020B0503020000020004" pitchFamily="50" charset="-127"/>
+                            <a:cs typeface="+mn-cs"/>
+                          </a:endParaRPr>
+                        </a:p>
+                      </a:txBody>
+                      <a:tcPr/>
+                    </a:tc>
+                    <a:extLst>
+                      <a:ext uri="{0D108BD9-81ED-4DB2-BD59-A6C34878D82A}">
+                        <a16:rowId xmlns:a16="http://schemas.microsoft.com/office/drawing/2014/main" val="4104339816"/>
+                      </a:ext>
+                    </a:extLst>
+                  </a:tr>
+                </a:tbl>
+              </a:graphicData>
+            </a:graphic>
+          </p:graphicFrame>
+        </mc:Choice>
+        <mc:Fallback xmlns="">
+          <p:graphicFrame>
+            <p:nvGraphicFramePr>
+              <p:cNvPr id="16" name="표 6">
+                <a:extLst>
+                  <a:ext uri="{FF2B5EF4-FFF2-40B4-BE49-F238E27FC236}">
+                    <a16:creationId xmlns:a16="http://schemas.microsoft.com/office/drawing/2014/main" id="{9D80DBD8-B715-4CCA-A2C5-52BFA6CF1338}"/>
+                  </a:ext>
+                </a:extLst>
+              </p:cNvPr>
+              <p:cNvGraphicFramePr>
+                <a:graphicFrameLocks noGrp="1"/>
+              </p:cNvGraphicFramePr>
+              <p:nvPr>
+                <p:extLst>
+                  <p:ext uri="{D42A27DB-BD31-4B8C-83A1-F6EECF244321}">
+                    <p14:modId xmlns:p14="http://schemas.microsoft.com/office/powerpoint/2010/main" val="664165191"/>
+                  </p:ext>
+                </p:extLst>
+              </p:nvPr>
+            </p:nvGraphicFramePr>
+            <p:xfrm>
+              <a:off x="0" y="1866676"/>
+              <a:ext cx="12192000" cy="391668"/>
+            </p:xfrm>
+            <a:graphic>
+              <a:graphicData uri="http://schemas.openxmlformats.org/drawingml/2006/table">
+                <a:tbl>
+                  <a:tblPr firstRow="1" bandRow="1">
+                    <a:tableStyleId>{073A0DAA-6AF3-43AB-8588-CEC1D06C72B9}</a:tableStyleId>
+                  </a:tblPr>
+                  <a:tblGrid>
+                    <a:gridCol w="6096000">
+                      <a:extLst>
+                        <a:ext uri="{9D8B030D-6E8A-4147-A177-3AD203B41FA5}">
+                          <a16:colId xmlns:a16="http://schemas.microsoft.com/office/drawing/2014/main" val="1380535094"/>
+                        </a:ext>
+                      </a:extLst>
+                    </a:gridCol>
+                    <a:gridCol w="6096000">
+                      <a:extLst>
+                        <a:ext uri="{9D8B030D-6E8A-4147-A177-3AD203B41FA5}">
+                          <a16:colId xmlns:a16="http://schemas.microsoft.com/office/drawing/2014/main" val="3898479080"/>
+                        </a:ext>
+                      </a:extLst>
+                    </a:gridCol>
+                  </a:tblGrid>
+                  <a:tr h="391668">
+                    <a:tc>
+                      <a:txBody>
+                        <a:bodyPr/>
+                        <a:lstStyle/>
+                        <a:p>
+                          <a:endParaRPr lang="ko-KR"/>
+                        </a:p>
+                      </a:txBody>
+                      <a:tcPr>
+                        <a:blipFill>
+                          <a:blip r:embed="rId3"/>
+                          <a:stretch>
+                            <a:fillRect l="-200" t="-1538" r="-100500" b="-9231"/>
+                          </a:stretch>
+                        </a:blipFill>
+                      </a:tcPr>
+                    </a:tc>
+                    <a:tc>
+                      <a:txBody>
+                        <a:bodyPr/>
+                        <a:lstStyle/>
+                        <a:p>
+                          <a:endParaRPr lang="ko-KR"/>
+                        </a:p>
+                      </a:txBody>
+                      <a:tcPr>
+                        <a:blipFill>
+                          <a:blip r:embed="rId3"/>
+                          <a:stretch>
+                            <a:fillRect l="-100200" t="-1538" r="-500" b="-9231"/>
+                          </a:stretch>
+                        </a:blipFill>
+                      </a:tcPr>
+                    </a:tc>
+                    <a:extLst>
+                      <a:ext uri="{0D108BD9-81ED-4DB2-BD59-A6C34878D82A}">
+                        <a16:rowId xmlns:a16="http://schemas.microsoft.com/office/drawing/2014/main" val="4104339816"/>
+                      </a:ext>
+                    </a:extLst>
+                  </a:tr>
+                </a:tbl>
+              </a:graphicData>
+            </a:graphic>
+          </p:graphicFrame>
+        </mc:Fallback>
+      </mc:AlternateContent>
+      <p:pic>
+        <p:nvPicPr>
+          <p:cNvPr id="3" name="그림 2">
+            <a:extLst>
+              <a:ext uri="{FF2B5EF4-FFF2-40B4-BE49-F238E27FC236}">
+                <a16:creationId xmlns:a16="http://schemas.microsoft.com/office/drawing/2014/main" id="{E43D376D-B2D5-4D55-AB73-10E829B29C37}"/>
+              </a:ext>
+            </a:extLst>
+          </p:cNvPr>
+          <p:cNvPicPr>
+            <a:picLocks noChangeAspect="1"/>
+          </p:cNvPicPr>
+          <p:nvPr/>
+        </p:nvPicPr>
+        <p:blipFill>
+          <a:blip r:embed="rId4"/>
+          <a:stretch>
+            <a:fillRect/>
+          </a:stretch>
+        </p:blipFill>
+        <p:spPr>
+          <a:xfrm>
+            <a:off x="336000" y="2580314"/>
+            <a:ext cx="5760000" cy="3614118"/>
+          </a:xfrm>
+          <a:prstGeom prst="rect">
+            <a:avLst/>
+          </a:prstGeom>
+          <a:solidFill>
+            <a:srgbClr val="FFFFFF">
+              <a:shade val="85000"/>
+            </a:srgbClr>
+          </a:solidFill>
+          <a:ln w="88900" cap="sq">
+            <a:solidFill>
+              <a:srgbClr val="FFFFFF"/>
+            </a:solidFill>
+            <a:miter lim="800000"/>
+          </a:ln>
+          <a:effectLst>
+            <a:outerShdw blurRad="55000" dist="18000" dir="5400000" algn="tl" rotWithShape="0">
+              <a:srgbClr val="000000">
+                <a:alpha val="40000"/>
+              </a:srgbClr>
+            </a:outerShdw>
+          </a:effectLst>
+          <a:scene3d>
+            <a:camera prst="orthographicFront"/>
+            <a:lightRig rig="twoPt" dir="t">
+              <a:rot lat="0" lon="0" rev="7200000"/>
+            </a:lightRig>
+          </a:scene3d>
+          <a:sp3d>
+            <a:bevelT w="25400" h="19050"/>
+            <a:contourClr>
+              <a:srgbClr val="FFFFFF"/>
+            </a:contourClr>
+          </a:sp3d>
+        </p:spPr>
+      </p:pic>
+      <p:pic>
+        <p:nvPicPr>
+          <p:cNvPr id="5" name="그림 4">
+            <a:extLst>
+              <a:ext uri="{FF2B5EF4-FFF2-40B4-BE49-F238E27FC236}">
+                <a16:creationId xmlns:a16="http://schemas.microsoft.com/office/drawing/2014/main" id="{89420808-7973-4455-B4AC-0DEE94F78292}"/>
+              </a:ext>
+            </a:extLst>
+          </p:cNvPr>
+          <p:cNvPicPr>
+            <a:picLocks noChangeAspect="1"/>
+          </p:cNvPicPr>
+          <p:nvPr/>
+        </p:nvPicPr>
+        <p:blipFill>
+          <a:blip r:embed="rId5"/>
+          <a:stretch>
+            <a:fillRect/>
+          </a:stretch>
+        </p:blipFill>
+        <p:spPr>
+          <a:xfrm>
+            <a:off x="6376229" y="2594432"/>
+            <a:ext cx="5213165" cy="3600000"/>
+          </a:xfrm>
+          <a:prstGeom prst="rect">
+            <a:avLst/>
+          </a:prstGeom>
+          <a:solidFill>
+            <a:srgbClr val="FFFFFF">
+              <a:shade val="85000"/>
+            </a:srgbClr>
+          </a:solidFill>
+          <a:ln w="88900" cap="sq">
+            <a:solidFill>
+              <a:srgbClr val="FFFFFF"/>
+            </a:solidFill>
+            <a:miter lim="800000"/>
+          </a:ln>
+          <a:effectLst>
+            <a:outerShdw blurRad="55000" dist="18000" dir="5400000" algn="tl" rotWithShape="0">
+              <a:srgbClr val="000000">
+                <a:alpha val="40000"/>
+              </a:srgbClr>
+            </a:outerShdw>
+          </a:effectLst>
+          <a:scene3d>
+            <a:camera prst="orthographicFront"/>
+            <a:lightRig rig="twoPt" dir="t">
+              <a:rot lat="0" lon="0" rev="7200000"/>
+            </a:lightRig>
+          </a:scene3d>
+          <a:sp3d>
+            <a:bevelT w="25400" h="19050"/>
+            <a:contourClr>
+              <a:srgbClr val="FFFFFF"/>
+            </a:contourClr>
+          </a:sp3d>
+        </p:spPr>
+      </p:pic>
+    </p:spTree>
+    <p:extLst>
+      <p:ext uri="{BB962C8B-B14F-4D97-AF65-F5344CB8AC3E}">
+        <p14:creationId xmlns:p14="http://schemas.microsoft.com/office/powerpoint/2010/main" val="1968225613"/>
+      </p:ext>
+    </p:extLst>
+  </p:cSld>
+  <p:clrMapOvr>
+    <a:masterClrMapping/>
+  </p:clrMapOvr>
+</p:sld>
+</file>
+
+<file path=ppt/slides/slide23.xml><?xml version="1.0" encoding="utf-8"?>
+<p:sld xmlns:a="http://schemas.openxmlformats.org/drawingml/2006/main" xmlns:r="http://schemas.openxmlformats.org/officeDocument/2006/relationships" xmlns:p="http://schemas.openxmlformats.org/presentationml/2006/main">
+  <p:cSld>
+    <p:spTree>
+      <p:nvGrpSpPr>
+        <p:cNvPr id="1" name=""/>
+        <p:cNvGrpSpPr/>
+        <p:nvPr/>
+      </p:nvGrpSpPr>
+      <p:grpSpPr>
+        <a:xfrm>
+          <a:off x="0" y="0"/>
+          <a:ext cx="0" cy="0"/>
+          <a:chOff x="0" y="0"/>
+          <a:chExt cx="0" cy="0"/>
+        </a:xfrm>
+      </p:grpSpPr>
+      <mc:AlternateContent xmlns:mc="http://schemas.openxmlformats.org/markup-compatibility/2006" xmlns:a14="http://schemas.microsoft.com/office/drawing/2010/main">
+        <mc:Choice Requires="a14">
+          <p:sp>
+            <p:nvSpPr>
+              <p:cNvPr id="2" name="제목 1">
+                <a:extLst>
+                  <a:ext uri="{FF2B5EF4-FFF2-40B4-BE49-F238E27FC236}">
+                    <a16:creationId xmlns:a16="http://schemas.microsoft.com/office/drawing/2014/main" id="{4EAF6F64-7B71-4908-8712-3F8BEA24B897}"/>
+                  </a:ext>
+                </a:extLst>
+              </p:cNvPr>
+              <p:cNvSpPr>
+                <a:spLocks noGrp="1"/>
+              </p:cNvSpPr>
+              <p:nvPr>
+                <p:ph type="title"/>
+              </p:nvPr>
+            </p:nvSpPr>
+            <p:spPr/>
+            <p:txBody>
+              <a:bodyPr/>
+              <a:lstStyle/>
+              <a:p>
+                <a:pPr/>
+                <a14:m>
+                  <m:oMathPara xmlns:m="http://schemas.openxmlformats.org/officeDocument/2006/math">
+                    <m:oMathParaPr>
+                      <m:jc m:val="centerGroup"/>
+                    </m:oMathParaPr>
+                    <m:oMath xmlns:m="http://schemas.openxmlformats.org/officeDocument/2006/math">
+                      <m:r>
+                        <a:rPr lang="en-US" altLang="ko-KR" b="1" i="1" smtClean="0">
+                          <a:latin typeface="Cambria Math" panose="02040503050406030204" pitchFamily="18" charset="0"/>
+                        </a:rPr>
+                        <m:t>𝑵𝒆𝒙𝒕</m:t>
+                      </m:r>
+                      <m:r>
+                        <a:rPr lang="en-US" altLang="ko-KR" b="1" i="1" smtClean="0">
+                          <a:latin typeface="Cambria Math" panose="02040503050406030204" pitchFamily="18" charset="0"/>
+                        </a:rPr>
+                        <m:t> </m:t>
+                      </m:r>
+                      <m:r>
+                        <a:rPr lang="en-US" altLang="ko-KR" b="1" i="1" smtClean="0">
+                          <a:latin typeface="Cambria Math" panose="02040503050406030204" pitchFamily="18" charset="0"/>
+                        </a:rPr>
+                        <m:t>𝑾𝒐𝒓𝒌</m:t>
+                      </m:r>
+                    </m:oMath>
+                  </m:oMathPara>
+                </a14:m>
+                <a:endParaRPr lang="ko-KR" altLang="en-US" b="1" dirty="0"/>
+              </a:p>
+            </p:txBody>
+          </p:sp>
+        </mc:Choice>
+        <mc:Fallback xmlns="">
+          <p:sp>
+            <p:nvSpPr>
+              <p:cNvPr id="2" name="제목 1">
+                <a:extLst>
+                  <a:ext uri="{FF2B5EF4-FFF2-40B4-BE49-F238E27FC236}">
+                    <a16:creationId xmlns:a16="http://schemas.microsoft.com/office/drawing/2014/main" id="{4EAF6F64-7B71-4908-8712-3F8BEA24B897}"/>
+                  </a:ext>
+                </a:extLst>
+              </p:cNvPr>
+              <p:cNvSpPr>
+                <a:spLocks noGrp="1" noRot="1" noChangeAspect="1" noMove="1" noResize="1" noEditPoints="1" noAdjustHandles="1" noChangeArrowheads="1" noChangeShapeType="1" noTextEdit="1"/>
+              </p:cNvSpPr>
+              <p:nvPr>
+                <p:ph type="title"/>
+              </p:nvPr>
+            </p:nvSpPr>
+            <p:spPr>
+              <a:blipFill>
+                <a:blip r:embed="rId2"/>
+                <a:stretch>
+                  <a:fillRect/>
+                </a:stretch>
+              </a:blipFill>
+            </p:spPr>
+            <p:txBody>
+              <a:bodyPr/>
+              <a:lstStyle/>
+              <a:p>
+                <a:r>
+                  <a:rPr lang="ko-KR" altLang="en-US">
+                    <a:noFill/>
+                  </a:rPr>
+                  <a:t> </a:t>
+                </a:r>
+              </a:p>
+            </p:txBody>
+          </p:sp>
+        </mc:Fallback>
+      </mc:AlternateContent>
+      <p:pic>
+        <p:nvPicPr>
+          <p:cNvPr id="4" name="그림 3">
+            <a:extLst>
+              <a:ext uri="{FF2B5EF4-FFF2-40B4-BE49-F238E27FC236}">
+                <a16:creationId xmlns:a16="http://schemas.microsoft.com/office/drawing/2014/main" id="{24871D5C-D79B-4658-87ED-5BD2655D1204}"/>
+              </a:ext>
+            </a:extLst>
+          </p:cNvPr>
+          <p:cNvPicPr>
+            <a:picLocks noChangeAspect="1"/>
+          </p:cNvPicPr>
+          <p:nvPr/>
+        </p:nvPicPr>
+        <p:blipFill>
+          <a:blip r:embed="rId3"/>
+          <a:stretch>
+            <a:fillRect/>
+          </a:stretch>
+        </p:blipFill>
+        <p:spPr>
+          <a:xfrm>
+            <a:off x="129640" y="2596036"/>
+            <a:ext cx="4219887" cy="4126664"/>
+          </a:xfrm>
+          <a:prstGeom prst="rect">
+            <a:avLst/>
+          </a:prstGeom>
+        </p:spPr>
+      </p:pic>
+      <mc:AlternateContent xmlns:mc="http://schemas.openxmlformats.org/markup-compatibility/2006" xmlns:a14="http://schemas.microsoft.com/office/drawing/2010/main">
+        <mc:Choice Requires="a14">
+          <p:sp>
+            <p:nvSpPr>
+              <p:cNvPr id="5" name="TextBox 4">
+                <a:extLst>
+                  <a:ext uri="{FF2B5EF4-FFF2-40B4-BE49-F238E27FC236}">
+                    <a16:creationId xmlns:a16="http://schemas.microsoft.com/office/drawing/2014/main" id="{A05C060E-936E-4222-9893-DAE288E6E106}"/>
+                  </a:ext>
+                </a:extLst>
+              </p:cNvPr>
+              <p:cNvSpPr txBox="1"/>
+              <p:nvPr/>
+            </p:nvSpPr>
+            <p:spPr>
+              <a:xfrm>
+                <a:off x="1046746" y="1909209"/>
+                <a:ext cx="3605462" cy="523220"/>
+              </a:xfrm>
+              <a:prstGeom prst="rect">
+                <a:avLst/>
+              </a:prstGeom>
+              <a:noFill/>
+            </p:spPr>
+            <p:txBody>
+              <a:bodyPr wrap="square" rtlCol="0">
+                <a:spAutoFit/>
+              </a:bodyPr>
+              <a:lstStyle/>
+              <a:p>
+                <a:pPr/>
+                <a14:m>
+                  <m:oMathPara xmlns:m="http://schemas.openxmlformats.org/officeDocument/2006/math">
+                    <m:oMathParaPr>
+                      <m:jc m:val="centerGroup"/>
+                    </m:oMathParaPr>
+                    <m:oMath xmlns:m="http://schemas.openxmlformats.org/officeDocument/2006/math">
+                      <m:r>
+                        <a:rPr lang="en-US" altLang="ko-KR" sz="2800" b="1" i="1" smtClean="0">
+                          <a:latin typeface="Cambria Math" panose="02040503050406030204" pitchFamily="18" charset="0"/>
+                        </a:rPr>
+                        <m:t>𝟏</m:t>
+                      </m:r>
+                      <m:r>
+                        <a:rPr lang="en-US" altLang="ko-KR" sz="2800" b="1" i="1" smtClean="0">
+                          <a:latin typeface="Cambria Math" panose="02040503050406030204" pitchFamily="18" charset="0"/>
+                        </a:rPr>
+                        <m:t>. </m:t>
+                      </m:r>
+                      <m:r>
+                        <a:rPr lang="en-US" altLang="ko-KR" sz="2800" b="1" i="1" smtClean="0">
+                          <a:latin typeface="Cambria Math" panose="02040503050406030204" pitchFamily="18" charset="0"/>
+                        </a:rPr>
+                        <m:t>𝑮𝒓𝒂𝒅𝒊𝒆𝒏𝒕</m:t>
+                      </m:r>
+                      <m:r>
+                        <a:rPr lang="en-US" altLang="ko-KR" sz="2800" b="1" i="1" smtClean="0">
+                          <a:latin typeface="Cambria Math" panose="02040503050406030204" pitchFamily="18" charset="0"/>
+                        </a:rPr>
+                        <m:t> </m:t>
+                      </m:r>
+                      <m:r>
+                        <a:rPr lang="en-US" altLang="ko-KR" sz="2800" b="1" i="1" smtClean="0">
+                          <a:latin typeface="Cambria Math" panose="02040503050406030204" pitchFamily="18" charset="0"/>
+                        </a:rPr>
+                        <m:t>𝑵𝒐𝒓𝒎</m:t>
+                      </m:r>
+                      <m:r>
+                        <a:rPr lang="en-US" altLang="ko-KR" sz="2800" b="1" i="1" smtClean="0">
+                          <a:latin typeface="Cambria Math" panose="02040503050406030204" pitchFamily="18" charset="0"/>
+                        </a:rPr>
+                        <m:t> </m:t>
+                      </m:r>
+                    </m:oMath>
+                  </m:oMathPara>
+                </a14:m>
+                <a:endParaRPr lang="ko-KR" altLang="en-US" sz="2800" b="1" dirty="0"/>
+              </a:p>
+            </p:txBody>
+          </p:sp>
+        </mc:Choice>
+        <mc:Fallback xmlns="">
+          <p:sp>
+            <p:nvSpPr>
+              <p:cNvPr id="5" name="TextBox 4">
+                <a:extLst>
+                  <a:ext uri="{FF2B5EF4-FFF2-40B4-BE49-F238E27FC236}">
+                    <a16:creationId xmlns:a16="http://schemas.microsoft.com/office/drawing/2014/main" id="{A05C060E-936E-4222-9893-DAE288E6E106}"/>
+                  </a:ext>
+                </a:extLst>
+              </p:cNvPr>
+              <p:cNvSpPr txBox="1">
+                <a:spLocks noRot="1" noChangeAspect="1" noMove="1" noResize="1" noEditPoints="1" noAdjustHandles="1" noChangeArrowheads="1" noChangeShapeType="1" noTextEdit="1"/>
+              </p:cNvSpPr>
+              <p:nvPr/>
+            </p:nvSpPr>
+            <p:spPr>
+              <a:xfrm>
+                <a:off x="1046746" y="1909209"/>
+                <a:ext cx="3605462" cy="523220"/>
+              </a:xfrm>
+              <a:prstGeom prst="rect">
+                <a:avLst/>
+              </a:prstGeom>
+              <a:blipFill>
+                <a:blip r:embed="rId4"/>
+                <a:stretch>
+                  <a:fillRect/>
+                </a:stretch>
+              </a:blipFill>
+            </p:spPr>
+            <p:txBody>
+              <a:bodyPr/>
+              <a:lstStyle/>
+              <a:p>
+                <a:r>
+                  <a:rPr lang="ko-KR" altLang="en-US">
+                    <a:noFill/>
+                  </a:rPr>
+                  <a:t> </a:t>
+                </a:r>
+              </a:p>
+            </p:txBody>
+          </p:sp>
+        </mc:Fallback>
+      </mc:AlternateContent>
+      <mc:AlternateContent xmlns:mc="http://schemas.openxmlformats.org/markup-compatibility/2006" xmlns:a14="http://schemas.microsoft.com/office/drawing/2010/main">
+        <mc:Choice Requires="a14">
+          <p:sp>
+            <p:nvSpPr>
+              <p:cNvPr id="6" name="TextBox 5">
+                <a:extLst>
+                  <a:ext uri="{FF2B5EF4-FFF2-40B4-BE49-F238E27FC236}">
+                    <a16:creationId xmlns:a16="http://schemas.microsoft.com/office/drawing/2014/main" id="{B9992F32-CD51-4811-A2D3-2B2033F81AFD}"/>
+                  </a:ext>
+                </a:extLst>
+              </p:cNvPr>
+              <p:cNvSpPr txBox="1"/>
+              <p:nvPr/>
+            </p:nvSpPr>
+            <p:spPr>
+              <a:xfrm>
+                <a:off x="7166812" y="2001541"/>
+                <a:ext cx="3461084" cy="461665"/>
+              </a:xfrm>
+              <a:prstGeom prst="rect">
+                <a:avLst/>
+              </a:prstGeom>
+              <a:noFill/>
+            </p:spPr>
+            <p:txBody>
+              <a:bodyPr wrap="square" rtlCol="0">
+                <a:spAutoFit/>
+              </a:bodyPr>
+              <a:lstStyle/>
+              <a:p>
+                <a:pPr/>
+                <a14:m>
+                  <m:oMathPara xmlns:m="http://schemas.openxmlformats.org/officeDocument/2006/math">
+                    <m:oMathParaPr>
+                      <m:jc m:val="centerGroup"/>
+                    </m:oMathParaPr>
+                    <m:oMath xmlns:m="http://schemas.openxmlformats.org/officeDocument/2006/math">
+                      <m:r>
+                        <a:rPr lang="en-US" altLang="ko-KR" sz="2400" b="1" i="1" smtClean="0">
+                          <a:latin typeface="Cambria Math" panose="02040503050406030204" pitchFamily="18" charset="0"/>
+                        </a:rPr>
+                        <m:t>𝟐</m:t>
+                      </m:r>
+                      <m:r>
+                        <a:rPr lang="en-US" altLang="ko-KR" sz="2400" b="1" i="1" smtClean="0">
+                          <a:latin typeface="Cambria Math" panose="02040503050406030204" pitchFamily="18" charset="0"/>
+                        </a:rPr>
+                        <m:t>. </m:t>
+                      </m:r>
+                      <m:r>
+                        <a:rPr lang="en-US" altLang="ko-KR" sz="2400" b="1" i="1" smtClean="0">
+                          <a:latin typeface="Cambria Math" panose="02040503050406030204" pitchFamily="18" charset="0"/>
+                        </a:rPr>
+                        <m:t>𝑹𝑶𝑼𝑮𝑬</m:t>
+                      </m:r>
+                      <m:r>
+                        <a:rPr lang="en-US" altLang="ko-KR" sz="2400" b="1" i="1" smtClean="0">
+                          <a:latin typeface="Cambria Math" panose="02040503050406030204" pitchFamily="18" charset="0"/>
+                        </a:rPr>
+                        <m:t> </m:t>
+                      </m:r>
+                      <m:r>
+                        <a:rPr lang="en-US" altLang="ko-KR" sz="2400" b="1" i="1" smtClean="0">
+                          <a:latin typeface="Cambria Math" panose="02040503050406030204" pitchFamily="18" charset="0"/>
+                        </a:rPr>
+                        <m:t>𝑺𝒄𝒐𝒓𝒆</m:t>
+                      </m:r>
+                      <m:r>
+                        <a:rPr lang="en-US" altLang="ko-KR" sz="2400" b="1" i="1" smtClean="0">
+                          <a:latin typeface="Cambria Math" panose="02040503050406030204" pitchFamily="18" charset="0"/>
+                        </a:rPr>
+                        <m:t> </m:t>
+                      </m:r>
+                      <m:r>
+                        <a:rPr lang="en-US" altLang="ko-KR" sz="2400" b="1" i="1" smtClean="0">
+                          <a:latin typeface="Cambria Math" panose="02040503050406030204" pitchFamily="18" charset="0"/>
+                        </a:rPr>
+                        <m:t>𝒂𝒏𝒅</m:t>
+                      </m:r>
+                      <m:r>
+                        <a:rPr lang="en-US" altLang="ko-KR" sz="2400" b="1" i="1" smtClean="0">
+                          <a:latin typeface="Cambria Math" panose="02040503050406030204" pitchFamily="18" charset="0"/>
+                        </a:rPr>
+                        <m:t> </m:t>
+                      </m:r>
+                      <m:r>
+                        <a:rPr lang="en-US" altLang="ko-KR" sz="2400" b="1" i="1" smtClean="0">
+                          <a:latin typeface="Cambria Math" panose="02040503050406030204" pitchFamily="18" charset="0"/>
+                        </a:rPr>
+                        <m:t>𝑺𝒂𝒎𝒑𝒍𝒊𝒏𝒈</m:t>
+                      </m:r>
+                    </m:oMath>
+                  </m:oMathPara>
+                </a14:m>
+                <a:endParaRPr lang="ko-KR" altLang="en-US" sz="2400" b="1" dirty="0"/>
+              </a:p>
+            </p:txBody>
+          </p:sp>
+        </mc:Choice>
+        <mc:Fallback xmlns="">
+          <p:sp>
+            <p:nvSpPr>
+              <p:cNvPr id="6" name="TextBox 5">
+                <a:extLst>
+                  <a:ext uri="{FF2B5EF4-FFF2-40B4-BE49-F238E27FC236}">
+                    <a16:creationId xmlns:a16="http://schemas.microsoft.com/office/drawing/2014/main" id="{B9992F32-CD51-4811-A2D3-2B2033F81AFD}"/>
+                  </a:ext>
+                </a:extLst>
+              </p:cNvPr>
+              <p:cNvSpPr txBox="1">
+                <a:spLocks noRot="1" noChangeAspect="1" noMove="1" noResize="1" noEditPoints="1" noAdjustHandles="1" noChangeArrowheads="1" noChangeShapeType="1" noTextEdit="1"/>
+              </p:cNvSpPr>
+              <p:nvPr/>
+            </p:nvSpPr>
+            <p:spPr>
+              <a:xfrm>
+                <a:off x="7166812" y="2001541"/>
+                <a:ext cx="3461084" cy="461665"/>
+              </a:xfrm>
+              <a:prstGeom prst="rect">
+                <a:avLst/>
+              </a:prstGeom>
+              <a:blipFill>
+                <a:blip r:embed="rId5"/>
+                <a:stretch>
+                  <a:fillRect l="-529" r="-35273" b="-21053"/>
+                </a:stretch>
+              </a:blipFill>
+            </p:spPr>
+            <p:txBody>
+              <a:bodyPr/>
+              <a:lstStyle/>
+              <a:p>
+                <a:r>
+                  <a:rPr lang="ko-KR" altLang="en-US">
+                    <a:noFill/>
+                  </a:rPr>
+                  <a:t> </a:t>
+                </a:r>
+              </a:p>
+            </p:txBody>
+          </p:sp>
+        </mc:Fallback>
+      </mc:AlternateContent>
+      <p:cxnSp>
+        <p:nvCxnSpPr>
+          <p:cNvPr id="8" name="직선 화살표 연결선 7">
+            <a:extLst>
+              <a:ext uri="{FF2B5EF4-FFF2-40B4-BE49-F238E27FC236}">
+                <a16:creationId xmlns:a16="http://schemas.microsoft.com/office/drawing/2014/main" id="{A0BAFBF8-14C8-40AA-B498-6461C46E2FA9}"/>
+              </a:ext>
+            </a:extLst>
+          </p:cNvPr>
+          <p:cNvCxnSpPr>
+            <a:cxnSpLocks/>
+          </p:cNvCxnSpPr>
+          <p:nvPr/>
+        </p:nvCxnSpPr>
+        <p:spPr>
+          <a:xfrm flipH="1">
+            <a:off x="2849477" y="3722993"/>
+            <a:ext cx="413085" cy="0"/>
+          </a:xfrm>
+          <a:prstGeom prst="straightConnector1">
+            <a:avLst/>
+          </a:prstGeom>
+          <a:ln w="57150">
+            <a:solidFill>
+              <a:srgbClr val="FF0000"/>
+            </a:solidFill>
+            <a:tailEnd type="triangle"/>
+          </a:ln>
+        </p:spPr>
+        <p:style>
+          <a:lnRef idx="1">
+            <a:schemeClr val="accent1"/>
+          </a:lnRef>
+          <a:fillRef idx="0">
+            <a:schemeClr val="accent1"/>
+          </a:fillRef>
+          <a:effectRef idx="0">
+            <a:schemeClr val="accent1"/>
+          </a:effectRef>
+          <a:fontRef idx="minor">
+            <a:schemeClr val="tx1"/>
+          </a:fontRef>
+        </p:style>
+      </p:cxnSp>
+      <p:cxnSp>
+        <p:nvCxnSpPr>
+          <p:cNvPr id="10" name="직선 화살표 연결선 9">
+            <a:extLst>
+              <a:ext uri="{FF2B5EF4-FFF2-40B4-BE49-F238E27FC236}">
+                <a16:creationId xmlns:a16="http://schemas.microsoft.com/office/drawing/2014/main" id="{14B4A6B5-B34A-4CCA-943A-F84FA3550504}"/>
+              </a:ext>
+            </a:extLst>
+          </p:cNvPr>
+          <p:cNvCxnSpPr>
+            <a:cxnSpLocks/>
+          </p:cNvCxnSpPr>
+          <p:nvPr/>
+        </p:nvCxnSpPr>
+        <p:spPr>
+          <a:xfrm flipH="1">
+            <a:off x="3473116" y="3839299"/>
+            <a:ext cx="1" cy="296779"/>
+          </a:xfrm>
+          <a:prstGeom prst="straightConnector1">
+            <a:avLst/>
+          </a:prstGeom>
+          <a:ln w="57150">
+            <a:solidFill>
+              <a:srgbClr val="FF0000"/>
+            </a:solidFill>
+            <a:tailEnd type="triangle"/>
+          </a:ln>
+        </p:spPr>
+        <p:style>
+          <a:lnRef idx="1">
+            <a:schemeClr val="accent1"/>
+          </a:lnRef>
+          <a:fillRef idx="0">
+            <a:schemeClr val="accent1"/>
+          </a:fillRef>
+          <a:effectRef idx="0">
+            <a:schemeClr val="accent1"/>
+          </a:effectRef>
+          <a:fontRef idx="minor">
+            <a:schemeClr val="tx1"/>
+          </a:fontRef>
+        </p:style>
+      </p:cxnSp>
+      <p:cxnSp>
+        <p:nvCxnSpPr>
+          <p:cNvPr id="14" name="직선 화살표 연결선 13">
+            <a:extLst>
+              <a:ext uri="{FF2B5EF4-FFF2-40B4-BE49-F238E27FC236}">
+                <a16:creationId xmlns:a16="http://schemas.microsoft.com/office/drawing/2014/main" id="{600CDBCE-0534-4366-A05B-36F98845F813}"/>
+              </a:ext>
+            </a:extLst>
+          </p:cNvPr>
+          <p:cNvCxnSpPr>
+            <a:cxnSpLocks/>
+          </p:cNvCxnSpPr>
+          <p:nvPr/>
+        </p:nvCxnSpPr>
+        <p:spPr>
+          <a:xfrm flipH="1">
+            <a:off x="4082717" y="3839298"/>
+            <a:ext cx="1" cy="385011"/>
+          </a:xfrm>
+          <a:prstGeom prst="straightConnector1">
+            <a:avLst/>
+          </a:prstGeom>
+          <a:ln w="57150">
+            <a:solidFill>
+              <a:srgbClr val="FF0000"/>
+            </a:solidFill>
+            <a:tailEnd type="triangle"/>
+          </a:ln>
+        </p:spPr>
+        <p:style>
+          <a:lnRef idx="1">
+            <a:schemeClr val="accent1"/>
+          </a:lnRef>
+          <a:fillRef idx="0">
+            <a:schemeClr val="accent1"/>
+          </a:fillRef>
+          <a:effectRef idx="0">
+            <a:schemeClr val="accent1"/>
+          </a:effectRef>
+          <a:fontRef idx="minor">
+            <a:schemeClr val="tx1"/>
+          </a:fontRef>
+        </p:style>
+      </p:cxnSp>
+      <p:pic>
+        <p:nvPicPr>
+          <p:cNvPr id="17" name="그림 16">
+            <a:extLst>
+              <a:ext uri="{FF2B5EF4-FFF2-40B4-BE49-F238E27FC236}">
+                <a16:creationId xmlns:a16="http://schemas.microsoft.com/office/drawing/2014/main" id="{46467B9E-38FF-4F1D-BB8C-36814DE67FA7}"/>
+              </a:ext>
+            </a:extLst>
+          </p:cNvPr>
+          <p:cNvPicPr>
+            <a:picLocks noChangeAspect="1"/>
+          </p:cNvPicPr>
+          <p:nvPr/>
+        </p:nvPicPr>
+        <p:blipFill>
+          <a:blip r:embed="rId6"/>
+          <a:stretch>
+            <a:fillRect/>
+          </a:stretch>
+        </p:blipFill>
+        <p:spPr>
+          <a:xfrm>
+            <a:off x="4436268" y="3697390"/>
+            <a:ext cx="2380325" cy="2209488"/>
+          </a:xfrm>
+          <a:prstGeom prst="rect">
+            <a:avLst/>
+          </a:prstGeom>
+        </p:spPr>
+      </p:pic>
+      <mc:AlternateContent xmlns:mc="http://schemas.openxmlformats.org/markup-compatibility/2006" xmlns:a14="http://schemas.microsoft.com/office/drawing/2010/main">
+        <mc:Choice Requires="a14">
+          <p:graphicFrame>
+            <p:nvGraphicFramePr>
+              <p:cNvPr id="18" name="표 18">
+                <a:extLst>
+                  <a:ext uri="{FF2B5EF4-FFF2-40B4-BE49-F238E27FC236}">
+                    <a16:creationId xmlns:a16="http://schemas.microsoft.com/office/drawing/2014/main" id="{80673B64-1B78-49C7-A30F-2FAB0FED49E2}"/>
+                  </a:ext>
+                </a:extLst>
+              </p:cNvPr>
+              <p:cNvGraphicFramePr>
+                <a:graphicFrameLocks noGrp="1"/>
+              </p:cNvGraphicFramePr>
+              <p:nvPr>
+                <p:extLst>
+                  <p:ext uri="{D42A27DB-BD31-4B8C-83A1-F6EECF244321}">
+                    <p14:modId xmlns:p14="http://schemas.microsoft.com/office/powerpoint/2010/main" val="2893208098"/>
+                  </p:ext>
+                </p:extLst>
+              </p:nvPr>
+            </p:nvGraphicFramePr>
+            <p:xfrm>
+              <a:off x="7383153" y="3157160"/>
+              <a:ext cx="4582140" cy="2837900"/>
+            </p:xfrm>
+            <a:graphic>
+              <a:graphicData uri="http://schemas.openxmlformats.org/drawingml/2006/table">
+                <a:tbl>
+                  <a:tblPr firstRow="1" bandRow="1">
+                    <a:tableStyleId>{073A0DAA-6AF3-43AB-8588-CEC1D06C72B9}</a:tableStyleId>
+                  </a:tblPr>
+                  <a:tblGrid>
+                    <a:gridCol w="1527380">
+                      <a:extLst>
+                        <a:ext uri="{9D8B030D-6E8A-4147-A177-3AD203B41FA5}">
+                          <a16:colId xmlns:a16="http://schemas.microsoft.com/office/drawing/2014/main" val="3305893389"/>
+                        </a:ext>
+                      </a:extLst>
+                    </a:gridCol>
+                    <a:gridCol w="1527380">
+                      <a:extLst>
+                        <a:ext uri="{9D8B030D-6E8A-4147-A177-3AD203B41FA5}">
+                          <a16:colId xmlns:a16="http://schemas.microsoft.com/office/drawing/2014/main" val="1292140837"/>
+                        </a:ext>
+                      </a:extLst>
+                    </a:gridCol>
+                    <a:gridCol w="1527380">
+                      <a:extLst>
+                        <a:ext uri="{9D8B030D-6E8A-4147-A177-3AD203B41FA5}">
+                          <a16:colId xmlns:a16="http://schemas.microsoft.com/office/drawing/2014/main" val="4208581988"/>
+                        </a:ext>
+                      </a:extLst>
+                    </a:gridCol>
+                  </a:tblGrid>
+                  <a:tr h="567580">
+                    <a:tc>
+                      <a:txBody>
+                        <a:bodyPr/>
+                        <a:lstStyle/>
+                        <a:p>
+                          <a:pPr algn="ctr" latinLnBrk="1"/>
+                          <a:r>
+                            <a:rPr lang="en-US" altLang="ko-KR" dirty="0"/>
+                            <a:t>Model</a:t>
+                          </a:r>
+                          <a:endParaRPr lang="ko-KR" altLang="en-US" dirty="0"/>
+                        </a:p>
+                      </a:txBody>
+                      <a:tcPr anchor="ctr"/>
+                    </a:tc>
+                    <a:tc>
+                      <a:txBody>
+                        <a:bodyPr/>
+                        <a:lstStyle/>
+                        <a:p>
+                          <a:pPr algn="ctr" latinLnBrk="1"/>
+                          <a:r>
+                            <a:rPr lang="en-US" altLang="ko-KR" sz="1200" dirty="0"/>
+                            <a:t>XSUM Data</a:t>
+                          </a:r>
+                          <a:br>
+                            <a:rPr lang="en-US" altLang="ko-KR" sz="1200" dirty="0"/>
+                          </a:br>
+                          <a:r>
+                            <a:rPr lang="en-US" altLang="ko-KR" sz="1200" dirty="0"/>
+                            <a:t>ROUGE Score</a:t>
+                          </a:r>
+                          <a:endParaRPr lang="ko-KR" altLang="en-US" sz="1200" dirty="0"/>
+                        </a:p>
+                      </a:txBody>
+                      <a:tcPr anchor="ctr"/>
+                    </a:tc>
+                    <a:tc>
+                      <a:txBody>
+                        <a:bodyPr/>
+                        <a:lstStyle/>
+                        <a:p>
+                          <a:pPr algn="ctr" latinLnBrk="1"/>
+                          <a:r>
+                            <a:rPr lang="en-US" altLang="ko-KR" sz="1200" dirty="0"/>
+                            <a:t>CNN_DM Data</a:t>
+                          </a:r>
+                          <a:br>
+                            <a:rPr lang="en-US" altLang="ko-KR" sz="1200" dirty="0"/>
+                          </a:br>
+                          <a:r>
+                            <a:rPr lang="en-US" altLang="ko-KR" sz="1200" dirty="0"/>
+                            <a:t>ROUGE Score</a:t>
+                          </a:r>
+                          <a:endParaRPr lang="ko-KR" altLang="en-US" sz="1200" dirty="0"/>
+                        </a:p>
+                      </a:txBody>
+                      <a:tcPr anchor="ctr"/>
+                    </a:tc>
+                    <a:extLst>
+                      <a:ext uri="{0D108BD9-81ED-4DB2-BD59-A6C34878D82A}">
+                        <a16:rowId xmlns:a16="http://schemas.microsoft.com/office/drawing/2014/main" val="621134644"/>
+                      </a:ext>
+                    </a:extLst>
+                  </a:tr>
+                  <a:tr h="567580">
+                    <a:tc>
+                      <a:txBody>
+                        <a:bodyPr/>
+                        <a:lstStyle/>
+                        <a:p>
+                          <a:pPr algn="ctr" latinLnBrk="1"/>
+                          <a14:m>
+                            <m:oMathPara xmlns:m="http://schemas.openxmlformats.org/officeDocument/2006/math">
+                              <m:oMathParaPr>
+                                <m:jc m:val="centerGroup"/>
+                              </m:oMathParaPr>
+                              <m:oMath xmlns:m="http://schemas.openxmlformats.org/officeDocument/2006/math">
+                                <m:r>
+                                  <a:rPr lang="en-US" altLang="ko-KR" sz="1400" i="1" dirty="0" smtClean="0">
+                                    <a:latin typeface="Cambria Math" panose="02040503050406030204" pitchFamily="18" charset="0"/>
+                                  </a:rPr>
+                                  <m:t>𝐵𝐴𝑅𝑇</m:t>
+                                </m:r>
+                                <m:r>
+                                  <a:rPr lang="en-US" altLang="ko-KR" sz="1400" i="1" dirty="0" smtClean="0">
+                                    <a:latin typeface="Cambria Math" panose="02040503050406030204" pitchFamily="18" charset="0"/>
+                                  </a:rPr>
+                                  <m:t>−</m:t>
+                                </m:r>
+                                <m:r>
+                                  <a:rPr lang="en-US" altLang="ko-KR" sz="1400" i="1" dirty="0" smtClean="0">
+                                    <a:latin typeface="Cambria Math" panose="02040503050406030204" pitchFamily="18" charset="0"/>
+                                  </a:rPr>
+                                  <m:t>𝐹𝑟𝑒𝑒𝑧𝑒</m:t>
+                                </m:r>
+                              </m:oMath>
+                              <m:oMath xmlns:m="http://schemas.openxmlformats.org/officeDocument/2006/math">
+                                <m:r>
+                                  <a:rPr lang="en-US" altLang="ko-KR" sz="1400" i="1" dirty="0" smtClean="0">
+                                    <a:latin typeface="Cambria Math" panose="02040503050406030204" pitchFamily="18" charset="0"/>
+                                  </a:rPr>
+                                  <m:t>𝐴𝑛𝑛𝑒𝑎𝑙𝑖𝑛𝑔</m:t>
+                                </m:r>
+                                <m:r>
+                                  <a:rPr lang="en-US" altLang="ko-KR" sz="1400" i="1" dirty="0" smtClean="0">
+                                    <a:latin typeface="Cambria Math" panose="02040503050406030204" pitchFamily="18" charset="0"/>
+                                  </a:rPr>
+                                  <m:t> 1</m:t>
+                                </m:r>
+                                <m:r>
+                                  <a:rPr lang="en-US" altLang="ko-KR" sz="1400" b="0" i="1" dirty="0" smtClean="0">
+                                    <a:latin typeface="Cambria Math" panose="02040503050406030204" pitchFamily="18" charset="0"/>
+                                  </a:rPr>
+                                  <m:t>𝐾</m:t>
+                                </m:r>
+                              </m:oMath>
+                            </m:oMathPara>
+                          </a14:m>
+                          <a:endParaRPr lang="ko-KR" altLang="en-US" sz="1400" dirty="0"/>
+                        </a:p>
+                      </a:txBody>
+                      <a:tcPr/>
+                    </a:tc>
+                    <a:tc>
+                      <a:txBody>
+                        <a:bodyPr/>
+                        <a:lstStyle/>
+                        <a:p>
+                          <a:pPr algn="ctr" latinLnBrk="1"/>
+                          <a:endParaRPr lang="ko-KR" altLang="en-US" sz="1400" dirty="0"/>
+                        </a:p>
+                      </a:txBody>
+                      <a:tcPr/>
+                    </a:tc>
+                    <a:tc>
+                      <a:txBody>
+                        <a:bodyPr/>
+                        <a:lstStyle/>
+                        <a:p>
+                          <a:pPr algn="ctr" latinLnBrk="1"/>
+                          <a:endParaRPr lang="ko-KR" altLang="en-US" sz="1400"/>
+                        </a:p>
+                      </a:txBody>
+                      <a:tcPr/>
+                    </a:tc>
+                    <a:extLst>
+                      <a:ext uri="{0D108BD9-81ED-4DB2-BD59-A6C34878D82A}">
+                        <a16:rowId xmlns:a16="http://schemas.microsoft.com/office/drawing/2014/main" val="1432366733"/>
+                      </a:ext>
+                    </a:extLst>
+                  </a:tr>
+                  <a:tr h="567580">
+                    <a:tc>
+                      <a:txBody>
+                        <a:bodyPr/>
+                        <a:lstStyle/>
+                        <a:p>
+                          <a:pPr marL="0" marR="0" lvl="0" indent="0" algn="ctr" defTabSz="914400" rtl="0" eaLnBrk="1" fontAlgn="auto" latinLnBrk="1" hangingPunct="1">
+                            <a:lnSpc>
+                              <a:spcPct val="100000"/>
+                            </a:lnSpc>
+                            <a:spcBef>
+                              <a:spcPts val="0"/>
+                            </a:spcBef>
+                            <a:spcAft>
+                              <a:spcPts val="0"/>
+                            </a:spcAft>
+                            <a:buClrTx/>
+                            <a:buSzTx/>
+                            <a:buFontTx/>
+                            <a:buNone/>
+                            <a:tabLst/>
+                            <a:defRPr/>
+                          </a:pPr>
+                          <a14:m>
+                            <m:oMathPara xmlns:m="http://schemas.openxmlformats.org/officeDocument/2006/math">
+                              <m:oMathParaPr>
+                                <m:jc m:val="centerGroup"/>
+                              </m:oMathParaPr>
+                              <m:oMath xmlns:m="http://schemas.openxmlformats.org/officeDocument/2006/math">
+                                <m:r>
+                                  <a:rPr lang="en-US" altLang="ko-KR" sz="1400" i="1" dirty="0" smtClean="0">
+                                    <a:latin typeface="Cambria Math" panose="02040503050406030204" pitchFamily="18" charset="0"/>
+                                  </a:rPr>
+                                  <m:t>𝐵𝐴𝑅𝑇</m:t>
+                                </m:r>
+                                <m:r>
+                                  <a:rPr lang="en-US" altLang="ko-KR" sz="1400" i="1" dirty="0" smtClean="0">
+                                    <a:latin typeface="Cambria Math" panose="02040503050406030204" pitchFamily="18" charset="0"/>
+                                  </a:rPr>
+                                  <m:t>−</m:t>
+                                </m:r>
+                                <m:r>
+                                  <a:rPr lang="en-US" altLang="ko-KR" sz="1400" i="1" dirty="0" smtClean="0">
+                                    <a:latin typeface="Cambria Math" panose="02040503050406030204" pitchFamily="18" charset="0"/>
+                                  </a:rPr>
+                                  <m:t>𝐹𝑟𝑒𝑒𝑧𝑒</m:t>
+                                </m:r>
+                              </m:oMath>
+                              <m:oMath xmlns:m="http://schemas.openxmlformats.org/officeDocument/2006/math">
+                                <m:r>
+                                  <a:rPr lang="en-US" altLang="ko-KR" sz="1400" i="1" dirty="0" smtClean="0">
+                                    <a:latin typeface="Cambria Math" panose="02040503050406030204" pitchFamily="18" charset="0"/>
+                                  </a:rPr>
+                                  <m:t>𝐴𝑛𝑛𝑒𝑎𝑙𝑖𝑛𝑔</m:t>
+                                </m:r>
+                                <m:r>
+                                  <a:rPr lang="en-US" altLang="ko-KR" sz="1400" i="1" dirty="0" smtClean="0">
+                                    <a:latin typeface="Cambria Math" panose="02040503050406030204" pitchFamily="18" charset="0"/>
+                                  </a:rPr>
+                                  <m:t> 3</m:t>
+                                </m:r>
+                                <m:r>
+                                  <a:rPr lang="en-US" altLang="ko-KR" sz="1400" b="0" i="1" dirty="0" smtClean="0">
+                                    <a:latin typeface="Cambria Math" panose="02040503050406030204" pitchFamily="18" charset="0"/>
+                                  </a:rPr>
+                                  <m:t>𝐾</m:t>
+                                </m:r>
+                              </m:oMath>
+                            </m:oMathPara>
+                          </a14:m>
+                          <a:endParaRPr lang="ko-KR" altLang="en-US" sz="1400" dirty="0"/>
+                        </a:p>
+                      </a:txBody>
+                      <a:tcPr/>
+                    </a:tc>
+                    <a:tc>
+                      <a:txBody>
+                        <a:bodyPr/>
+                        <a:lstStyle/>
+                        <a:p>
+                          <a:pPr algn="ctr" latinLnBrk="1"/>
+                          <a:endParaRPr lang="ko-KR" altLang="en-US" sz="1400" dirty="0"/>
+                        </a:p>
+                      </a:txBody>
+                      <a:tcPr/>
+                    </a:tc>
+                    <a:tc>
+                      <a:txBody>
+                        <a:bodyPr/>
+                        <a:lstStyle/>
+                        <a:p>
+                          <a:pPr algn="ctr" latinLnBrk="1"/>
+                          <a:endParaRPr lang="ko-KR" altLang="en-US" sz="1400" dirty="0"/>
+                        </a:p>
+                      </a:txBody>
+                      <a:tcPr/>
+                    </a:tc>
+                    <a:extLst>
+                      <a:ext uri="{0D108BD9-81ED-4DB2-BD59-A6C34878D82A}">
+                        <a16:rowId xmlns:a16="http://schemas.microsoft.com/office/drawing/2014/main" val="818893291"/>
+                      </a:ext>
+                    </a:extLst>
+                  </a:tr>
+                  <a:tr h="567580">
+                    <a:tc>
+                      <a:txBody>
+                        <a:bodyPr/>
+                        <a:lstStyle/>
+                        <a:p>
+                          <a:pPr marL="0" marR="0" lvl="0" indent="0" algn="ctr" defTabSz="914400" rtl="0" eaLnBrk="1" fontAlgn="auto" latinLnBrk="1" hangingPunct="1">
+                            <a:lnSpc>
+                              <a:spcPct val="100000"/>
+                            </a:lnSpc>
+                            <a:spcBef>
+                              <a:spcPts val="0"/>
+                            </a:spcBef>
+                            <a:spcAft>
+                              <a:spcPts val="0"/>
+                            </a:spcAft>
+                            <a:buClrTx/>
+                            <a:buSzTx/>
+                            <a:buFontTx/>
+                            <a:buNone/>
+                            <a:tabLst/>
+                            <a:defRPr/>
+                          </a:pPr>
+                          <a14:m>
+                            <m:oMathPara xmlns:m="http://schemas.openxmlformats.org/officeDocument/2006/math">
+                              <m:oMathParaPr>
+                                <m:jc m:val="centerGroup"/>
+                              </m:oMathParaPr>
+                              <m:oMath xmlns:m="http://schemas.openxmlformats.org/officeDocument/2006/math">
+                                <m:r>
+                                  <a:rPr lang="en-US" altLang="ko-KR" sz="1400" i="1" dirty="0" smtClean="0">
+                                    <a:latin typeface="Cambria Math" panose="02040503050406030204" pitchFamily="18" charset="0"/>
+                                  </a:rPr>
+                                  <m:t>𝐵𝐴𝑅𝑇</m:t>
+                                </m:r>
+                                <m:r>
+                                  <a:rPr lang="en-US" altLang="ko-KR" sz="1400" i="1" dirty="0" smtClean="0">
+                                    <a:latin typeface="Cambria Math" panose="02040503050406030204" pitchFamily="18" charset="0"/>
+                                  </a:rPr>
+                                  <m:t>−</m:t>
+                                </m:r>
+                                <m:r>
+                                  <a:rPr lang="en-US" altLang="ko-KR" sz="1400" i="1" dirty="0" smtClean="0">
+                                    <a:latin typeface="Cambria Math" panose="02040503050406030204" pitchFamily="18" charset="0"/>
+                                  </a:rPr>
+                                  <m:t>𝐹𝑟𝑒𝑒𝑧𝑒</m:t>
+                                </m:r>
+                              </m:oMath>
+                              <m:oMath xmlns:m="http://schemas.openxmlformats.org/officeDocument/2006/math">
+                                <m:r>
+                                  <a:rPr lang="en-US" altLang="ko-KR" sz="1400" i="1" dirty="0" smtClean="0">
+                                    <a:latin typeface="Cambria Math" panose="02040503050406030204" pitchFamily="18" charset="0"/>
+                                  </a:rPr>
+                                  <m:t>𝐴𝑛𝑛𝑒𝑎𝑙𝑖𝑛𝑔</m:t>
+                                </m:r>
+                                <m:r>
+                                  <a:rPr lang="en-US" altLang="ko-KR" sz="1400" i="1" dirty="0" smtClean="0">
+                                    <a:latin typeface="Cambria Math" panose="02040503050406030204" pitchFamily="18" charset="0"/>
+                                  </a:rPr>
+                                  <m:t> 5</m:t>
+                                </m:r>
+                                <m:r>
+                                  <a:rPr lang="en-US" altLang="ko-KR" sz="1400" b="0" i="1" dirty="0" smtClean="0">
+                                    <a:latin typeface="Cambria Math" panose="02040503050406030204" pitchFamily="18" charset="0"/>
+                                  </a:rPr>
+                                  <m:t>𝐾</m:t>
+                                </m:r>
+                              </m:oMath>
+                            </m:oMathPara>
+                          </a14:m>
+                          <a:endParaRPr lang="ko-KR" altLang="en-US" sz="1400" dirty="0"/>
+                        </a:p>
+                      </a:txBody>
+                      <a:tcPr/>
+                    </a:tc>
+                    <a:tc>
+                      <a:txBody>
+                        <a:bodyPr/>
+                        <a:lstStyle/>
+                        <a:p>
+                          <a:pPr algn="ctr" latinLnBrk="1"/>
+                          <a:endParaRPr lang="ko-KR" altLang="en-US" sz="1400" dirty="0"/>
+                        </a:p>
+                      </a:txBody>
+                      <a:tcPr/>
+                    </a:tc>
+                    <a:tc>
+                      <a:txBody>
+                        <a:bodyPr/>
+                        <a:lstStyle/>
+                        <a:p>
+                          <a:pPr algn="ctr" latinLnBrk="1"/>
+                          <a:endParaRPr lang="ko-KR" altLang="en-US" sz="1400" dirty="0"/>
+                        </a:p>
+                      </a:txBody>
+                      <a:tcPr/>
+                    </a:tc>
+                    <a:extLst>
+                      <a:ext uri="{0D108BD9-81ED-4DB2-BD59-A6C34878D82A}">
+                        <a16:rowId xmlns:a16="http://schemas.microsoft.com/office/drawing/2014/main" val="378092227"/>
+                      </a:ext>
+                    </a:extLst>
+                  </a:tr>
+                  <a:tr h="567580">
+                    <a:tc>
+                      <a:txBody>
+                        <a:bodyPr/>
+                        <a:lstStyle/>
+                        <a:p>
+                          <a:pPr marL="0" marR="0" lvl="0" indent="0" algn="ctr" defTabSz="914400" rtl="0" eaLnBrk="1" fontAlgn="auto" latinLnBrk="1" hangingPunct="1">
+                            <a:lnSpc>
+                              <a:spcPct val="100000"/>
+                            </a:lnSpc>
+                            <a:spcBef>
+                              <a:spcPts val="0"/>
+                            </a:spcBef>
+                            <a:spcAft>
+                              <a:spcPts val="0"/>
+                            </a:spcAft>
+                            <a:buClrTx/>
+                            <a:buSzTx/>
+                            <a:buFontTx/>
+                            <a:buNone/>
+                            <a:tabLst/>
+                            <a:defRPr/>
+                          </a:pPr>
+                          <a14:m>
+                            <m:oMathPara xmlns:m="http://schemas.openxmlformats.org/officeDocument/2006/math">
+                              <m:oMathParaPr>
+                                <m:jc m:val="centerGroup"/>
+                              </m:oMathParaPr>
+                              <m:oMath xmlns:m="http://schemas.openxmlformats.org/officeDocument/2006/math">
+                                <m:r>
+                                  <a:rPr lang="en-US" altLang="ko-KR" sz="1400" i="1" dirty="0" smtClean="0">
+                                    <a:latin typeface="Cambria Math" panose="02040503050406030204" pitchFamily="18" charset="0"/>
+                                  </a:rPr>
+                                  <m:t>𝐵𝐴𝑅𝑇</m:t>
+                                </m:r>
+                                <m:r>
+                                  <a:rPr lang="en-US" altLang="ko-KR" sz="1400" i="1" dirty="0" smtClean="0">
+                                    <a:latin typeface="Cambria Math" panose="02040503050406030204" pitchFamily="18" charset="0"/>
+                                  </a:rPr>
+                                  <m:t>−</m:t>
+                                </m:r>
+                                <m:r>
+                                  <a:rPr lang="en-US" altLang="ko-KR" sz="1400" i="1" dirty="0" smtClean="0">
+                                    <a:latin typeface="Cambria Math" panose="02040503050406030204" pitchFamily="18" charset="0"/>
+                                  </a:rPr>
+                                  <m:t>𝐹𝑟𝑒𝑒𝑧𝑒</m:t>
+                                </m:r>
+                              </m:oMath>
+                              <m:oMath xmlns:m="http://schemas.openxmlformats.org/officeDocument/2006/math">
+                                <m:r>
+                                  <a:rPr lang="en-US" altLang="ko-KR" sz="1400" i="1" dirty="0" smtClean="0">
+                                    <a:latin typeface="Cambria Math" panose="02040503050406030204" pitchFamily="18" charset="0"/>
+                                  </a:rPr>
+                                  <m:t>𝐴𝑛𝑛𝑒𝑎𝑙𝑖𝑛𝑔</m:t>
+                                </m:r>
+                                <m:r>
+                                  <a:rPr lang="en-US" altLang="ko-KR" sz="1400" i="1" dirty="0" smtClean="0">
+                                    <a:latin typeface="Cambria Math" panose="02040503050406030204" pitchFamily="18" charset="0"/>
+                                  </a:rPr>
+                                  <m:t> 10</m:t>
+                                </m:r>
+                                <m:r>
+                                  <a:rPr lang="en-US" altLang="ko-KR" sz="1400" b="0" i="1" dirty="0" smtClean="0">
+                                    <a:latin typeface="Cambria Math" panose="02040503050406030204" pitchFamily="18" charset="0"/>
+                                  </a:rPr>
+                                  <m:t>𝐾</m:t>
+                                </m:r>
+                              </m:oMath>
+                            </m:oMathPara>
+                          </a14:m>
+                          <a:endParaRPr lang="ko-KR" altLang="en-US" sz="1400" dirty="0"/>
+                        </a:p>
+                      </a:txBody>
+                      <a:tcPr/>
+                    </a:tc>
+                    <a:tc>
+                      <a:txBody>
+                        <a:bodyPr/>
+                        <a:lstStyle/>
+                        <a:p>
+                          <a:pPr algn="ctr" latinLnBrk="1"/>
+                          <a:endParaRPr lang="ko-KR" altLang="en-US" sz="1400"/>
+                        </a:p>
+                      </a:txBody>
+                      <a:tcPr/>
+                    </a:tc>
+                    <a:tc>
+                      <a:txBody>
+                        <a:bodyPr/>
+                        <a:lstStyle/>
+                        <a:p>
+                          <a:pPr algn="ctr" latinLnBrk="1"/>
+                          <a:endParaRPr lang="ko-KR" altLang="en-US" sz="1400" dirty="0"/>
+                        </a:p>
+                      </a:txBody>
+                      <a:tcPr/>
+                    </a:tc>
+                    <a:extLst>
+                      <a:ext uri="{0D108BD9-81ED-4DB2-BD59-A6C34878D82A}">
+                        <a16:rowId xmlns:a16="http://schemas.microsoft.com/office/drawing/2014/main" val="4149966728"/>
+                      </a:ext>
+                    </a:extLst>
+                  </a:tr>
+                </a:tbl>
+              </a:graphicData>
+            </a:graphic>
+          </p:graphicFrame>
+        </mc:Choice>
+        <mc:Fallback xmlns="">
+          <p:graphicFrame>
+            <p:nvGraphicFramePr>
+              <p:cNvPr id="18" name="표 18">
+                <a:extLst>
+                  <a:ext uri="{FF2B5EF4-FFF2-40B4-BE49-F238E27FC236}">
+                    <a16:creationId xmlns:a16="http://schemas.microsoft.com/office/drawing/2014/main" id="{80673B64-1B78-49C7-A30F-2FAB0FED49E2}"/>
+                  </a:ext>
+                </a:extLst>
+              </p:cNvPr>
+              <p:cNvGraphicFramePr>
+                <a:graphicFrameLocks noGrp="1"/>
+              </p:cNvGraphicFramePr>
+              <p:nvPr>
+                <p:extLst>
+                  <p:ext uri="{D42A27DB-BD31-4B8C-83A1-F6EECF244321}">
+                    <p14:modId xmlns:p14="http://schemas.microsoft.com/office/powerpoint/2010/main" val="2893208098"/>
+                  </p:ext>
+                </p:extLst>
+              </p:nvPr>
+            </p:nvGraphicFramePr>
+            <p:xfrm>
+              <a:off x="7383153" y="3157160"/>
+              <a:ext cx="4582140" cy="2837900"/>
+            </p:xfrm>
+            <a:graphic>
+              <a:graphicData uri="http://schemas.openxmlformats.org/drawingml/2006/table">
+                <a:tbl>
+                  <a:tblPr firstRow="1" bandRow="1">
+                    <a:tableStyleId>{073A0DAA-6AF3-43AB-8588-CEC1D06C72B9}</a:tableStyleId>
+                  </a:tblPr>
+                  <a:tblGrid>
+                    <a:gridCol w="1527380">
+                      <a:extLst>
+                        <a:ext uri="{9D8B030D-6E8A-4147-A177-3AD203B41FA5}">
+                          <a16:colId xmlns:a16="http://schemas.microsoft.com/office/drawing/2014/main" val="3305893389"/>
+                        </a:ext>
+                      </a:extLst>
+                    </a:gridCol>
+                    <a:gridCol w="1527380">
+                      <a:extLst>
+                        <a:ext uri="{9D8B030D-6E8A-4147-A177-3AD203B41FA5}">
+                          <a16:colId xmlns:a16="http://schemas.microsoft.com/office/drawing/2014/main" val="1292140837"/>
+                        </a:ext>
+                      </a:extLst>
+                    </a:gridCol>
+                    <a:gridCol w="1527380">
+                      <a:extLst>
+                        <a:ext uri="{9D8B030D-6E8A-4147-A177-3AD203B41FA5}">
+                          <a16:colId xmlns:a16="http://schemas.microsoft.com/office/drawing/2014/main" val="4208581988"/>
+                        </a:ext>
+                      </a:extLst>
+                    </a:gridCol>
+                  </a:tblGrid>
+                  <a:tr h="567580">
+                    <a:tc>
+                      <a:txBody>
+                        <a:bodyPr/>
+                        <a:lstStyle/>
+                        <a:p>
+                          <a:pPr algn="ctr" latinLnBrk="1"/>
+                          <a:r>
+                            <a:rPr lang="en-US" altLang="ko-KR" dirty="0"/>
+                            <a:t>Model</a:t>
+                          </a:r>
+                          <a:endParaRPr lang="ko-KR" altLang="en-US" dirty="0"/>
+                        </a:p>
+                      </a:txBody>
+                      <a:tcPr anchor="ctr"/>
+                    </a:tc>
+                    <a:tc>
+                      <a:txBody>
+                        <a:bodyPr/>
+                        <a:lstStyle/>
+                        <a:p>
+                          <a:pPr algn="ctr" latinLnBrk="1"/>
+                          <a:r>
+                            <a:rPr lang="en-US" altLang="ko-KR" sz="1200" dirty="0"/>
+                            <a:t>XSUM Data</a:t>
+                          </a:r>
+                          <a:br>
+                            <a:rPr lang="en-US" altLang="ko-KR" sz="1200" dirty="0"/>
+                          </a:br>
+                          <a:r>
+                            <a:rPr lang="en-US" altLang="ko-KR" sz="1200" dirty="0"/>
+                            <a:t>ROUGE Score</a:t>
+                          </a:r>
+                          <a:endParaRPr lang="ko-KR" altLang="en-US" sz="1200" dirty="0"/>
+                        </a:p>
+                      </a:txBody>
+                      <a:tcPr anchor="ctr"/>
+                    </a:tc>
+                    <a:tc>
+                      <a:txBody>
+                        <a:bodyPr/>
+                        <a:lstStyle/>
+                        <a:p>
+                          <a:pPr algn="ctr" latinLnBrk="1"/>
+                          <a:r>
+                            <a:rPr lang="en-US" altLang="ko-KR" sz="1200" dirty="0"/>
+                            <a:t>CNN_DM Data</a:t>
+                          </a:r>
+                          <a:br>
+                            <a:rPr lang="en-US" altLang="ko-KR" sz="1200" dirty="0"/>
+                          </a:br>
+                          <a:r>
+                            <a:rPr lang="en-US" altLang="ko-KR" sz="1200" dirty="0"/>
+                            <a:t>ROUGE Score</a:t>
+                          </a:r>
+                          <a:endParaRPr lang="ko-KR" altLang="en-US" sz="1200" dirty="0"/>
+                        </a:p>
+                      </a:txBody>
+                      <a:tcPr anchor="ctr"/>
+                    </a:tc>
+                    <a:extLst>
+                      <a:ext uri="{0D108BD9-81ED-4DB2-BD59-A6C34878D82A}">
+                        <a16:rowId xmlns:a16="http://schemas.microsoft.com/office/drawing/2014/main" val="621134644"/>
+                      </a:ext>
+                    </a:extLst>
+                  </a:tr>
+                  <a:tr h="567580">
+                    <a:tc>
+                      <a:txBody>
+                        <a:bodyPr/>
+                        <a:lstStyle/>
+                        <a:p>
+                          <a:endParaRPr lang="ko-KR"/>
+                        </a:p>
+                      </a:txBody>
+                      <a:tcPr>
+                        <a:blipFill>
+                          <a:blip r:embed="rId7"/>
+                          <a:stretch>
+                            <a:fillRect l="-398" t="-100000" r="-201195" b="-300000"/>
+                          </a:stretch>
+                        </a:blipFill>
+                      </a:tcPr>
+                    </a:tc>
+                    <a:tc>
+                      <a:txBody>
+                        <a:bodyPr/>
+                        <a:lstStyle/>
+                        <a:p>
+                          <a:pPr algn="ctr" latinLnBrk="1"/>
+                          <a:endParaRPr lang="ko-KR" altLang="en-US" sz="1400" dirty="0"/>
+                        </a:p>
+                      </a:txBody>
+                      <a:tcPr/>
+                    </a:tc>
+                    <a:tc>
+                      <a:txBody>
+                        <a:bodyPr/>
+                        <a:lstStyle/>
+                        <a:p>
+                          <a:pPr algn="ctr" latinLnBrk="1"/>
+                          <a:endParaRPr lang="ko-KR" altLang="en-US" sz="1400"/>
+                        </a:p>
+                      </a:txBody>
+                      <a:tcPr/>
+                    </a:tc>
+                    <a:extLst>
+                      <a:ext uri="{0D108BD9-81ED-4DB2-BD59-A6C34878D82A}">
+                        <a16:rowId xmlns:a16="http://schemas.microsoft.com/office/drawing/2014/main" val="1432366733"/>
+                      </a:ext>
+                    </a:extLst>
+                  </a:tr>
+                  <a:tr h="567580">
+                    <a:tc>
+                      <a:txBody>
+                        <a:bodyPr/>
+                        <a:lstStyle/>
+                        <a:p>
+                          <a:endParaRPr lang="ko-KR"/>
+                        </a:p>
+                      </a:txBody>
+                      <a:tcPr>
+                        <a:blipFill>
+                          <a:blip r:embed="rId7"/>
+                          <a:stretch>
+                            <a:fillRect l="-398" t="-202151" r="-201195" b="-203226"/>
+                          </a:stretch>
+                        </a:blipFill>
+                      </a:tcPr>
+                    </a:tc>
+                    <a:tc>
+                      <a:txBody>
+                        <a:bodyPr/>
+                        <a:lstStyle/>
+                        <a:p>
+                          <a:pPr algn="ctr" latinLnBrk="1"/>
+                          <a:endParaRPr lang="ko-KR" altLang="en-US" sz="1400" dirty="0"/>
+                        </a:p>
+                      </a:txBody>
+                      <a:tcPr/>
+                    </a:tc>
+                    <a:tc>
+                      <a:txBody>
+                        <a:bodyPr/>
+                        <a:lstStyle/>
+                        <a:p>
+                          <a:pPr algn="ctr" latinLnBrk="1"/>
+                          <a:endParaRPr lang="ko-KR" altLang="en-US" sz="1400" dirty="0"/>
+                        </a:p>
+                      </a:txBody>
+                      <a:tcPr/>
+                    </a:tc>
+                    <a:extLst>
+                      <a:ext uri="{0D108BD9-81ED-4DB2-BD59-A6C34878D82A}">
+                        <a16:rowId xmlns:a16="http://schemas.microsoft.com/office/drawing/2014/main" val="818893291"/>
+                      </a:ext>
+                    </a:extLst>
+                  </a:tr>
+                  <a:tr h="567580">
+                    <a:tc>
+                      <a:txBody>
+                        <a:bodyPr/>
+                        <a:lstStyle/>
+                        <a:p>
+                          <a:endParaRPr lang="ko-KR"/>
+                        </a:p>
+                      </a:txBody>
+                      <a:tcPr>
+                        <a:blipFill>
+                          <a:blip r:embed="rId7"/>
+                          <a:stretch>
+                            <a:fillRect l="-398" t="-298936" r="-201195" b="-101064"/>
+                          </a:stretch>
+                        </a:blipFill>
+                      </a:tcPr>
+                    </a:tc>
+                    <a:tc>
+                      <a:txBody>
+                        <a:bodyPr/>
+                        <a:lstStyle/>
+                        <a:p>
+                          <a:pPr algn="ctr" latinLnBrk="1"/>
+                          <a:endParaRPr lang="ko-KR" altLang="en-US" sz="1400" dirty="0"/>
+                        </a:p>
+                      </a:txBody>
+                      <a:tcPr/>
+                    </a:tc>
+                    <a:tc>
+                      <a:txBody>
+                        <a:bodyPr/>
+                        <a:lstStyle/>
+                        <a:p>
+                          <a:pPr algn="ctr" latinLnBrk="1"/>
+                          <a:endParaRPr lang="ko-KR" altLang="en-US" sz="1400" dirty="0"/>
+                        </a:p>
+                      </a:txBody>
+                      <a:tcPr/>
+                    </a:tc>
+                    <a:extLst>
+                      <a:ext uri="{0D108BD9-81ED-4DB2-BD59-A6C34878D82A}">
+                        <a16:rowId xmlns:a16="http://schemas.microsoft.com/office/drawing/2014/main" val="378092227"/>
+                      </a:ext>
+                    </a:extLst>
+                  </a:tr>
+                  <a:tr h="567580">
+                    <a:tc>
+                      <a:txBody>
+                        <a:bodyPr/>
+                        <a:lstStyle/>
+                        <a:p>
+                          <a:endParaRPr lang="ko-KR"/>
+                        </a:p>
+                      </a:txBody>
+                      <a:tcPr>
+                        <a:blipFill>
+                          <a:blip r:embed="rId7"/>
+                          <a:stretch>
+                            <a:fillRect l="-398" t="-403226" r="-201195" b="-2151"/>
+                          </a:stretch>
+                        </a:blipFill>
+                      </a:tcPr>
+                    </a:tc>
+                    <a:tc>
+                      <a:txBody>
+                        <a:bodyPr/>
+                        <a:lstStyle/>
+                        <a:p>
+                          <a:pPr algn="ctr" latinLnBrk="1"/>
+                          <a:endParaRPr lang="ko-KR" altLang="en-US" sz="1400"/>
+                        </a:p>
+                      </a:txBody>
+                      <a:tcPr/>
+                    </a:tc>
+                    <a:tc>
+                      <a:txBody>
+                        <a:bodyPr/>
+                        <a:lstStyle/>
+                        <a:p>
+                          <a:pPr algn="ctr" latinLnBrk="1"/>
+                          <a:endParaRPr lang="ko-KR" altLang="en-US" sz="1400" dirty="0"/>
+                        </a:p>
+                      </a:txBody>
+                      <a:tcPr/>
+                    </a:tc>
+                    <a:extLst>
+                      <a:ext uri="{0D108BD9-81ED-4DB2-BD59-A6C34878D82A}">
+                        <a16:rowId xmlns:a16="http://schemas.microsoft.com/office/drawing/2014/main" val="4149966728"/>
+                      </a:ext>
+                    </a:extLst>
+                  </a:tr>
+                </a:tbl>
+              </a:graphicData>
+            </a:graphic>
+          </p:graphicFrame>
+        </mc:Fallback>
+      </mc:AlternateContent>
+      <mc:AlternateContent xmlns:mc="http://schemas.openxmlformats.org/markup-compatibility/2006" xmlns:a14="http://schemas.microsoft.com/office/drawing/2010/main">
+        <mc:Choice Requires="a14">
+          <p:sp>
+            <p:nvSpPr>
+              <p:cNvPr id="19" name="TextBox 18">
+                <a:extLst>
+                  <a:ext uri="{FF2B5EF4-FFF2-40B4-BE49-F238E27FC236}">
+                    <a16:creationId xmlns:a16="http://schemas.microsoft.com/office/drawing/2014/main" id="{872FB3A8-C783-4DFD-BCFE-D4DC2A3130D3}"/>
+                  </a:ext>
+                </a:extLst>
+              </p:cNvPr>
+              <p:cNvSpPr txBox="1"/>
+              <p:nvPr/>
+            </p:nvSpPr>
+            <p:spPr>
+              <a:xfrm>
+                <a:off x="4399322" y="5846544"/>
+                <a:ext cx="2983831" cy="646331"/>
+              </a:xfrm>
+              <a:prstGeom prst="rect">
+                <a:avLst/>
+              </a:prstGeom>
+              <a:noFill/>
+            </p:spPr>
+            <p:txBody>
+              <a:bodyPr wrap="square" rtlCol="0">
+                <a:spAutoFit/>
+              </a:bodyPr>
+              <a:lstStyle/>
+              <a:p>
+                <a:pPr algn="ctr"/>
+                <a14:m>
+                  <m:oMathPara xmlns:m="http://schemas.openxmlformats.org/officeDocument/2006/math">
+                    <m:oMathParaPr>
+                      <m:jc m:val="centerGroup"/>
+                    </m:oMathParaPr>
+                    <m:oMath xmlns:m="http://schemas.openxmlformats.org/officeDocument/2006/math">
+                      <m:r>
+                        <a:rPr lang="en-US" altLang="ko-KR" i="1" dirty="0" smtClean="0">
+                          <a:latin typeface="Cambria Math" panose="02040503050406030204" pitchFamily="18" charset="0"/>
+                        </a:rPr>
+                        <m:t>𝑁𝑜𝑤</m:t>
+                      </m:r>
+                      <m:r>
+                        <a:rPr lang="en-US" altLang="ko-KR" i="1" dirty="0" smtClean="0">
+                          <a:latin typeface="Cambria Math" panose="02040503050406030204" pitchFamily="18" charset="0"/>
+                        </a:rPr>
+                        <m:t> </m:t>
+                      </m:r>
+                      <m:r>
+                        <a:rPr lang="en-US" altLang="ko-KR" i="1" dirty="0" smtClean="0">
+                          <a:latin typeface="Cambria Math" panose="02040503050406030204" pitchFamily="18" charset="0"/>
+                        </a:rPr>
+                        <m:t>𝑜𝑛𝑙𝑦</m:t>
+                      </m:r>
+                      <m:r>
+                        <a:rPr lang="en-US" altLang="ko-KR" i="1" dirty="0" smtClean="0">
+                          <a:latin typeface="Cambria Math" panose="02040503050406030204" pitchFamily="18" charset="0"/>
+                        </a:rPr>
+                        <m:t> 120 </m:t>
+                      </m:r>
+                      <m:r>
+                        <a:rPr lang="en-US" altLang="ko-KR" i="1" dirty="0" smtClean="0">
+                          <a:latin typeface="Cambria Math" panose="02040503050406030204" pitchFamily="18" charset="0"/>
+                        </a:rPr>
+                        <m:t>𝑢𝑝𝑑𝑎𝑡𝑒𝑠</m:t>
+                      </m:r>
+                    </m:oMath>
+                    <m:oMath xmlns:m="http://schemas.openxmlformats.org/officeDocument/2006/math">
+                      <m:r>
+                        <a:rPr lang="en-US" altLang="ko-KR" i="1" dirty="0" smtClean="0">
+                          <a:latin typeface="Cambria Math" panose="02040503050406030204" pitchFamily="18" charset="0"/>
+                        </a:rPr>
+                        <m:t>(1</m:t>
+                      </m:r>
+                      <m:r>
+                        <a:rPr lang="en-US" altLang="ko-KR" i="1" dirty="0" smtClean="0">
+                          <a:latin typeface="Cambria Math" panose="02040503050406030204" pitchFamily="18" charset="0"/>
+                        </a:rPr>
+                        <m:t>𝑒𝑝𝑜𝑐h</m:t>
+                      </m:r>
+                      <m:r>
+                        <a:rPr lang="en-US" altLang="ko-KR" i="1" smtClean="0">
+                          <a:latin typeface="Cambria Math" panose="02040503050406030204" pitchFamily="18" charset="0"/>
+                          <a:ea typeface="Cambria Math" panose="02040503050406030204" pitchFamily="18" charset="0"/>
+                        </a:rPr>
+                        <m:t>≈</m:t>
+                      </m:r>
+                      <m:r>
+                        <a:rPr lang="en-US" altLang="ko-KR" b="0" i="1" smtClean="0">
+                          <a:latin typeface="Cambria Math" panose="02040503050406030204" pitchFamily="18" charset="0"/>
+                          <a:ea typeface="Cambria Math" panose="02040503050406030204" pitchFamily="18" charset="0"/>
+                        </a:rPr>
+                        <m:t>20000 </m:t>
+                      </m:r>
+                      <m:r>
+                        <a:rPr lang="en-US" altLang="ko-KR" b="0" i="1" smtClean="0">
+                          <a:latin typeface="Cambria Math" panose="02040503050406030204" pitchFamily="18" charset="0"/>
+                          <a:ea typeface="Cambria Math" panose="02040503050406030204" pitchFamily="18" charset="0"/>
+                        </a:rPr>
+                        <m:t>𝑢𝑝𝑑𝑎𝑡𝑒𝑠</m:t>
+                      </m:r>
+                      <m:r>
+                        <a:rPr lang="en-US" altLang="ko-KR" b="0" i="1" smtClean="0">
+                          <a:latin typeface="Cambria Math" panose="02040503050406030204" pitchFamily="18" charset="0"/>
+                          <a:ea typeface="Cambria Math" panose="02040503050406030204" pitchFamily="18" charset="0"/>
+                        </a:rPr>
+                        <m:t>)</m:t>
+                      </m:r>
+                    </m:oMath>
+                  </m:oMathPara>
+                </a14:m>
+                <a:endParaRPr lang="ko-KR" altLang="en-US" dirty="0"/>
+              </a:p>
+            </p:txBody>
+          </p:sp>
+        </mc:Choice>
+        <mc:Fallback xmlns="">
+          <p:sp>
+            <p:nvSpPr>
+              <p:cNvPr id="19" name="TextBox 18">
+                <a:extLst>
+                  <a:ext uri="{FF2B5EF4-FFF2-40B4-BE49-F238E27FC236}">
+                    <a16:creationId xmlns:a16="http://schemas.microsoft.com/office/drawing/2014/main" id="{872FB3A8-C783-4DFD-BCFE-D4DC2A3130D3}"/>
+                  </a:ext>
+                </a:extLst>
+              </p:cNvPr>
+              <p:cNvSpPr txBox="1">
+                <a:spLocks noRot="1" noChangeAspect="1" noMove="1" noResize="1" noEditPoints="1" noAdjustHandles="1" noChangeArrowheads="1" noChangeShapeType="1" noTextEdit="1"/>
+              </p:cNvSpPr>
+              <p:nvPr/>
+            </p:nvSpPr>
+            <p:spPr>
+              <a:xfrm>
+                <a:off x="4399322" y="5846544"/>
+                <a:ext cx="2983831" cy="646331"/>
+              </a:xfrm>
+              <a:prstGeom prst="rect">
+                <a:avLst/>
+              </a:prstGeom>
+              <a:blipFill>
+                <a:blip r:embed="rId8"/>
+                <a:stretch>
+                  <a:fillRect l="-818" b="-9434"/>
+                </a:stretch>
+              </a:blipFill>
+            </p:spPr>
+            <p:txBody>
+              <a:bodyPr/>
+              <a:lstStyle/>
+              <a:p>
+                <a:r>
+                  <a:rPr lang="ko-KR" altLang="en-US">
+                    <a:noFill/>
+                  </a:rPr>
+                  <a:t> </a:t>
+                </a:r>
+              </a:p>
+            </p:txBody>
+          </p:sp>
+        </mc:Fallback>
+      </mc:AlternateContent>
+    </p:spTree>
+    <p:extLst>
+      <p:ext uri="{BB962C8B-B14F-4D97-AF65-F5344CB8AC3E}">
+        <p14:creationId xmlns:p14="http://schemas.microsoft.com/office/powerpoint/2010/main" val="1446380302"/>
+      </p:ext>
+    </p:extLst>
+  </p:cSld>
+  <p:clrMapOvr>
+    <a:masterClrMapping/>
+  </p:clrMapOvr>
+</p:sld>
+</file>
+
+<file path=ppt/slides/slide24.xml><?xml version="1.0" encoding="utf-8"?>
+<p:sld xmlns:a="http://schemas.openxmlformats.org/drawingml/2006/main" xmlns:r="http://schemas.openxmlformats.org/officeDocument/2006/relationships" xmlns:p="http://schemas.openxmlformats.org/presentationml/2006/main">
+  <p:cSld>
+    <p:spTree>
+      <p:nvGrpSpPr>
+        <p:cNvPr id="1" name=""/>
+        <p:cNvGrpSpPr/>
+        <p:nvPr/>
+      </p:nvGrpSpPr>
+      <p:grpSpPr>
+        <a:xfrm>
+          <a:off x="0" y="0"/>
+          <a:ext cx="0" cy="0"/>
+          <a:chOff x="0" y="0"/>
+          <a:chExt cx="0" cy="0"/>
+        </a:xfrm>
+      </p:grpSpPr>
+      <mc:AlternateContent xmlns:mc="http://schemas.openxmlformats.org/markup-compatibility/2006" xmlns:a14="http://schemas.microsoft.com/office/drawing/2010/main">
+        <mc:Choice Requires="a14">
+          <p:sp>
+            <p:nvSpPr>
+              <p:cNvPr id="2" name="제목 1">
+                <a:extLst>
+                  <a:ext uri="{FF2B5EF4-FFF2-40B4-BE49-F238E27FC236}">
+                    <a16:creationId xmlns:a16="http://schemas.microsoft.com/office/drawing/2014/main" id="{4EAF6F64-7B71-4908-8712-3F8BEA24B897}"/>
+                  </a:ext>
+                </a:extLst>
+              </p:cNvPr>
+              <p:cNvSpPr>
+                <a:spLocks noGrp="1"/>
+              </p:cNvSpPr>
+              <p:nvPr>
+                <p:ph type="title"/>
+              </p:nvPr>
+            </p:nvSpPr>
+            <p:spPr/>
+            <p:txBody>
+              <a:bodyPr/>
+              <a:lstStyle/>
+              <a:p>
+                <a:pPr/>
+                <a14:m>
+                  <m:oMathPara xmlns:m="http://schemas.openxmlformats.org/officeDocument/2006/math">
+                    <m:oMathParaPr>
+                      <m:jc m:val="centerGroup"/>
+                    </m:oMathParaPr>
+                    <m:oMath xmlns:m="http://schemas.openxmlformats.org/officeDocument/2006/math">
+                      <m:r>
+                        <a:rPr lang="en-US" altLang="ko-KR" b="1" i="1" dirty="0" smtClean="0">
+                          <a:latin typeface="Cambria Math" panose="02040503050406030204" pitchFamily="18" charset="0"/>
+                        </a:rPr>
+                        <m:t>𝑾𝒉𝒂𝒕</m:t>
+                      </m:r>
+                      <m:r>
+                        <a:rPr lang="en-US" altLang="ko-KR" b="1" i="1" dirty="0" smtClean="0">
+                          <a:latin typeface="Cambria Math" panose="02040503050406030204" pitchFamily="18" charset="0"/>
+                        </a:rPr>
+                        <m:t> </m:t>
+                      </m:r>
+                      <m:r>
+                        <a:rPr lang="en-US" altLang="ko-KR" b="1" i="1" dirty="0" smtClean="0">
+                          <a:latin typeface="Cambria Math" panose="02040503050406030204" pitchFamily="18" charset="0"/>
+                        </a:rPr>
+                        <m:t>𝒊𝒔</m:t>
+                      </m:r>
+                      <m:r>
+                        <a:rPr lang="en-US" altLang="ko-KR" b="1" i="1" dirty="0" smtClean="0">
+                          <a:latin typeface="Cambria Math" panose="02040503050406030204" pitchFamily="18" charset="0"/>
+                        </a:rPr>
+                        <m:t> </m:t>
+                      </m:r>
+                      <m:r>
+                        <a:rPr lang="en-US" altLang="ko-KR" b="1" i="1" dirty="0" smtClean="0">
+                          <a:latin typeface="Cambria Math" panose="02040503050406030204" pitchFamily="18" charset="0"/>
+                        </a:rPr>
+                        <m:t>𝒓𝒊𝒈𝒉𝒕</m:t>
+                      </m:r>
+                      <m:r>
+                        <a:rPr lang="en-US" altLang="ko-KR" b="1" i="1" dirty="0" smtClean="0">
+                          <a:latin typeface="Cambria Math" panose="02040503050406030204" pitchFamily="18" charset="0"/>
+                        </a:rPr>
+                        <m:t> </m:t>
+                      </m:r>
+                      <m:r>
+                        <a:rPr lang="en-US" altLang="ko-KR" b="1" i="1" dirty="0" smtClean="0">
+                          <a:latin typeface="Cambria Math" panose="02040503050406030204" pitchFamily="18" charset="0"/>
+                        </a:rPr>
+                        <m:t>𝒈𝒓𝒂𝒅𝒊𝒆𝒏𝒕</m:t>
+                      </m:r>
+                      <m:r>
+                        <a:rPr lang="en-US" altLang="ko-KR" b="1" i="1" dirty="0" smtClean="0">
+                          <a:latin typeface="Cambria Math" panose="02040503050406030204" pitchFamily="18" charset="0"/>
+                        </a:rPr>
+                        <m:t> </m:t>
+                      </m:r>
+                      <m:r>
+                        <a:rPr lang="en-US" altLang="ko-KR" b="1" i="1" dirty="0" smtClean="0">
+                          <a:latin typeface="Cambria Math" panose="02040503050406030204" pitchFamily="18" charset="0"/>
+                        </a:rPr>
+                        <m:t>𝒏𝒐𝒓𝒎</m:t>
+                      </m:r>
+                      <m:r>
+                        <a:rPr lang="en-US" altLang="ko-KR" b="1" i="1" dirty="0" smtClean="0">
+                          <a:latin typeface="Cambria Math" panose="02040503050406030204" pitchFamily="18" charset="0"/>
+                        </a:rPr>
+                        <m:t> </m:t>
+                      </m:r>
+                    </m:oMath>
+                    <m:oMath xmlns:m="http://schemas.openxmlformats.org/officeDocument/2006/math">
+                      <m:r>
+                        <a:rPr lang="en-US" altLang="ko-KR" b="1" i="1" dirty="0" smtClean="0">
+                          <a:latin typeface="Cambria Math" panose="02040503050406030204" pitchFamily="18" charset="0"/>
+                        </a:rPr>
+                        <m:t>𝒇𝒐𝒓</m:t>
+                      </m:r>
+                      <m:r>
+                        <a:rPr lang="en-US" altLang="ko-KR" b="1" i="1" dirty="0" smtClean="0">
+                          <a:latin typeface="Cambria Math" panose="02040503050406030204" pitchFamily="18" charset="0"/>
+                        </a:rPr>
+                        <m:t> </m:t>
+                      </m:r>
+                      <m:r>
+                        <a:rPr lang="en-US" altLang="ko-KR" b="1" i="1" dirty="0" smtClean="0">
+                          <a:latin typeface="Cambria Math" panose="02040503050406030204" pitchFamily="18" charset="0"/>
+                        </a:rPr>
+                        <m:t>𝑳𝒊𝒏𝒆𝒂𝒓</m:t>
+                      </m:r>
+                      <m:r>
+                        <a:rPr lang="en-US" altLang="ko-KR" b="1" i="1" dirty="0" smtClean="0">
+                          <a:latin typeface="Cambria Math" panose="02040503050406030204" pitchFamily="18" charset="0"/>
+                        </a:rPr>
+                        <m:t> </m:t>
+                      </m:r>
+                      <m:r>
+                        <a:rPr lang="en-US" altLang="ko-KR" b="1" i="1" dirty="0" smtClean="0">
+                          <a:latin typeface="Cambria Math" panose="02040503050406030204" pitchFamily="18" charset="0"/>
+                        </a:rPr>
+                        <m:t>𝑳𝒂𝒚𝒆𝒓</m:t>
+                      </m:r>
+                      <m:r>
+                        <a:rPr lang="en-US" altLang="ko-KR" b="1" i="1" dirty="0" smtClean="0">
+                          <a:latin typeface="Cambria Math" panose="02040503050406030204" pitchFamily="18" charset="0"/>
+                        </a:rPr>
+                        <m:t>(</m:t>
+                      </m:r>
+                      <m:sSub>
+                        <m:sSubPr>
+                          <m:ctrlPr>
+                            <a:rPr lang="en-US" altLang="ko-KR" b="1" i="1" dirty="0" smtClean="0">
+                              <a:latin typeface="Cambria Math" panose="02040503050406030204" pitchFamily="18" charset="0"/>
+                            </a:rPr>
+                          </m:ctrlPr>
+                        </m:sSubPr>
+                        <m:e>
+                          <m:r>
+                            <a:rPr lang="en-US" altLang="ko-KR" b="1" i="1" dirty="0" smtClean="0">
+                              <a:latin typeface="Cambria Math" panose="02040503050406030204" pitchFamily="18" charset="0"/>
+                            </a:rPr>
+                            <m:t>𝑫</m:t>
+                          </m:r>
+                        </m:e>
+                        <m:sub>
+                          <m:r>
+                            <a:rPr lang="en-US" altLang="ko-KR" b="1" i="1" dirty="0" smtClean="0">
+                              <a:latin typeface="Cambria Math" panose="02040503050406030204" pitchFamily="18" charset="0"/>
+                            </a:rPr>
+                            <m:t>𝟏</m:t>
+                          </m:r>
+                        </m:sub>
+                      </m:sSub>
+                      <m:r>
+                        <a:rPr lang="en-US" altLang="ko-KR" b="1" i="1" dirty="0" smtClean="0">
+                          <a:latin typeface="Cambria Math" panose="02040503050406030204" pitchFamily="18" charset="0"/>
+                        </a:rPr>
+                        <m:t> × </m:t>
+                      </m:r>
+                      <m:sSub>
+                        <m:sSubPr>
+                          <m:ctrlPr>
+                            <a:rPr lang="en-US" altLang="ko-KR" b="1" i="1" dirty="0" smtClean="0">
+                              <a:latin typeface="Cambria Math" panose="02040503050406030204" pitchFamily="18" charset="0"/>
+                            </a:rPr>
+                          </m:ctrlPr>
+                        </m:sSubPr>
+                        <m:e>
+                          <m:r>
+                            <a:rPr lang="en-US" altLang="ko-KR" b="1" i="1" dirty="0" smtClean="0">
+                              <a:latin typeface="Cambria Math" panose="02040503050406030204" pitchFamily="18" charset="0"/>
+                            </a:rPr>
+                            <m:t>𝑫</m:t>
+                          </m:r>
+                        </m:e>
+                        <m:sub>
+                          <m:r>
+                            <a:rPr lang="en-US" altLang="ko-KR" b="1" i="1" dirty="0" smtClean="0">
+                              <a:latin typeface="Cambria Math" panose="02040503050406030204" pitchFamily="18" charset="0"/>
+                            </a:rPr>
+                            <m:t>𝟐</m:t>
+                          </m:r>
+                        </m:sub>
+                      </m:sSub>
+                      <m:r>
+                        <a:rPr lang="en-US" altLang="ko-KR" b="1" i="1" dirty="0" smtClean="0">
+                          <a:latin typeface="Cambria Math" panose="02040503050406030204" pitchFamily="18" charset="0"/>
+                        </a:rPr>
+                        <m:t>)?</m:t>
+                      </m:r>
+                    </m:oMath>
+                  </m:oMathPara>
+                </a14:m>
+                <a:endParaRPr lang="ko-KR" altLang="en-US" b="1" dirty="0"/>
+              </a:p>
+            </p:txBody>
+          </p:sp>
+        </mc:Choice>
+        <mc:Fallback xmlns="">
+          <p:sp>
+            <p:nvSpPr>
+              <p:cNvPr id="2" name="제목 1">
+                <a:extLst>
+                  <a:ext uri="{FF2B5EF4-FFF2-40B4-BE49-F238E27FC236}">
+                    <a16:creationId xmlns:a16="http://schemas.microsoft.com/office/drawing/2014/main" id="{4EAF6F64-7B71-4908-8712-3F8BEA24B897}"/>
+                  </a:ext>
+                </a:extLst>
+              </p:cNvPr>
+              <p:cNvSpPr>
+                <a:spLocks noGrp="1" noRot="1" noChangeAspect="1" noMove="1" noResize="1" noEditPoints="1" noAdjustHandles="1" noChangeArrowheads="1" noChangeShapeType="1" noTextEdit="1"/>
+              </p:cNvSpPr>
+              <p:nvPr>
+                <p:ph type="title"/>
+              </p:nvPr>
+            </p:nvSpPr>
+            <p:spPr>
+              <a:blipFill>
+                <a:blip r:embed="rId2"/>
+                <a:stretch>
+                  <a:fillRect/>
+                </a:stretch>
+              </a:blipFill>
+            </p:spPr>
+            <p:txBody>
+              <a:bodyPr/>
+              <a:lstStyle/>
+              <a:p>
+                <a:r>
+                  <a:rPr lang="ko-KR" altLang="en-US">
+                    <a:noFill/>
+                  </a:rPr>
+                  <a:t> </a:t>
+                </a:r>
+              </a:p>
+            </p:txBody>
+          </p:sp>
+        </mc:Fallback>
+      </mc:AlternateContent>
+      <mc:AlternateContent xmlns:mc="http://schemas.openxmlformats.org/markup-compatibility/2006" xmlns:a14="http://schemas.microsoft.com/office/drawing/2010/main">
+        <mc:Choice Requires="a14">
+          <p:sp>
+            <p:nvSpPr>
+              <p:cNvPr id="5" name="TextBox 4">
+                <a:extLst>
+                  <a:ext uri="{FF2B5EF4-FFF2-40B4-BE49-F238E27FC236}">
+                    <a16:creationId xmlns:a16="http://schemas.microsoft.com/office/drawing/2014/main" id="{A05C060E-936E-4222-9893-DAE288E6E106}"/>
+                  </a:ext>
+                </a:extLst>
+              </p:cNvPr>
+              <p:cNvSpPr txBox="1"/>
+              <p:nvPr/>
+            </p:nvSpPr>
+            <p:spPr>
+              <a:xfrm>
+                <a:off x="1046745" y="1909209"/>
+                <a:ext cx="4046619" cy="523220"/>
+              </a:xfrm>
+              <a:prstGeom prst="rect">
+                <a:avLst/>
+              </a:prstGeom>
+              <a:noFill/>
+            </p:spPr>
+            <p:txBody>
+              <a:bodyPr wrap="square" rtlCol="0">
+                <a:spAutoFit/>
+              </a:bodyPr>
+              <a:lstStyle/>
+              <a:p>
+                <a:pPr/>
+                <a14:m>
+                  <m:oMathPara xmlns:m="http://schemas.openxmlformats.org/officeDocument/2006/math">
+                    <m:oMathParaPr>
+                      <m:jc m:val="centerGroup"/>
+                    </m:oMathParaPr>
+                    <m:oMath xmlns:m="http://schemas.openxmlformats.org/officeDocument/2006/math">
+                      <m:r>
+                        <a:rPr lang="en-US" altLang="ko-KR" sz="2800" b="1" i="1" smtClean="0">
+                          <a:latin typeface="Cambria Math" panose="02040503050406030204" pitchFamily="18" charset="0"/>
+                        </a:rPr>
+                        <m:t>𝟏</m:t>
+                      </m:r>
+                      <m:r>
+                        <a:rPr lang="en-US" altLang="ko-KR" sz="2800" b="1" i="1" smtClean="0">
+                          <a:latin typeface="Cambria Math" panose="02040503050406030204" pitchFamily="18" charset="0"/>
+                        </a:rPr>
+                        <m:t>. </m:t>
+                      </m:r>
+                      <m:r>
+                        <a:rPr lang="en-US" altLang="ko-KR" sz="2800" b="1" i="1" smtClean="0">
+                          <a:latin typeface="Cambria Math" panose="02040503050406030204" pitchFamily="18" charset="0"/>
+                        </a:rPr>
+                        <m:t>𝑮𝒓𝒂𝒅𝒊𝒆𝒏𝒕</m:t>
+                      </m:r>
+                      <m:r>
+                        <a:rPr lang="en-US" altLang="ko-KR" sz="2800" b="1" i="1" smtClean="0">
+                          <a:latin typeface="Cambria Math" panose="02040503050406030204" pitchFamily="18" charset="0"/>
+                        </a:rPr>
+                        <m:t> </m:t>
+                      </m:r>
+                      <m:r>
+                        <a:rPr lang="en-US" altLang="ko-KR" sz="2800" b="1" i="1" smtClean="0">
+                          <a:latin typeface="Cambria Math" panose="02040503050406030204" pitchFamily="18" charset="0"/>
+                        </a:rPr>
+                        <m:t>𝑵𝒐𝒓𝒎</m:t>
+                      </m:r>
+                      <m:r>
+                        <a:rPr lang="en-US" altLang="ko-KR" sz="2800" b="1" i="1" smtClean="0">
+                          <a:latin typeface="Cambria Math" panose="02040503050406030204" pitchFamily="18" charset="0"/>
+                        </a:rPr>
+                        <m:t> :</m:t>
+                      </m:r>
+                      <m:r>
+                        <a:rPr lang="en-US" altLang="ko-KR" sz="2800" b="1" i="1" smtClean="0">
+                          <a:latin typeface="Cambria Math" panose="02040503050406030204" pitchFamily="18" charset="0"/>
+                        </a:rPr>
+                        <m:t>𝑳</m:t>
+                      </m:r>
+                      <m:r>
+                        <a:rPr lang="en-US" altLang="ko-KR" sz="2800" b="1" i="1" smtClean="0">
+                          <a:latin typeface="Cambria Math" panose="02040503050406030204" pitchFamily="18" charset="0"/>
+                        </a:rPr>
+                        <m:t>𝟐</m:t>
+                      </m:r>
+                      <m:r>
+                        <a:rPr lang="en-US" altLang="ko-KR" sz="2800" b="1" i="1" smtClean="0">
+                          <a:latin typeface="Cambria Math" panose="02040503050406030204" pitchFamily="18" charset="0"/>
+                        </a:rPr>
+                        <m:t> </m:t>
+                      </m:r>
+                    </m:oMath>
+                  </m:oMathPara>
+                </a14:m>
+                <a:endParaRPr lang="ko-KR" altLang="en-US" sz="2800" b="1" dirty="0"/>
+              </a:p>
+            </p:txBody>
+          </p:sp>
+        </mc:Choice>
+        <mc:Fallback xmlns="">
+          <p:sp>
+            <p:nvSpPr>
+              <p:cNvPr id="5" name="TextBox 4">
+                <a:extLst>
+                  <a:ext uri="{FF2B5EF4-FFF2-40B4-BE49-F238E27FC236}">
+                    <a16:creationId xmlns:a16="http://schemas.microsoft.com/office/drawing/2014/main" id="{A05C060E-936E-4222-9893-DAE288E6E106}"/>
+                  </a:ext>
+                </a:extLst>
+              </p:cNvPr>
+              <p:cNvSpPr txBox="1">
+                <a:spLocks noRot="1" noChangeAspect="1" noMove="1" noResize="1" noEditPoints="1" noAdjustHandles="1" noChangeArrowheads="1" noChangeShapeType="1" noTextEdit="1"/>
+              </p:cNvSpPr>
+              <p:nvPr/>
+            </p:nvSpPr>
+            <p:spPr>
+              <a:xfrm>
+                <a:off x="1046745" y="1909209"/>
+                <a:ext cx="4046619" cy="523220"/>
+              </a:xfrm>
+              <a:prstGeom prst="rect">
+                <a:avLst/>
+              </a:prstGeom>
+              <a:blipFill>
+                <a:blip r:embed="rId3"/>
+                <a:stretch>
+                  <a:fillRect/>
+                </a:stretch>
+              </a:blipFill>
+            </p:spPr>
+            <p:txBody>
+              <a:bodyPr/>
+              <a:lstStyle/>
+              <a:p>
+                <a:r>
+                  <a:rPr lang="ko-KR" altLang="en-US">
+                    <a:noFill/>
+                  </a:rPr>
+                  <a:t> </a:t>
+                </a:r>
+              </a:p>
+            </p:txBody>
+          </p:sp>
+        </mc:Fallback>
+      </mc:AlternateContent>
+      <mc:AlternateContent xmlns:mc="http://schemas.openxmlformats.org/markup-compatibility/2006" xmlns:a14="http://schemas.microsoft.com/office/drawing/2010/main">
+        <mc:Choice Requires="a14">
+          <p:sp>
+            <p:nvSpPr>
+              <p:cNvPr id="6" name="TextBox 5">
+                <a:extLst>
+                  <a:ext uri="{FF2B5EF4-FFF2-40B4-BE49-F238E27FC236}">
+                    <a16:creationId xmlns:a16="http://schemas.microsoft.com/office/drawing/2014/main" id="{B9992F32-CD51-4811-A2D3-2B2033F81AFD}"/>
+                  </a:ext>
+                </a:extLst>
+              </p:cNvPr>
+              <p:cNvSpPr txBox="1"/>
+              <p:nvPr/>
+            </p:nvSpPr>
+            <p:spPr>
+              <a:xfrm>
+                <a:off x="6096000" y="1919280"/>
+                <a:ext cx="5849240" cy="461665"/>
+              </a:xfrm>
+              <a:prstGeom prst="rect">
+                <a:avLst/>
+              </a:prstGeom>
+              <a:noFill/>
+            </p:spPr>
+            <p:txBody>
+              <a:bodyPr wrap="square" rtlCol="0">
+                <a:spAutoFit/>
+              </a:bodyPr>
+              <a:lstStyle/>
+              <a:p>
+                <a:r>
+                  <a:rPr lang="en-US" altLang="ko-KR" sz="2400" b="1" dirty="0"/>
+                  <a:t>2</a:t>
+                </a:r>
+                <a14:m>
+                  <m:oMath xmlns:m="http://schemas.openxmlformats.org/officeDocument/2006/math">
+                    <m:r>
+                      <a:rPr lang="en-US" altLang="ko-KR" sz="2400" b="1" i="1">
+                        <a:latin typeface="Cambria Math" panose="02040503050406030204" pitchFamily="18" charset="0"/>
+                      </a:rPr>
+                      <m:t>. </m:t>
+                    </m:r>
+                    <m:r>
+                      <a:rPr lang="en-US" altLang="ko-KR" sz="2400" b="1" i="1">
+                        <a:latin typeface="Cambria Math" panose="02040503050406030204" pitchFamily="18" charset="0"/>
+                      </a:rPr>
+                      <m:t>𝑮𝒓𝒂𝒅𝒊𝒆𝒏𝒕</m:t>
+                    </m:r>
+                    <m:r>
+                      <a:rPr lang="en-US" altLang="ko-KR" sz="2400" b="1" i="1">
+                        <a:latin typeface="Cambria Math" panose="02040503050406030204" pitchFamily="18" charset="0"/>
+                      </a:rPr>
+                      <m:t> </m:t>
+                    </m:r>
+                    <m:r>
+                      <a:rPr lang="en-US" altLang="ko-KR" sz="2400" b="1" i="1">
+                        <a:latin typeface="Cambria Math" panose="02040503050406030204" pitchFamily="18" charset="0"/>
+                      </a:rPr>
+                      <m:t>𝑵𝒐𝒓𝒎</m:t>
+                    </m:r>
+                    <m:r>
+                      <a:rPr lang="en-US" altLang="ko-KR" sz="2400" b="1" i="1">
+                        <a:latin typeface="Cambria Math" panose="02040503050406030204" pitchFamily="18" charset="0"/>
+                      </a:rPr>
+                      <m:t> </m:t>
+                    </m:r>
+                    <m:r>
+                      <a:rPr lang="en-US" altLang="ko-KR" sz="2400" b="1" i="1" smtClean="0">
+                        <a:latin typeface="Cambria Math" panose="02040503050406030204" pitchFamily="18" charset="0"/>
+                      </a:rPr>
+                      <m:t>𝒂𝒃𝒔𝒐𝒍𝒖𝒕𝒆</m:t>
+                    </m:r>
+                    <m:r>
+                      <a:rPr lang="en-US" altLang="ko-KR" sz="2400" b="1" i="1" smtClean="0">
+                        <a:latin typeface="Cambria Math" panose="02040503050406030204" pitchFamily="18" charset="0"/>
+                      </a:rPr>
+                      <m:t> →</m:t>
+                    </m:r>
+                    <m:r>
+                      <a:rPr lang="en-US" altLang="ko-KR" sz="2400" b="1" i="1" smtClean="0">
+                        <a:latin typeface="Cambria Math" panose="02040503050406030204" pitchFamily="18" charset="0"/>
+                      </a:rPr>
+                      <m:t>𝒎𝒆𝒂𝒏</m:t>
+                    </m:r>
+                  </m:oMath>
+                </a14:m>
+                <a:endParaRPr lang="ko-KR" altLang="en-US" sz="2400" b="1" dirty="0"/>
+              </a:p>
+            </p:txBody>
+          </p:sp>
+        </mc:Choice>
+        <mc:Fallback xmlns="">
+          <p:sp>
+            <p:nvSpPr>
+              <p:cNvPr id="6" name="TextBox 5">
+                <a:extLst>
+                  <a:ext uri="{FF2B5EF4-FFF2-40B4-BE49-F238E27FC236}">
+                    <a16:creationId xmlns:a16="http://schemas.microsoft.com/office/drawing/2014/main" id="{B9992F32-CD51-4811-A2D3-2B2033F81AFD}"/>
+                  </a:ext>
+                </a:extLst>
+              </p:cNvPr>
+              <p:cNvSpPr txBox="1">
+                <a:spLocks noRot="1" noChangeAspect="1" noMove="1" noResize="1" noEditPoints="1" noAdjustHandles="1" noChangeArrowheads="1" noChangeShapeType="1" noTextEdit="1"/>
+              </p:cNvSpPr>
+              <p:nvPr/>
+            </p:nvSpPr>
+            <p:spPr>
+              <a:xfrm>
+                <a:off x="6096000" y="1919280"/>
+                <a:ext cx="5849240" cy="461665"/>
+              </a:xfrm>
+              <a:prstGeom prst="rect">
+                <a:avLst/>
+              </a:prstGeom>
+              <a:blipFill>
+                <a:blip r:embed="rId4"/>
+                <a:stretch>
+                  <a:fillRect l="-1563" t="-10526" b="-28947"/>
+                </a:stretch>
+              </a:blipFill>
+            </p:spPr>
+            <p:txBody>
+              <a:bodyPr/>
+              <a:lstStyle/>
+              <a:p>
+                <a:r>
+                  <a:rPr lang="ko-KR" altLang="en-US">
+                    <a:noFill/>
+                  </a:rPr>
+                  <a:t> </a:t>
+                </a:r>
+              </a:p>
+            </p:txBody>
+          </p:sp>
+        </mc:Fallback>
+      </mc:AlternateContent>
+      <p:pic>
+        <p:nvPicPr>
+          <p:cNvPr id="17" name="그림 16">
+            <a:extLst>
+              <a:ext uri="{FF2B5EF4-FFF2-40B4-BE49-F238E27FC236}">
+                <a16:creationId xmlns:a16="http://schemas.microsoft.com/office/drawing/2014/main" id="{46467B9E-38FF-4F1D-BB8C-36814DE67FA7}"/>
+              </a:ext>
+            </a:extLst>
+          </p:cNvPr>
+          <p:cNvPicPr>
+            <a:picLocks noChangeAspect="1"/>
+          </p:cNvPicPr>
+          <p:nvPr/>
+        </p:nvPicPr>
+        <p:blipFill>
+          <a:blip r:embed="rId5"/>
+          <a:stretch>
+            <a:fillRect/>
+          </a:stretch>
+        </p:blipFill>
+        <p:spPr>
+          <a:xfrm>
+            <a:off x="6489038" y="2470807"/>
+            <a:ext cx="4726410" cy="4387193"/>
+          </a:xfrm>
+          <a:prstGeom prst="rect">
+            <a:avLst/>
+          </a:prstGeom>
+        </p:spPr>
+      </p:pic>
+      <p:pic>
+        <p:nvPicPr>
+          <p:cNvPr id="7" name="그림 6">
+            <a:extLst>
+              <a:ext uri="{FF2B5EF4-FFF2-40B4-BE49-F238E27FC236}">
+                <a16:creationId xmlns:a16="http://schemas.microsoft.com/office/drawing/2014/main" id="{B27A5FAF-0B08-48B8-856E-53DB627D68FF}"/>
+              </a:ext>
+            </a:extLst>
+          </p:cNvPr>
+          <p:cNvPicPr>
+            <a:picLocks noChangeAspect="1"/>
+          </p:cNvPicPr>
+          <p:nvPr/>
+        </p:nvPicPr>
+        <p:blipFill>
+          <a:blip r:embed="rId6"/>
+          <a:stretch>
+            <a:fillRect/>
+          </a:stretch>
+        </p:blipFill>
+        <p:spPr>
+          <a:xfrm>
+            <a:off x="976552" y="2380945"/>
+            <a:ext cx="4618130" cy="4430707"/>
+          </a:xfrm>
+          <a:prstGeom prst="rect">
+            <a:avLst/>
+          </a:prstGeom>
+        </p:spPr>
+      </p:pic>
+    </p:spTree>
+    <p:extLst>
+      <p:ext uri="{BB962C8B-B14F-4D97-AF65-F5344CB8AC3E}">
+        <p14:creationId xmlns:p14="http://schemas.microsoft.com/office/powerpoint/2010/main" val="1037136762"/>
       </p:ext>
     </p:extLst>
   </p:cSld>
@@ -20664,10 +26668,10 @@
       </p:grpSpPr>
       <p:pic>
         <p:nvPicPr>
-          <p:cNvPr id="12" name="그림 11">
+          <p:cNvPr id="11" name="그림 10">
             <a:extLst>
               <a:ext uri="{FF2B5EF4-FFF2-40B4-BE49-F238E27FC236}">
-                <a16:creationId xmlns:a16="http://schemas.microsoft.com/office/drawing/2014/main" id="{014757CF-15E3-4428-91BF-1B4358DACADC}"/>
+                <a16:creationId xmlns:a16="http://schemas.microsoft.com/office/drawing/2014/main" id="{654A22C7-14D9-4307-A0D7-1BD2BEEE3F45}"/>
               </a:ext>
             </a:extLst>
           </p:cNvPr>
@@ -20684,8 +26688,176 @@
         </p:blipFill>
         <p:spPr>
           <a:xfrm>
-            <a:off x="0" y="222831"/>
-            <a:ext cx="12192000" cy="6396296"/>
+            <a:off x="3280910" y="1387137"/>
+            <a:ext cx="5177289" cy="5062916"/>
+          </a:xfrm>
+          <a:prstGeom prst="rect">
+            <a:avLst/>
+          </a:prstGeom>
+        </p:spPr>
+      </p:pic>
+      <mc:AlternateContent xmlns:mc="http://schemas.openxmlformats.org/markup-compatibility/2006" xmlns:a14="http://schemas.microsoft.com/office/drawing/2010/main">
+        <mc:Choice Requires="a14">
+          <p:sp>
+            <p:nvSpPr>
+              <p:cNvPr id="12" name="TextBox 11">
+                <a:extLst>
+                  <a:ext uri="{FF2B5EF4-FFF2-40B4-BE49-F238E27FC236}">
+                    <a16:creationId xmlns:a16="http://schemas.microsoft.com/office/drawing/2014/main" id="{8BAEE5D6-BB9F-42C1-A5DF-4BF2D9B65830}"/>
+                  </a:ext>
+                </a:extLst>
+              </p:cNvPr>
+              <p:cNvSpPr txBox="1"/>
+              <p:nvPr/>
+            </p:nvSpPr>
+            <p:spPr>
+              <a:xfrm>
+                <a:off x="2062011" y="315327"/>
+                <a:ext cx="7900136" cy="1015663"/>
+              </a:xfrm>
+              <a:prstGeom prst="rect">
+                <a:avLst/>
+              </a:prstGeom>
+              <a:noFill/>
+            </p:spPr>
+            <p:txBody>
+              <a:bodyPr wrap="square" rtlCol="0">
+                <a:spAutoFit/>
+              </a:bodyPr>
+              <a:lstStyle/>
+              <a:p>
+                <a:pPr/>
+                <a14:m>
+                  <m:oMathPara xmlns:m="http://schemas.openxmlformats.org/officeDocument/2006/math">
+                    <m:oMathParaPr>
+                      <m:jc m:val="centerGroup"/>
+                    </m:oMathParaPr>
+                    <m:oMath xmlns:m="http://schemas.openxmlformats.org/officeDocument/2006/math">
+                      <m:r>
+                        <a:rPr lang="en-US" altLang="ko-KR" sz="6000" b="1" i="1" dirty="0" smtClean="0">
+                          <a:latin typeface="Cambria Math" panose="02040503050406030204" pitchFamily="18" charset="0"/>
+                        </a:rPr>
+                        <m:t>𝑶𝒗𝒆𝒓𝒂𝒍𝒍</m:t>
+                      </m:r>
+                      <m:r>
+                        <a:rPr lang="en-US" altLang="ko-KR" sz="6000" b="1" i="1" dirty="0" smtClean="0">
+                          <a:latin typeface="Cambria Math" panose="02040503050406030204" pitchFamily="18" charset="0"/>
+                        </a:rPr>
+                        <m:t> </m:t>
+                      </m:r>
+                      <m:r>
+                        <a:rPr lang="en-US" altLang="ko-KR" sz="6000" b="1" i="1" dirty="0" smtClean="0">
+                          <a:latin typeface="Cambria Math" panose="02040503050406030204" pitchFamily="18" charset="0"/>
+                        </a:rPr>
+                        <m:t>𝑺𝒕𝒓𝒖𝒄𝒕𝒖𝒓𝒆</m:t>
+                      </m:r>
+                    </m:oMath>
+                  </m:oMathPara>
+                </a14:m>
+                <a:endParaRPr lang="ko-KR" altLang="en-US" sz="6000" b="1" dirty="0"/>
+              </a:p>
+            </p:txBody>
+          </p:sp>
+        </mc:Choice>
+        <mc:Fallback xmlns="">
+          <p:sp>
+            <p:nvSpPr>
+              <p:cNvPr id="12" name="TextBox 11">
+                <a:extLst>
+                  <a:ext uri="{FF2B5EF4-FFF2-40B4-BE49-F238E27FC236}">
+                    <a16:creationId xmlns:a16="http://schemas.microsoft.com/office/drawing/2014/main" id="{8BAEE5D6-BB9F-42C1-A5DF-4BF2D9B65830}"/>
+                  </a:ext>
+                </a:extLst>
+              </p:cNvPr>
+              <p:cNvSpPr txBox="1">
+                <a:spLocks noRot="1" noChangeAspect="1" noMove="1" noResize="1" noEditPoints="1" noAdjustHandles="1" noChangeArrowheads="1" noChangeShapeType="1" noTextEdit="1"/>
+              </p:cNvSpPr>
+              <p:nvPr/>
+            </p:nvSpPr>
+            <p:spPr>
+              <a:xfrm>
+                <a:off x="2062011" y="315327"/>
+                <a:ext cx="7900136" cy="1015663"/>
+              </a:xfrm>
+              <a:prstGeom prst="rect">
+                <a:avLst/>
+              </a:prstGeom>
+              <a:blipFill>
+                <a:blip r:embed="rId3"/>
+                <a:stretch>
+                  <a:fillRect/>
+                </a:stretch>
+              </a:blipFill>
+            </p:spPr>
+            <p:txBody>
+              <a:bodyPr/>
+              <a:lstStyle/>
+              <a:p>
+                <a:r>
+                  <a:rPr lang="ko-KR" altLang="en-US">
+                    <a:noFill/>
+                  </a:rPr>
+                  <a:t> </a:t>
+                </a:r>
+              </a:p>
+            </p:txBody>
+          </p:sp>
+        </mc:Fallback>
+      </mc:AlternateContent>
+    </p:spTree>
+    <p:extLst>
+      <p:ext uri="{BB962C8B-B14F-4D97-AF65-F5344CB8AC3E}">
+        <p14:creationId xmlns:p14="http://schemas.microsoft.com/office/powerpoint/2010/main" val="382292766"/>
+      </p:ext>
+    </p:extLst>
+  </p:cSld>
+  <p:clrMapOvr>
+    <a:masterClrMapping/>
+  </p:clrMapOvr>
+</p:sld>
+</file>
+
+<file path=ppt/slides/slide9.xml><?xml version="1.0" encoding="utf-8"?>
+<p:sld xmlns:a="http://schemas.openxmlformats.org/drawingml/2006/main" xmlns:r="http://schemas.openxmlformats.org/officeDocument/2006/relationships" xmlns:p="http://schemas.openxmlformats.org/presentationml/2006/main">
+  <p:cSld>
+    <p:spTree>
+      <p:nvGrpSpPr>
+        <p:cNvPr id="1" name=""/>
+        <p:cNvGrpSpPr/>
+        <p:nvPr/>
+      </p:nvGrpSpPr>
+      <p:grpSpPr>
+        <a:xfrm>
+          <a:off x="0" y="0"/>
+          <a:ext cx="0" cy="0"/>
+          <a:chOff x="0" y="0"/>
+          <a:chExt cx="0" cy="0"/>
+        </a:xfrm>
+      </p:grpSpPr>
+      <p:pic>
+        <p:nvPicPr>
+          <p:cNvPr id="5" name="그림 4">
+            <a:extLst>
+              <a:ext uri="{FF2B5EF4-FFF2-40B4-BE49-F238E27FC236}">
+                <a16:creationId xmlns:a16="http://schemas.microsoft.com/office/drawing/2014/main" id="{3D610C2F-B8E3-4E1B-A3C0-C3C0FFA14716}"/>
+              </a:ext>
+            </a:extLst>
+          </p:cNvPr>
+          <p:cNvPicPr>
+            <a:picLocks noChangeAspect="1"/>
+          </p:cNvPicPr>
+          <p:nvPr/>
+        </p:nvPicPr>
+        <p:blipFill>
+          <a:blip r:embed="rId2"/>
+          <a:stretch>
+            <a:fillRect/>
+          </a:stretch>
+        </p:blipFill>
+        <p:spPr>
+          <a:xfrm>
+            <a:off x="0" y="283149"/>
+            <a:ext cx="12192000" cy="6243575"/>
           </a:xfrm>
           <a:prstGeom prst="rect">
             <a:avLst/>
@@ -20706,7 +26878,7 @@
         </p:nvSpPr>
         <p:spPr>
           <a:xfrm>
-            <a:off x="4453552" y="2189748"/>
+            <a:off x="4517721" y="2197769"/>
             <a:ext cx="1578279" cy="2823410"/>
           </a:xfrm>
           <a:prstGeom prst="rect">
@@ -20749,119 +26921,6 @@
     <p:extLst>
       <p:ext uri="{BB962C8B-B14F-4D97-AF65-F5344CB8AC3E}">
         <p14:creationId xmlns:p14="http://schemas.microsoft.com/office/powerpoint/2010/main" val="1932536341"/>
-      </p:ext>
-    </p:extLst>
-  </p:cSld>
-  <p:clrMapOvr>
-    <a:masterClrMapping/>
-  </p:clrMapOvr>
-</p:sld>
-</file>
-
-<file path=ppt/slides/slide9.xml><?xml version="1.0" encoding="utf-8"?>
-<p:sld xmlns:a="http://schemas.openxmlformats.org/drawingml/2006/main" xmlns:r="http://schemas.openxmlformats.org/officeDocument/2006/relationships" xmlns:p="http://schemas.openxmlformats.org/presentationml/2006/main">
-  <p:cSld>
-    <p:spTree>
-      <p:nvGrpSpPr>
-        <p:cNvPr id="1" name=""/>
-        <p:cNvGrpSpPr/>
-        <p:nvPr/>
-      </p:nvGrpSpPr>
-      <p:grpSpPr>
-        <a:xfrm>
-          <a:off x="0" y="0"/>
-          <a:ext cx="0" cy="0"/>
-          <a:chOff x="0" y="0"/>
-          <a:chExt cx="0" cy="0"/>
-        </a:xfrm>
-      </p:grpSpPr>
-      <p:pic>
-        <p:nvPicPr>
-          <p:cNvPr id="12" name="그림 11">
-            <a:extLst>
-              <a:ext uri="{FF2B5EF4-FFF2-40B4-BE49-F238E27FC236}">
-                <a16:creationId xmlns:a16="http://schemas.microsoft.com/office/drawing/2014/main" id="{0514287F-AC35-4F8B-8811-9B2D24278F98}"/>
-              </a:ext>
-            </a:extLst>
-          </p:cNvPr>
-          <p:cNvPicPr>
-            <a:picLocks noChangeAspect="1"/>
-          </p:cNvPicPr>
-          <p:nvPr/>
-        </p:nvPicPr>
-        <p:blipFill>
-          <a:blip r:embed="rId2"/>
-          <a:stretch>
-            <a:fillRect/>
-          </a:stretch>
-        </p:blipFill>
-        <p:spPr>
-          <a:xfrm>
-            <a:off x="0" y="165560"/>
-            <a:ext cx="12192000" cy="6526879"/>
-          </a:xfrm>
-          <a:prstGeom prst="rect">
-            <a:avLst/>
-          </a:prstGeom>
-        </p:spPr>
-      </p:pic>
-      <p:sp>
-        <p:nvSpPr>
-          <p:cNvPr id="7" name="직사각형 6">
-            <a:extLst>
-              <a:ext uri="{FF2B5EF4-FFF2-40B4-BE49-F238E27FC236}">
-                <a16:creationId xmlns:a16="http://schemas.microsoft.com/office/drawing/2014/main" id="{3701B7DC-006D-47E0-860C-8993C7234D8A}"/>
-              </a:ext>
-            </a:extLst>
-          </p:cNvPr>
-          <p:cNvSpPr/>
-          <p:nvPr/>
-        </p:nvSpPr>
-        <p:spPr>
-          <a:xfrm>
-            <a:off x="794085" y="2302042"/>
-            <a:ext cx="1844841" cy="4328027"/>
-          </a:xfrm>
-          <a:prstGeom prst="rect">
-            <a:avLst/>
-          </a:prstGeom>
-          <a:noFill/>
-          <a:ln>
-            <a:solidFill>
-              <a:srgbClr val="FF0000"/>
-            </a:solidFill>
-            <a:prstDash val="sysDot"/>
-          </a:ln>
-        </p:spPr>
-        <p:style>
-          <a:lnRef idx="2">
-            <a:schemeClr val="accent1">
-              <a:shade val="50000"/>
-            </a:schemeClr>
-          </a:lnRef>
-          <a:fillRef idx="1">
-            <a:schemeClr val="accent1"/>
-          </a:fillRef>
-          <a:effectRef idx="0">
-            <a:schemeClr val="accent1"/>
-          </a:effectRef>
-          <a:fontRef idx="minor">
-            <a:schemeClr val="lt1"/>
-          </a:fontRef>
-        </p:style>
-        <p:txBody>
-          <a:bodyPr rtlCol="0" anchor="ctr"/>
-          <a:lstStyle/>
-          <a:p>
-            <a:pPr algn="ctr"/>
-            <a:endParaRPr lang="ko-KR" altLang="en-US"/>
-          </a:p>
-        </p:txBody>
-      </p:sp>
-    </p:spTree>
-    <p:extLst>
-      <p:ext uri="{BB962C8B-B14F-4D97-AF65-F5344CB8AC3E}">
-        <p14:creationId xmlns:p14="http://schemas.microsoft.com/office/powerpoint/2010/main" val="3146405006"/>
       </p:ext>
     </p:extLst>
   </p:cSld>
